--- a/Research/Triqui Presentation.pptx
+++ b/Research/Triqui Presentation.pptx
@@ -8,6 +8,16 @@
     <p:sldId id="256" r:id="rId2"/>
     <p:sldId id="257" r:id="rId3"/>
     <p:sldId id="258" r:id="rId4"/>
+    <p:sldId id="259" r:id="rId5"/>
+    <p:sldId id="260" r:id="rId6"/>
+    <p:sldId id="261" r:id="rId7"/>
+    <p:sldId id="263" r:id="rId8"/>
+    <p:sldId id="262" r:id="rId9"/>
+    <p:sldId id="264" r:id="rId10"/>
+    <p:sldId id="265" r:id="rId11"/>
+    <p:sldId id="266" r:id="rId12"/>
+    <p:sldId id="267" r:id="rId13"/>
+    <p:sldId id="268" r:id="rId14"/>
   </p:sldIdLst>
   <p:sldSz cx="12192000" cy="6858000"/>
   <p:notesSz cx="6858000" cy="9144000"/>
@@ -106,6 +116,11 @@
       </a:defRPr>
     </a:lvl9pPr>
   </p:defaultTextStyle>
+  <p:extLst>
+    <p:ext uri="{EFAFB233-063F-42B5-8137-9DF3F51BA10A}">
+      <p15:sldGuideLst xmlns:p15="http://schemas.microsoft.com/office/powerpoint/2012/main"/>
+    </p:ext>
+  </p:extLst>
 </p:presentation>
 </file>
 
@@ -831,7 +846,7 @@
           <a:p>
             <a:fld id="{9992DFD9-4284-4046-826A-DF7C86420486}" type="datetimeFigureOut">
               <a:rPr lang="es-ES" smtClean="0"/>
-              <a:t>28/09/2015</a:t>
+              <a:t>29/09/2015</a:t>
             </a:fld>
             <a:endParaRPr lang="es-ES"/>
           </a:p>
@@ -1082,7 +1097,7 @@
           <a:p>
             <a:fld id="{9992DFD9-4284-4046-826A-DF7C86420486}" type="datetimeFigureOut">
               <a:rPr lang="es-ES" smtClean="0"/>
-              <a:t>28/09/2015</a:t>
+              <a:t>29/09/2015</a:t>
             </a:fld>
             <a:endParaRPr lang="es-ES"/>
           </a:p>
@@ -1396,7 +1411,7 @@
           <a:p>
             <a:fld id="{9992DFD9-4284-4046-826A-DF7C86420486}" type="datetimeFigureOut">
               <a:rPr lang="es-ES" smtClean="0"/>
-              <a:t>28/09/2015</a:t>
+              <a:t>29/09/2015</a:t>
             </a:fld>
             <a:endParaRPr lang="es-ES"/>
           </a:p>
@@ -1737,7 +1752,7 @@
           <a:p>
             <a:fld id="{9992DFD9-4284-4046-826A-DF7C86420486}" type="datetimeFigureOut">
               <a:rPr lang="es-ES" smtClean="0"/>
-              <a:t>28/09/2015</a:t>
+              <a:t>29/09/2015</a:t>
             </a:fld>
             <a:endParaRPr lang="es-ES"/>
           </a:p>
@@ -2051,7 +2066,7 @@
           <a:p>
             <a:fld id="{9992DFD9-4284-4046-826A-DF7C86420486}" type="datetimeFigureOut">
               <a:rPr lang="es-ES" smtClean="0"/>
-              <a:t>28/09/2015</a:t>
+              <a:t>29/09/2015</a:t>
             </a:fld>
             <a:endParaRPr lang="es-ES"/>
           </a:p>
@@ -2444,7 +2459,7 @@
           <a:p>
             <a:fld id="{9992DFD9-4284-4046-826A-DF7C86420486}" type="datetimeFigureOut">
               <a:rPr lang="es-ES" smtClean="0"/>
-              <a:t>28/09/2015</a:t>
+              <a:t>29/09/2015</a:t>
             </a:fld>
             <a:endParaRPr lang="es-ES"/>
           </a:p>
@@ -2614,7 +2629,7 @@
           <a:p>
             <a:fld id="{9992DFD9-4284-4046-826A-DF7C86420486}" type="datetimeFigureOut">
               <a:rPr lang="es-ES" smtClean="0"/>
-              <a:t>28/09/2015</a:t>
+              <a:t>29/09/2015</a:t>
             </a:fld>
             <a:endParaRPr lang="es-ES"/>
           </a:p>
@@ -2794,7 +2809,7 @@
           <a:p>
             <a:fld id="{9992DFD9-4284-4046-826A-DF7C86420486}" type="datetimeFigureOut">
               <a:rPr lang="es-ES" smtClean="0"/>
-              <a:t>28/09/2015</a:t>
+              <a:t>29/09/2015</a:t>
             </a:fld>
             <a:endParaRPr lang="es-ES"/>
           </a:p>
@@ -2970,7 +2985,7 @@
           <a:p>
             <a:fld id="{9992DFD9-4284-4046-826A-DF7C86420486}" type="datetimeFigureOut">
               <a:rPr lang="es-ES" smtClean="0"/>
-              <a:t>28/09/2015</a:t>
+              <a:t>29/09/2015</a:t>
             </a:fld>
             <a:endParaRPr lang="es-ES"/>
           </a:p>
@@ -3217,7 +3232,7 @@
           <a:p>
             <a:fld id="{9992DFD9-4284-4046-826A-DF7C86420486}" type="datetimeFigureOut">
               <a:rPr lang="es-ES" smtClean="0"/>
-              <a:t>28/09/2015</a:t>
+              <a:t>29/09/2015</a:t>
             </a:fld>
             <a:endParaRPr lang="es-ES"/>
           </a:p>
@@ -3449,7 +3464,7 @@
           <a:p>
             <a:fld id="{9992DFD9-4284-4046-826A-DF7C86420486}" type="datetimeFigureOut">
               <a:rPr lang="es-ES" smtClean="0"/>
-              <a:t>28/09/2015</a:t>
+              <a:t>29/09/2015</a:t>
             </a:fld>
             <a:endParaRPr lang="es-ES"/>
           </a:p>
@@ -3823,7 +3838,7 @@
           <a:p>
             <a:fld id="{9992DFD9-4284-4046-826A-DF7C86420486}" type="datetimeFigureOut">
               <a:rPr lang="es-ES" smtClean="0"/>
-              <a:t>28/09/2015</a:t>
+              <a:t>29/09/2015</a:t>
             </a:fld>
             <a:endParaRPr lang="es-ES"/>
           </a:p>
@@ -3946,7 +3961,7 @@
           <a:p>
             <a:fld id="{9992DFD9-4284-4046-826A-DF7C86420486}" type="datetimeFigureOut">
               <a:rPr lang="es-ES" smtClean="0"/>
-              <a:t>28/09/2015</a:t>
+              <a:t>29/09/2015</a:t>
             </a:fld>
             <a:endParaRPr lang="es-ES"/>
           </a:p>
@@ -4041,7 +4056,7 @@
           <a:p>
             <a:fld id="{9992DFD9-4284-4046-826A-DF7C86420486}" type="datetimeFigureOut">
               <a:rPr lang="es-ES" smtClean="0"/>
-              <a:t>28/09/2015</a:t>
+              <a:t>29/09/2015</a:t>
             </a:fld>
             <a:endParaRPr lang="es-ES"/>
           </a:p>
@@ -4296,7 +4311,7 @@
           <a:p>
             <a:fld id="{9992DFD9-4284-4046-826A-DF7C86420486}" type="datetimeFigureOut">
               <a:rPr lang="es-ES" smtClean="0"/>
-              <a:t>28/09/2015</a:t>
+              <a:t>29/09/2015</a:t>
             </a:fld>
             <a:endParaRPr lang="es-ES"/>
           </a:p>
@@ -4559,7 +4574,7 @@
           <a:p>
             <a:fld id="{9992DFD9-4284-4046-826A-DF7C86420486}" type="datetimeFigureOut">
               <a:rPr lang="es-ES" smtClean="0"/>
-              <a:t>28/09/2015</a:t>
+              <a:t>29/09/2015</a:t>
             </a:fld>
             <a:endParaRPr lang="es-ES"/>
           </a:p>
@@ -5302,7 +5317,7 @@
           <a:p>
             <a:fld id="{9992DFD9-4284-4046-826A-DF7C86420486}" type="datetimeFigureOut">
               <a:rPr lang="es-ES" smtClean="0"/>
-              <a:t>28/09/2015</a:t>
+              <a:t>29/09/2015</a:t>
             </a:fld>
             <a:endParaRPr lang="es-ES"/>
           </a:p>
@@ -6197,6 +6212,5324 @@
   <p:clrMapOvr>
     <a:masterClrMapping/>
   </p:clrMapOvr>
+  <p:timing>
+    <p:tnLst>
+      <p:par>
+        <p:cTn id="1" dur="indefinite" restart="never" nodeType="tmRoot"/>
+      </p:par>
+    </p:tnLst>
+  </p:timing>
+</p:sld>
+</file>
+
+<file path=ppt/slides/slide10.xml><?xml version="1.0" encoding="utf-8"?>
+<p:sld xmlns:a="http://schemas.openxmlformats.org/drawingml/2006/main" xmlns:r="http://schemas.openxmlformats.org/officeDocument/2006/relationships" xmlns:p="http://schemas.openxmlformats.org/presentationml/2006/main">
+  <p:cSld>
+    <p:spTree>
+      <p:nvGrpSpPr>
+        <p:cNvPr id="1" name=""/>
+        <p:cNvGrpSpPr/>
+        <p:nvPr/>
+      </p:nvGrpSpPr>
+      <p:grpSpPr>
+        <a:xfrm>
+          <a:off x="0" y="0"/>
+          <a:ext cx="0" cy="0"/>
+          <a:chOff x="0" y="0"/>
+          <a:chExt cx="0" cy="0"/>
+        </a:xfrm>
+      </p:grpSpPr>
+      <p:sp>
+        <p:nvSpPr>
+          <p:cNvPr id="2" name="Title 1"/>
+          <p:cNvSpPr>
+            <a:spLocks noGrp="1"/>
+          </p:cNvSpPr>
+          <p:nvPr>
+            <p:ph type="title"/>
+          </p:nvPr>
+        </p:nvSpPr>
+        <p:spPr/>
+        <p:txBody>
+          <a:bodyPr/>
+          <a:lstStyle/>
+          <a:p>
+            <a:r>
+              <a:rPr lang="es-CO" dirty="0" err="1" smtClean="0"/>
+              <a:t>Minimax</a:t>
+            </a:r>
+            <a:endParaRPr lang="es-ES" dirty="0"/>
+          </a:p>
+        </p:txBody>
+      </p:sp>
+      <p:sp>
+        <p:nvSpPr>
+          <p:cNvPr id="3" name="Content Placeholder 2"/>
+          <p:cNvSpPr>
+            <a:spLocks noGrp="1"/>
+          </p:cNvSpPr>
+          <p:nvPr>
+            <p:ph idx="1"/>
+          </p:nvPr>
+        </p:nvSpPr>
+        <p:spPr>
+          <a:xfrm>
+            <a:off x="677334" y="1803538"/>
+            <a:ext cx="8596668" cy="3880773"/>
+          </a:xfrm>
+        </p:spPr>
+        <p:txBody>
+          <a:bodyPr/>
+          <a:lstStyle/>
+          <a:p>
+            <a:r>
+              <a:rPr lang="es-CO" dirty="0" smtClean="0"/>
+              <a:t>El algoritmo </a:t>
+            </a:r>
+            <a:r>
+              <a:rPr lang="es-CO" dirty="0" err="1" smtClean="0"/>
+              <a:t>Minimax</a:t>
+            </a:r>
+            <a:r>
+              <a:rPr lang="es-CO" dirty="0" smtClean="0"/>
+              <a:t> es el corazón de la inteligencia artificial del </a:t>
+            </a:r>
+            <a:r>
+              <a:rPr lang="es-CO" dirty="0" err="1" smtClean="0"/>
+              <a:t>triqui</a:t>
+            </a:r>
+            <a:r>
+              <a:rPr lang="es-CO" dirty="0" smtClean="0"/>
+              <a:t>, este algoritmo, a grandes rasgos, analiza cada posición posible y selecciona la jugada mas viable para la maquina.</a:t>
+            </a:r>
+          </a:p>
+          <a:p>
+            <a:r>
+              <a:rPr lang="es-CO" dirty="0" smtClean="0"/>
+              <a:t>Tomando en cuenta que cada jugada completa tiene un valor, que puede ser 1, 0 y -1, podemos analizar a quien</a:t>
+            </a:r>
+            <a:br>
+              <a:rPr lang="es-CO" dirty="0" smtClean="0"/>
+            </a:br>
+            <a:r>
+              <a:rPr lang="es-CO" dirty="0" smtClean="0"/>
+              <a:t>le conviene un valor menor o mayor</a:t>
+            </a:r>
+            <a:br>
+              <a:rPr lang="es-CO" dirty="0" smtClean="0"/>
+            </a:br>
+            <a:r>
+              <a:rPr lang="es-CO" dirty="0" smtClean="0"/>
+              <a:t>al final.</a:t>
+            </a:r>
+          </a:p>
+          <a:p>
+            <a:r>
+              <a:rPr lang="es-CO" dirty="0" smtClean="0"/>
+              <a:t>Para X será mayor, para O será </a:t>
+            </a:r>
+            <a:br>
+              <a:rPr lang="es-CO" dirty="0" smtClean="0"/>
+            </a:br>
+            <a:r>
+              <a:rPr lang="es-CO" dirty="0" smtClean="0"/>
+              <a:t>menor.</a:t>
+            </a:r>
+            <a:endParaRPr lang="es-ES" dirty="0"/>
+          </a:p>
+        </p:txBody>
+      </p:sp>
+      <p:pic>
+        <p:nvPicPr>
+          <p:cNvPr id="4" name="Picture 3" descr="http://mnemstudio.org/ai/game/images/minimax_move_tree1.gif"/>
+          <p:cNvPicPr/>
+          <p:nvPr/>
+        </p:nvPicPr>
+        <p:blipFill>
+          <a:blip r:embed="rId2">
+            <a:extLst>
+              <a:ext uri="{28A0092B-C50C-407E-A947-70E740481C1C}">
+                <a14:useLocalDpi xmlns:a14="http://schemas.microsoft.com/office/drawing/2010/main" val="0"/>
+              </a:ext>
+            </a:extLst>
+          </a:blip>
+          <a:srcRect/>
+          <a:stretch>
+            <a:fillRect/>
+          </a:stretch>
+        </p:blipFill>
+        <p:spPr bwMode="auto">
+          <a:xfrm>
+            <a:off x="4975668" y="3202715"/>
+            <a:ext cx="5083810" cy="3050540"/>
+          </a:xfrm>
+          <a:prstGeom prst="rect">
+            <a:avLst/>
+          </a:prstGeom>
+          <a:noFill/>
+          <a:ln>
+            <a:noFill/>
+          </a:ln>
+        </p:spPr>
+      </p:pic>
+    </p:spTree>
+    <p:extLst>
+      <p:ext uri="{BB962C8B-B14F-4D97-AF65-F5344CB8AC3E}">
+        <p14:creationId xmlns:p14="http://schemas.microsoft.com/office/powerpoint/2010/main" val="50486904"/>
+      </p:ext>
+    </p:extLst>
+  </p:cSld>
+  <p:clrMapOvr>
+    <a:masterClrMapping/>
+  </p:clrMapOvr>
+  <p:timing>
+    <p:tnLst>
+      <p:par>
+        <p:cTn id="1" dur="indefinite" restart="never" nodeType="tmRoot"/>
+      </p:par>
+    </p:tnLst>
+  </p:timing>
+</p:sld>
+</file>
+
+<file path=ppt/slides/slide11.xml><?xml version="1.0" encoding="utf-8"?>
+<p:sld xmlns:a="http://schemas.openxmlformats.org/drawingml/2006/main" xmlns:r="http://schemas.openxmlformats.org/officeDocument/2006/relationships" xmlns:p="http://schemas.openxmlformats.org/presentationml/2006/main">
+  <p:cSld>
+    <p:spTree>
+      <p:nvGrpSpPr>
+        <p:cNvPr id="1" name=""/>
+        <p:cNvGrpSpPr/>
+        <p:nvPr/>
+      </p:nvGrpSpPr>
+      <p:grpSpPr>
+        <a:xfrm>
+          <a:off x="0" y="0"/>
+          <a:ext cx="0" cy="0"/>
+          <a:chOff x="0" y="0"/>
+          <a:chExt cx="0" cy="0"/>
+        </a:xfrm>
+      </p:grpSpPr>
+      <p:sp>
+        <p:nvSpPr>
+          <p:cNvPr id="3" name="Content Placeholder 2"/>
+          <p:cNvSpPr>
+            <a:spLocks noGrp="1"/>
+          </p:cNvSpPr>
+          <p:nvPr>
+            <p:ph idx="1"/>
+          </p:nvPr>
+        </p:nvSpPr>
+        <p:spPr>
+          <a:xfrm>
+            <a:off x="659916" y="296955"/>
+            <a:ext cx="8596668" cy="3880773"/>
+          </a:xfrm>
+        </p:spPr>
+        <p:txBody>
+          <a:bodyPr/>
+          <a:lstStyle/>
+          <a:p>
+            <a:r>
+              <a:rPr lang="es-CO" dirty="0" smtClean="0"/>
+              <a:t>Para el </a:t>
+            </a:r>
+            <a:r>
+              <a:rPr lang="es-CO" dirty="0" err="1" smtClean="0"/>
+              <a:t>algortimo</a:t>
+            </a:r>
+            <a:r>
+              <a:rPr lang="es-CO" dirty="0" smtClean="0"/>
+              <a:t> </a:t>
+            </a:r>
+            <a:r>
+              <a:rPr lang="es-CO" dirty="0" err="1"/>
+              <a:t>M</a:t>
+            </a:r>
+            <a:r>
+              <a:rPr lang="es-CO" dirty="0" err="1" smtClean="0"/>
+              <a:t>inimax</a:t>
+            </a:r>
+            <a:r>
+              <a:rPr lang="es-CO" dirty="0" smtClean="0"/>
+              <a:t> se utilizo una función que tomaba como parámetro al jugador que tenia el turno en ese momento, y dependiendo de que turno tenia, minimizaba el valor para uno (O) y maximizaba para el otro (X) mediante llamados recursivos a si misma.</a:t>
+            </a:r>
+            <a:endParaRPr lang="es-ES" dirty="0"/>
+          </a:p>
+        </p:txBody>
+      </p:sp>
+      <p:sp>
+        <p:nvSpPr>
+          <p:cNvPr id="4" name="Oval 3"/>
+          <p:cNvSpPr/>
+          <p:nvPr/>
+        </p:nvSpPr>
+        <p:spPr>
+          <a:xfrm>
+            <a:off x="4563292" y="1741715"/>
+            <a:ext cx="1210491" cy="896982"/>
+          </a:xfrm>
+          <a:prstGeom prst="ellipse">
+            <a:avLst/>
+          </a:prstGeom>
+        </p:spPr>
+        <p:style>
+          <a:lnRef idx="2">
+            <a:schemeClr val="accent1">
+              <a:shade val="50000"/>
+            </a:schemeClr>
+          </a:lnRef>
+          <a:fillRef idx="1">
+            <a:schemeClr val="accent1"/>
+          </a:fillRef>
+          <a:effectRef idx="0">
+            <a:schemeClr val="accent1"/>
+          </a:effectRef>
+          <a:fontRef idx="minor">
+            <a:schemeClr val="lt1"/>
+          </a:fontRef>
+        </p:style>
+        <p:txBody>
+          <a:bodyPr rtlCol="0" anchor="ctr"/>
+          <a:lstStyle/>
+          <a:p>
+            <a:pPr algn="ctr"/>
+            <a:endParaRPr lang="es-ES"/>
+          </a:p>
+        </p:txBody>
+      </p:sp>
+      <p:sp>
+        <p:nvSpPr>
+          <p:cNvPr id="5" name="TextBox 4"/>
+          <p:cNvSpPr txBox="1"/>
+          <p:nvPr/>
+        </p:nvSpPr>
+        <p:spPr>
+          <a:xfrm>
+            <a:off x="4667794" y="1878393"/>
+            <a:ext cx="1001486" cy="646331"/>
+          </a:xfrm>
+          <a:prstGeom prst="rect">
+            <a:avLst/>
+          </a:prstGeom>
+          <a:noFill/>
+        </p:spPr>
+        <p:txBody>
+          <a:bodyPr wrap="square" rtlCol="0">
+            <a:spAutoFit/>
+          </a:bodyPr>
+          <a:lstStyle/>
+          <a:p>
+            <a:pPr algn="ctr"/>
+            <a:r>
+              <a:rPr lang="es-CO" dirty="0" smtClean="0"/>
+              <a:t>Estado inicial</a:t>
+            </a:r>
+            <a:endParaRPr lang="es-ES" dirty="0"/>
+          </a:p>
+        </p:txBody>
+      </p:sp>
+      <p:cxnSp>
+        <p:nvCxnSpPr>
+          <p:cNvPr id="7" name="Straight Connector 6"/>
+          <p:cNvCxnSpPr/>
+          <p:nvPr/>
+        </p:nvCxnSpPr>
+        <p:spPr>
+          <a:xfrm flipH="1">
+            <a:off x="1880084" y="2524724"/>
+            <a:ext cx="2848671" cy="906453"/>
+          </a:xfrm>
+          <a:prstGeom prst="line">
+            <a:avLst/>
+          </a:prstGeom>
+        </p:spPr>
+        <p:style>
+          <a:lnRef idx="1">
+            <a:schemeClr val="accent1"/>
+          </a:lnRef>
+          <a:fillRef idx="0">
+            <a:schemeClr val="accent1"/>
+          </a:fillRef>
+          <a:effectRef idx="0">
+            <a:schemeClr val="accent1"/>
+          </a:effectRef>
+          <a:fontRef idx="minor">
+            <a:schemeClr val="tx1"/>
+          </a:fontRef>
+        </p:style>
+      </p:cxnSp>
+      <p:cxnSp>
+        <p:nvCxnSpPr>
+          <p:cNvPr id="8" name="Straight Connector 7"/>
+          <p:cNvCxnSpPr/>
+          <p:nvPr/>
+        </p:nvCxnSpPr>
+        <p:spPr>
+          <a:xfrm>
+            <a:off x="5168537" y="2627050"/>
+            <a:ext cx="0" cy="684641"/>
+          </a:xfrm>
+          <a:prstGeom prst="line">
+            <a:avLst/>
+          </a:prstGeom>
+        </p:spPr>
+        <p:style>
+          <a:lnRef idx="1">
+            <a:schemeClr val="accent1"/>
+          </a:lnRef>
+          <a:fillRef idx="0">
+            <a:schemeClr val="accent1"/>
+          </a:fillRef>
+          <a:effectRef idx="0">
+            <a:schemeClr val="accent1"/>
+          </a:effectRef>
+          <a:fontRef idx="minor">
+            <a:schemeClr val="tx1"/>
+          </a:fontRef>
+        </p:style>
+      </p:cxnSp>
+      <p:cxnSp>
+        <p:nvCxnSpPr>
+          <p:cNvPr id="9" name="Straight Connector 8"/>
+          <p:cNvCxnSpPr/>
+          <p:nvPr/>
+        </p:nvCxnSpPr>
+        <p:spPr>
+          <a:xfrm>
+            <a:off x="5608320" y="2524724"/>
+            <a:ext cx="2903681" cy="906453"/>
+          </a:xfrm>
+          <a:prstGeom prst="line">
+            <a:avLst/>
+          </a:prstGeom>
+        </p:spPr>
+        <p:style>
+          <a:lnRef idx="1">
+            <a:schemeClr val="accent1"/>
+          </a:lnRef>
+          <a:fillRef idx="0">
+            <a:schemeClr val="accent1"/>
+          </a:fillRef>
+          <a:effectRef idx="0">
+            <a:schemeClr val="accent1"/>
+          </a:effectRef>
+          <a:fontRef idx="minor">
+            <a:schemeClr val="tx1"/>
+          </a:fontRef>
+        </p:style>
+      </p:cxnSp>
+      <p:sp>
+        <p:nvSpPr>
+          <p:cNvPr id="15" name="Oval 14"/>
+          <p:cNvSpPr/>
+          <p:nvPr/>
+        </p:nvSpPr>
+        <p:spPr>
+          <a:xfrm>
+            <a:off x="1210491" y="3435120"/>
+            <a:ext cx="1184366" cy="809897"/>
+          </a:xfrm>
+          <a:prstGeom prst="ellipse">
+            <a:avLst/>
+          </a:prstGeom>
+        </p:spPr>
+        <p:style>
+          <a:lnRef idx="2">
+            <a:schemeClr val="accent1">
+              <a:shade val="50000"/>
+            </a:schemeClr>
+          </a:lnRef>
+          <a:fillRef idx="1">
+            <a:schemeClr val="accent1"/>
+          </a:fillRef>
+          <a:effectRef idx="0">
+            <a:schemeClr val="accent1"/>
+          </a:effectRef>
+          <a:fontRef idx="minor">
+            <a:schemeClr val="lt1"/>
+          </a:fontRef>
+        </p:style>
+        <p:txBody>
+          <a:bodyPr rtlCol="0" anchor="ctr"/>
+          <a:lstStyle/>
+          <a:p>
+            <a:pPr algn="ctr"/>
+            <a:endParaRPr lang="es-ES"/>
+          </a:p>
+        </p:txBody>
+      </p:sp>
+      <p:sp>
+        <p:nvSpPr>
+          <p:cNvPr id="16" name="TextBox 15"/>
+          <p:cNvSpPr txBox="1"/>
+          <p:nvPr/>
+        </p:nvSpPr>
+        <p:spPr>
+          <a:xfrm>
+            <a:off x="5669280" y="1647561"/>
+            <a:ext cx="888274" cy="369332"/>
+          </a:xfrm>
+          <a:prstGeom prst="rect">
+            <a:avLst/>
+          </a:prstGeom>
+          <a:noFill/>
+        </p:spPr>
+        <p:txBody>
+          <a:bodyPr wrap="square" rtlCol="0">
+            <a:spAutoFit/>
+          </a:bodyPr>
+          <a:lstStyle/>
+          <a:p>
+            <a:r>
+              <a:rPr lang="es-CO" dirty="0" smtClean="0"/>
+              <a:t>Min O</a:t>
+            </a:r>
+            <a:endParaRPr lang="es-ES" dirty="0"/>
+          </a:p>
+        </p:txBody>
+      </p:sp>
+      <p:sp>
+        <p:nvSpPr>
+          <p:cNvPr id="17" name="TextBox 16"/>
+          <p:cNvSpPr txBox="1"/>
+          <p:nvPr/>
+        </p:nvSpPr>
+        <p:spPr>
+          <a:xfrm>
+            <a:off x="181913" y="3655403"/>
+            <a:ext cx="888274" cy="369332"/>
+          </a:xfrm>
+          <a:prstGeom prst="rect">
+            <a:avLst/>
+          </a:prstGeom>
+          <a:noFill/>
+        </p:spPr>
+        <p:txBody>
+          <a:bodyPr wrap="square" rtlCol="0">
+            <a:spAutoFit/>
+          </a:bodyPr>
+          <a:lstStyle/>
+          <a:p>
+            <a:r>
+              <a:rPr lang="es-CO" dirty="0" smtClean="0"/>
+              <a:t>Max X</a:t>
+            </a:r>
+            <a:endParaRPr lang="es-ES" dirty="0"/>
+          </a:p>
+        </p:txBody>
+      </p:sp>
+      <p:sp>
+        <p:nvSpPr>
+          <p:cNvPr id="18" name="TextBox 17"/>
+          <p:cNvSpPr txBox="1"/>
+          <p:nvPr/>
+        </p:nvSpPr>
+        <p:spPr>
+          <a:xfrm>
+            <a:off x="1336765" y="3578458"/>
+            <a:ext cx="931818" cy="523220"/>
+          </a:xfrm>
+          <a:prstGeom prst="rect">
+            <a:avLst/>
+          </a:prstGeom>
+          <a:noFill/>
+        </p:spPr>
+        <p:txBody>
+          <a:bodyPr wrap="square" rtlCol="0">
+            <a:spAutoFit/>
+          </a:bodyPr>
+          <a:lstStyle/>
+          <a:p>
+            <a:pPr algn="ctr"/>
+            <a:r>
+              <a:rPr lang="es-CO" sz="1400" dirty="0" smtClean="0"/>
+              <a:t>Estado siguiente</a:t>
+            </a:r>
+            <a:endParaRPr lang="es-ES" sz="1400" dirty="0"/>
+          </a:p>
+        </p:txBody>
+      </p:sp>
+      <p:sp>
+        <p:nvSpPr>
+          <p:cNvPr id="19" name="Oval 18"/>
+          <p:cNvSpPr/>
+          <p:nvPr/>
+        </p:nvSpPr>
+        <p:spPr>
+          <a:xfrm>
+            <a:off x="7886386" y="3451849"/>
+            <a:ext cx="1184366" cy="809897"/>
+          </a:xfrm>
+          <a:prstGeom prst="ellipse">
+            <a:avLst/>
+          </a:prstGeom>
+        </p:spPr>
+        <p:style>
+          <a:lnRef idx="2">
+            <a:schemeClr val="accent1">
+              <a:shade val="50000"/>
+            </a:schemeClr>
+          </a:lnRef>
+          <a:fillRef idx="1">
+            <a:schemeClr val="accent1"/>
+          </a:fillRef>
+          <a:effectRef idx="0">
+            <a:schemeClr val="accent1"/>
+          </a:effectRef>
+          <a:fontRef idx="minor">
+            <a:schemeClr val="lt1"/>
+          </a:fontRef>
+        </p:style>
+        <p:txBody>
+          <a:bodyPr rtlCol="0" anchor="ctr"/>
+          <a:lstStyle/>
+          <a:p>
+            <a:pPr algn="ctr"/>
+            <a:endParaRPr lang="es-ES"/>
+          </a:p>
+        </p:txBody>
+      </p:sp>
+      <p:sp>
+        <p:nvSpPr>
+          <p:cNvPr id="20" name="TextBox 19"/>
+          <p:cNvSpPr txBox="1"/>
+          <p:nvPr/>
+        </p:nvSpPr>
+        <p:spPr>
+          <a:xfrm>
+            <a:off x="8012660" y="3595187"/>
+            <a:ext cx="931818" cy="523220"/>
+          </a:xfrm>
+          <a:prstGeom prst="rect">
+            <a:avLst/>
+          </a:prstGeom>
+          <a:noFill/>
+        </p:spPr>
+        <p:txBody>
+          <a:bodyPr wrap="square" rtlCol="0">
+            <a:spAutoFit/>
+          </a:bodyPr>
+          <a:lstStyle/>
+          <a:p>
+            <a:pPr algn="ctr"/>
+            <a:r>
+              <a:rPr lang="es-CO" sz="1400" dirty="0" smtClean="0"/>
+              <a:t>Estado siguiente</a:t>
+            </a:r>
+            <a:endParaRPr lang="es-ES" sz="1400" dirty="0"/>
+          </a:p>
+        </p:txBody>
+      </p:sp>
+      <p:sp>
+        <p:nvSpPr>
+          <p:cNvPr id="21" name="Oval 20"/>
+          <p:cNvSpPr/>
+          <p:nvPr/>
+        </p:nvSpPr>
+        <p:spPr>
+          <a:xfrm>
+            <a:off x="4589417" y="3308511"/>
+            <a:ext cx="1184366" cy="809897"/>
+          </a:xfrm>
+          <a:prstGeom prst="ellipse">
+            <a:avLst/>
+          </a:prstGeom>
+        </p:spPr>
+        <p:style>
+          <a:lnRef idx="2">
+            <a:schemeClr val="accent1">
+              <a:shade val="50000"/>
+            </a:schemeClr>
+          </a:lnRef>
+          <a:fillRef idx="1">
+            <a:schemeClr val="accent1"/>
+          </a:fillRef>
+          <a:effectRef idx="0">
+            <a:schemeClr val="accent1"/>
+          </a:effectRef>
+          <a:fontRef idx="minor">
+            <a:schemeClr val="lt1"/>
+          </a:fontRef>
+        </p:style>
+        <p:txBody>
+          <a:bodyPr rtlCol="0" anchor="ctr"/>
+          <a:lstStyle/>
+          <a:p>
+            <a:pPr algn="ctr"/>
+            <a:endParaRPr lang="es-ES"/>
+          </a:p>
+        </p:txBody>
+      </p:sp>
+      <p:sp>
+        <p:nvSpPr>
+          <p:cNvPr id="22" name="TextBox 21"/>
+          <p:cNvSpPr txBox="1"/>
+          <p:nvPr/>
+        </p:nvSpPr>
+        <p:spPr>
+          <a:xfrm>
+            <a:off x="4715691" y="3451849"/>
+            <a:ext cx="931818" cy="523220"/>
+          </a:xfrm>
+          <a:prstGeom prst="rect">
+            <a:avLst/>
+          </a:prstGeom>
+          <a:noFill/>
+        </p:spPr>
+        <p:txBody>
+          <a:bodyPr wrap="square" rtlCol="0">
+            <a:spAutoFit/>
+          </a:bodyPr>
+          <a:lstStyle/>
+          <a:p>
+            <a:pPr algn="ctr"/>
+            <a:r>
+              <a:rPr lang="es-CO" sz="1400" dirty="0" smtClean="0"/>
+              <a:t>Estado siguiente</a:t>
+            </a:r>
+            <a:endParaRPr lang="es-ES" sz="1400" dirty="0"/>
+          </a:p>
+        </p:txBody>
+      </p:sp>
+      <p:cxnSp>
+        <p:nvCxnSpPr>
+          <p:cNvPr id="24" name="Straight Connector 23"/>
+          <p:cNvCxnSpPr>
+            <a:stCxn id="15" idx="3"/>
+          </p:cNvCxnSpPr>
+          <p:nvPr/>
+        </p:nvCxnSpPr>
+        <p:spPr>
+          <a:xfrm flipH="1">
+            <a:off x="1163319" y="4126410"/>
+            <a:ext cx="220618" cy="1011647"/>
+          </a:xfrm>
+          <a:prstGeom prst="line">
+            <a:avLst/>
+          </a:prstGeom>
+        </p:spPr>
+        <p:style>
+          <a:lnRef idx="1">
+            <a:schemeClr val="accent1"/>
+          </a:lnRef>
+          <a:fillRef idx="0">
+            <a:schemeClr val="accent1"/>
+          </a:fillRef>
+          <a:effectRef idx="0">
+            <a:schemeClr val="accent1"/>
+          </a:effectRef>
+          <a:fontRef idx="minor">
+            <a:schemeClr val="tx1"/>
+          </a:fontRef>
+        </p:style>
+      </p:cxnSp>
+      <p:cxnSp>
+        <p:nvCxnSpPr>
+          <p:cNvPr id="26" name="Straight Connector 25"/>
+          <p:cNvCxnSpPr>
+            <a:stCxn id="15" idx="5"/>
+          </p:cNvCxnSpPr>
+          <p:nvPr/>
+        </p:nvCxnSpPr>
+        <p:spPr>
+          <a:xfrm>
+            <a:off x="2221411" y="4126410"/>
+            <a:ext cx="173446" cy="1011647"/>
+          </a:xfrm>
+          <a:prstGeom prst="line">
+            <a:avLst/>
+          </a:prstGeom>
+        </p:spPr>
+        <p:style>
+          <a:lnRef idx="1">
+            <a:schemeClr val="accent1"/>
+          </a:lnRef>
+          <a:fillRef idx="0">
+            <a:schemeClr val="accent1"/>
+          </a:fillRef>
+          <a:effectRef idx="0">
+            <a:schemeClr val="accent1"/>
+          </a:effectRef>
+          <a:fontRef idx="minor">
+            <a:schemeClr val="tx1"/>
+          </a:fontRef>
+        </p:style>
+      </p:cxnSp>
+      <p:cxnSp>
+        <p:nvCxnSpPr>
+          <p:cNvPr id="27" name="Straight Connector 26"/>
+          <p:cNvCxnSpPr/>
+          <p:nvPr/>
+        </p:nvCxnSpPr>
+        <p:spPr>
+          <a:xfrm>
+            <a:off x="5524499" y="4024735"/>
+            <a:ext cx="173446" cy="1011647"/>
+          </a:xfrm>
+          <a:prstGeom prst="line">
+            <a:avLst/>
+          </a:prstGeom>
+        </p:spPr>
+        <p:style>
+          <a:lnRef idx="1">
+            <a:schemeClr val="accent1"/>
+          </a:lnRef>
+          <a:fillRef idx="0">
+            <a:schemeClr val="accent1"/>
+          </a:fillRef>
+          <a:effectRef idx="0">
+            <a:schemeClr val="accent1"/>
+          </a:effectRef>
+          <a:fontRef idx="minor">
+            <a:schemeClr val="tx1"/>
+          </a:fontRef>
+        </p:style>
+      </p:cxnSp>
+      <p:cxnSp>
+        <p:nvCxnSpPr>
+          <p:cNvPr id="28" name="Straight Connector 27"/>
+          <p:cNvCxnSpPr/>
+          <p:nvPr/>
+        </p:nvCxnSpPr>
+        <p:spPr>
+          <a:xfrm>
+            <a:off x="8882259" y="4101231"/>
+            <a:ext cx="173446" cy="1011647"/>
+          </a:xfrm>
+          <a:prstGeom prst="line">
+            <a:avLst/>
+          </a:prstGeom>
+        </p:spPr>
+        <p:style>
+          <a:lnRef idx="1">
+            <a:schemeClr val="accent1"/>
+          </a:lnRef>
+          <a:fillRef idx="0">
+            <a:schemeClr val="accent1"/>
+          </a:fillRef>
+          <a:effectRef idx="0">
+            <a:schemeClr val="accent1"/>
+          </a:effectRef>
+          <a:fontRef idx="minor">
+            <a:schemeClr val="tx1"/>
+          </a:fontRef>
+        </p:style>
+      </p:cxnSp>
+      <p:cxnSp>
+        <p:nvCxnSpPr>
+          <p:cNvPr id="30" name="Straight Connector 29"/>
+          <p:cNvCxnSpPr/>
+          <p:nvPr/>
+        </p:nvCxnSpPr>
+        <p:spPr>
+          <a:xfrm flipH="1">
+            <a:off x="4667794" y="4006812"/>
+            <a:ext cx="220618" cy="1011647"/>
+          </a:xfrm>
+          <a:prstGeom prst="line">
+            <a:avLst/>
+          </a:prstGeom>
+        </p:spPr>
+        <p:style>
+          <a:lnRef idx="1">
+            <a:schemeClr val="accent1"/>
+          </a:lnRef>
+          <a:fillRef idx="0">
+            <a:schemeClr val="accent1"/>
+          </a:fillRef>
+          <a:effectRef idx="0">
+            <a:schemeClr val="accent1"/>
+          </a:effectRef>
+          <a:fontRef idx="minor">
+            <a:schemeClr val="tx1"/>
+          </a:fontRef>
+        </p:style>
+      </p:cxnSp>
+      <p:cxnSp>
+        <p:nvCxnSpPr>
+          <p:cNvPr id="31" name="Straight Connector 30"/>
+          <p:cNvCxnSpPr/>
+          <p:nvPr/>
+        </p:nvCxnSpPr>
+        <p:spPr>
+          <a:xfrm flipH="1">
+            <a:off x="8084505" y="4126410"/>
+            <a:ext cx="220618" cy="1011647"/>
+          </a:xfrm>
+          <a:prstGeom prst="line">
+            <a:avLst/>
+          </a:prstGeom>
+        </p:spPr>
+        <p:style>
+          <a:lnRef idx="1">
+            <a:schemeClr val="accent1"/>
+          </a:lnRef>
+          <a:fillRef idx="0">
+            <a:schemeClr val="accent1"/>
+          </a:fillRef>
+          <a:effectRef idx="0">
+            <a:schemeClr val="accent1"/>
+          </a:effectRef>
+          <a:fontRef idx="minor">
+            <a:schemeClr val="tx1"/>
+          </a:fontRef>
+        </p:style>
+      </p:cxnSp>
+      <p:sp>
+        <p:nvSpPr>
+          <p:cNvPr id="32" name="Oval 31"/>
+          <p:cNvSpPr/>
+          <p:nvPr/>
+        </p:nvSpPr>
+        <p:spPr>
+          <a:xfrm>
+            <a:off x="1859764" y="5082102"/>
+            <a:ext cx="986004" cy="696686"/>
+          </a:xfrm>
+          <a:prstGeom prst="ellipse">
+            <a:avLst/>
+          </a:prstGeom>
+        </p:spPr>
+        <p:style>
+          <a:lnRef idx="2">
+            <a:schemeClr val="accent1">
+              <a:shade val="50000"/>
+            </a:schemeClr>
+          </a:lnRef>
+          <a:fillRef idx="1">
+            <a:schemeClr val="accent1"/>
+          </a:fillRef>
+          <a:effectRef idx="0">
+            <a:schemeClr val="accent1"/>
+          </a:effectRef>
+          <a:fontRef idx="minor">
+            <a:schemeClr val="lt1"/>
+          </a:fontRef>
+        </p:style>
+        <p:txBody>
+          <a:bodyPr rtlCol="0" anchor="ctr"/>
+          <a:lstStyle/>
+          <a:p>
+            <a:pPr algn="ctr"/>
+            <a:endParaRPr lang="es-ES"/>
+          </a:p>
+        </p:txBody>
+      </p:sp>
+      <p:sp>
+        <p:nvSpPr>
+          <p:cNvPr id="33" name="TextBox 32"/>
+          <p:cNvSpPr txBox="1"/>
+          <p:nvPr/>
+        </p:nvSpPr>
+        <p:spPr>
+          <a:xfrm>
+            <a:off x="1880084" y="5138057"/>
+            <a:ext cx="945363" cy="584775"/>
+          </a:xfrm>
+          <a:prstGeom prst="rect">
+            <a:avLst/>
+          </a:prstGeom>
+          <a:noFill/>
+        </p:spPr>
+        <p:txBody>
+          <a:bodyPr wrap="square" rtlCol="0">
+            <a:spAutoFit/>
+          </a:bodyPr>
+          <a:lstStyle/>
+          <a:p>
+            <a:pPr algn="ctr"/>
+            <a:r>
+              <a:rPr lang="es-CO" sz="1600" dirty="0" smtClean="0"/>
+              <a:t>Estado Final</a:t>
+            </a:r>
+            <a:endParaRPr lang="es-ES" sz="1600" dirty="0"/>
+          </a:p>
+        </p:txBody>
+      </p:sp>
+      <p:sp>
+        <p:nvSpPr>
+          <p:cNvPr id="34" name="Oval 33"/>
+          <p:cNvSpPr/>
+          <p:nvPr/>
+        </p:nvSpPr>
+        <p:spPr>
+          <a:xfrm>
+            <a:off x="670317" y="5132661"/>
+            <a:ext cx="986004" cy="696686"/>
+          </a:xfrm>
+          <a:prstGeom prst="ellipse">
+            <a:avLst/>
+          </a:prstGeom>
+        </p:spPr>
+        <p:style>
+          <a:lnRef idx="2">
+            <a:schemeClr val="accent1">
+              <a:shade val="50000"/>
+            </a:schemeClr>
+          </a:lnRef>
+          <a:fillRef idx="1">
+            <a:schemeClr val="accent1"/>
+          </a:fillRef>
+          <a:effectRef idx="0">
+            <a:schemeClr val="accent1"/>
+          </a:effectRef>
+          <a:fontRef idx="minor">
+            <a:schemeClr val="lt1"/>
+          </a:fontRef>
+        </p:style>
+        <p:txBody>
+          <a:bodyPr rtlCol="0" anchor="ctr"/>
+          <a:lstStyle/>
+          <a:p>
+            <a:pPr algn="ctr"/>
+            <a:endParaRPr lang="es-ES"/>
+          </a:p>
+        </p:txBody>
+      </p:sp>
+      <p:sp>
+        <p:nvSpPr>
+          <p:cNvPr id="35" name="TextBox 34"/>
+          <p:cNvSpPr txBox="1"/>
+          <p:nvPr/>
+        </p:nvSpPr>
+        <p:spPr>
+          <a:xfrm>
+            <a:off x="690637" y="5188616"/>
+            <a:ext cx="945363" cy="584775"/>
+          </a:xfrm>
+          <a:prstGeom prst="rect">
+            <a:avLst/>
+          </a:prstGeom>
+          <a:noFill/>
+        </p:spPr>
+        <p:txBody>
+          <a:bodyPr wrap="square" rtlCol="0">
+            <a:spAutoFit/>
+          </a:bodyPr>
+          <a:lstStyle/>
+          <a:p>
+            <a:pPr algn="ctr"/>
+            <a:r>
+              <a:rPr lang="es-CO" sz="1600" dirty="0" smtClean="0"/>
+              <a:t>Estado Final</a:t>
+            </a:r>
+            <a:endParaRPr lang="es-ES" sz="1600" dirty="0"/>
+          </a:p>
+        </p:txBody>
+      </p:sp>
+      <p:sp>
+        <p:nvSpPr>
+          <p:cNvPr id="36" name="Oval 35"/>
+          <p:cNvSpPr/>
+          <p:nvPr/>
+        </p:nvSpPr>
+        <p:spPr>
+          <a:xfrm>
+            <a:off x="4172736" y="5036381"/>
+            <a:ext cx="986004" cy="696686"/>
+          </a:xfrm>
+          <a:prstGeom prst="ellipse">
+            <a:avLst/>
+          </a:prstGeom>
+        </p:spPr>
+        <p:style>
+          <a:lnRef idx="2">
+            <a:schemeClr val="accent1">
+              <a:shade val="50000"/>
+            </a:schemeClr>
+          </a:lnRef>
+          <a:fillRef idx="1">
+            <a:schemeClr val="accent1"/>
+          </a:fillRef>
+          <a:effectRef idx="0">
+            <a:schemeClr val="accent1"/>
+          </a:effectRef>
+          <a:fontRef idx="minor">
+            <a:schemeClr val="lt1"/>
+          </a:fontRef>
+        </p:style>
+        <p:txBody>
+          <a:bodyPr rtlCol="0" anchor="ctr"/>
+          <a:lstStyle/>
+          <a:p>
+            <a:pPr algn="ctr"/>
+            <a:endParaRPr lang="es-ES"/>
+          </a:p>
+        </p:txBody>
+      </p:sp>
+      <p:sp>
+        <p:nvSpPr>
+          <p:cNvPr id="37" name="TextBox 36"/>
+          <p:cNvSpPr txBox="1"/>
+          <p:nvPr/>
+        </p:nvSpPr>
+        <p:spPr>
+          <a:xfrm>
+            <a:off x="4193056" y="5092336"/>
+            <a:ext cx="945363" cy="584775"/>
+          </a:xfrm>
+          <a:prstGeom prst="rect">
+            <a:avLst/>
+          </a:prstGeom>
+          <a:noFill/>
+        </p:spPr>
+        <p:txBody>
+          <a:bodyPr wrap="square" rtlCol="0">
+            <a:spAutoFit/>
+          </a:bodyPr>
+          <a:lstStyle/>
+          <a:p>
+            <a:pPr algn="ctr"/>
+            <a:r>
+              <a:rPr lang="es-CO" sz="1600" dirty="0" smtClean="0"/>
+              <a:t>Estado Final</a:t>
+            </a:r>
+            <a:endParaRPr lang="es-ES" sz="1600" dirty="0"/>
+          </a:p>
+        </p:txBody>
+      </p:sp>
+      <p:sp>
+        <p:nvSpPr>
+          <p:cNvPr id="38" name="Oval 37"/>
+          <p:cNvSpPr/>
+          <p:nvPr/>
+        </p:nvSpPr>
+        <p:spPr>
+          <a:xfrm>
+            <a:off x="5278531" y="5036381"/>
+            <a:ext cx="986004" cy="696686"/>
+          </a:xfrm>
+          <a:prstGeom prst="ellipse">
+            <a:avLst/>
+          </a:prstGeom>
+        </p:spPr>
+        <p:style>
+          <a:lnRef idx="2">
+            <a:schemeClr val="accent1">
+              <a:shade val="50000"/>
+            </a:schemeClr>
+          </a:lnRef>
+          <a:fillRef idx="1">
+            <a:schemeClr val="accent1"/>
+          </a:fillRef>
+          <a:effectRef idx="0">
+            <a:schemeClr val="accent1"/>
+          </a:effectRef>
+          <a:fontRef idx="minor">
+            <a:schemeClr val="lt1"/>
+          </a:fontRef>
+        </p:style>
+        <p:txBody>
+          <a:bodyPr rtlCol="0" anchor="ctr"/>
+          <a:lstStyle/>
+          <a:p>
+            <a:pPr algn="ctr"/>
+            <a:endParaRPr lang="es-ES"/>
+          </a:p>
+        </p:txBody>
+      </p:sp>
+      <p:sp>
+        <p:nvSpPr>
+          <p:cNvPr id="39" name="TextBox 38"/>
+          <p:cNvSpPr txBox="1"/>
+          <p:nvPr/>
+        </p:nvSpPr>
+        <p:spPr>
+          <a:xfrm>
+            <a:off x="5298851" y="5092336"/>
+            <a:ext cx="945363" cy="584775"/>
+          </a:xfrm>
+          <a:prstGeom prst="rect">
+            <a:avLst/>
+          </a:prstGeom>
+          <a:noFill/>
+        </p:spPr>
+        <p:txBody>
+          <a:bodyPr wrap="square" rtlCol="0">
+            <a:spAutoFit/>
+          </a:bodyPr>
+          <a:lstStyle/>
+          <a:p>
+            <a:pPr algn="ctr"/>
+            <a:r>
+              <a:rPr lang="es-CO" sz="1600" dirty="0" smtClean="0"/>
+              <a:t>Estado Final</a:t>
+            </a:r>
+            <a:endParaRPr lang="es-ES" sz="1600" dirty="0"/>
+          </a:p>
+        </p:txBody>
+      </p:sp>
+      <p:sp>
+        <p:nvSpPr>
+          <p:cNvPr id="40" name="Oval 39"/>
+          <p:cNvSpPr/>
+          <p:nvPr/>
+        </p:nvSpPr>
+        <p:spPr>
+          <a:xfrm>
+            <a:off x="7591503" y="5092337"/>
+            <a:ext cx="986004" cy="696686"/>
+          </a:xfrm>
+          <a:prstGeom prst="ellipse">
+            <a:avLst/>
+          </a:prstGeom>
+        </p:spPr>
+        <p:style>
+          <a:lnRef idx="2">
+            <a:schemeClr val="accent1">
+              <a:shade val="50000"/>
+            </a:schemeClr>
+          </a:lnRef>
+          <a:fillRef idx="1">
+            <a:schemeClr val="accent1"/>
+          </a:fillRef>
+          <a:effectRef idx="0">
+            <a:schemeClr val="accent1"/>
+          </a:effectRef>
+          <a:fontRef idx="minor">
+            <a:schemeClr val="lt1"/>
+          </a:fontRef>
+        </p:style>
+        <p:txBody>
+          <a:bodyPr rtlCol="0" anchor="ctr"/>
+          <a:lstStyle/>
+          <a:p>
+            <a:pPr algn="ctr"/>
+            <a:endParaRPr lang="es-ES"/>
+          </a:p>
+        </p:txBody>
+      </p:sp>
+      <p:sp>
+        <p:nvSpPr>
+          <p:cNvPr id="41" name="TextBox 40"/>
+          <p:cNvSpPr txBox="1"/>
+          <p:nvPr/>
+        </p:nvSpPr>
+        <p:spPr>
+          <a:xfrm>
+            <a:off x="7611823" y="5148292"/>
+            <a:ext cx="945363" cy="584775"/>
+          </a:xfrm>
+          <a:prstGeom prst="rect">
+            <a:avLst/>
+          </a:prstGeom>
+          <a:noFill/>
+        </p:spPr>
+        <p:txBody>
+          <a:bodyPr wrap="square" rtlCol="0">
+            <a:spAutoFit/>
+          </a:bodyPr>
+          <a:lstStyle/>
+          <a:p>
+            <a:pPr algn="ctr"/>
+            <a:r>
+              <a:rPr lang="es-CO" sz="1600" dirty="0" smtClean="0"/>
+              <a:t>Estado Final</a:t>
+            </a:r>
+            <a:endParaRPr lang="es-ES" sz="1600" dirty="0"/>
+          </a:p>
+        </p:txBody>
+      </p:sp>
+      <p:sp>
+        <p:nvSpPr>
+          <p:cNvPr id="42" name="Oval 41"/>
+          <p:cNvSpPr/>
+          <p:nvPr/>
+        </p:nvSpPr>
+        <p:spPr>
+          <a:xfrm>
+            <a:off x="8687501" y="5076706"/>
+            <a:ext cx="986004" cy="696686"/>
+          </a:xfrm>
+          <a:prstGeom prst="ellipse">
+            <a:avLst/>
+          </a:prstGeom>
+        </p:spPr>
+        <p:style>
+          <a:lnRef idx="2">
+            <a:schemeClr val="accent1">
+              <a:shade val="50000"/>
+            </a:schemeClr>
+          </a:lnRef>
+          <a:fillRef idx="1">
+            <a:schemeClr val="accent1"/>
+          </a:fillRef>
+          <a:effectRef idx="0">
+            <a:schemeClr val="accent1"/>
+          </a:effectRef>
+          <a:fontRef idx="minor">
+            <a:schemeClr val="lt1"/>
+          </a:fontRef>
+        </p:style>
+        <p:txBody>
+          <a:bodyPr rtlCol="0" anchor="ctr"/>
+          <a:lstStyle/>
+          <a:p>
+            <a:pPr algn="ctr"/>
+            <a:endParaRPr lang="es-ES"/>
+          </a:p>
+        </p:txBody>
+      </p:sp>
+      <p:sp>
+        <p:nvSpPr>
+          <p:cNvPr id="43" name="TextBox 42"/>
+          <p:cNvSpPr txBox="1"/>
+          <p:nvPr/>
+        </p:nvSpPr>
+        <p:spPr>
+          <a:xfrm>
+            <a:off x="8707821" y="5132661"/>
+            <a:ext cx="945363" cy="584775"/>
+          </a:xfrm>
+          <a:prstGeom prst="rect">
+            <a:avLst/>
+          </a:prstGeom>
+          <a:noFill/>
+        </p:spPr>
+        <p:txBody>
+          <a:bodyPr wrap="square" rtlCol="0">
+            <a:spAutoFit/>
+          </a:bodyPr>
+          <a:lstStyle/>
+          <a:p>
+            <a:pPr algn="ctr"/>
+            <a:r>
+              <a:rPr lang="es-CO" sz="1600" dirty="0" smtClean="0"/>
+              <a:t>Estado Final</a:t>
+            </a:r>
+            <a:endParaRPr lang="es-ES" sz="1600" dirty="0"/>
+          </a:p>
+        </p:txBody>
+      </p:sp>
+      <p:sp>
+        <p:nvSpPr>
+          <p:cNvPr id="44" name="TextBox 43"/>
+          <p:cNvSpPr txBox="1"/>
+          <p:nvPr/>
+        </p:nvSpPr>
+        <p:spPr>
+          <a:xfrm>
+            <a:off x="1013701" y="5885302"/>
+            <a:ext cx="519854" cy="369332"/>
+          </a:xfrm>
+          <a:prstGeom prst="rect">
+            <a:avLst/>
+          </a:prstGeom>
+          <a:noFill/>
+        </p:spPr>
+        <p:txBody>
+          <a:bodyPr wrap="square" rtlCol="0">
+            <a:spAutoFit/>
+          </a:bodyPr>
+          <a:lstStyle/>
+          <a:p>
+            <a:r>
+              <a:rPr lang="es-CO" dirty="0"/>
+              <a:t>1</a:t>
+            </a:r>
+            <a:endParaRPr lang="es-ES" dirty="0"/>
+          </a:p>
+        </p:txBody>
+      </p:sp>
+      <p:sp>
+        <p:nvSpPr>
+          <p:cNvPr id="45" name="TextBox 44"/>
+          <p:cNvSpPr txBox="1"/>
+          <p:nvPr/>
+        </p:nvSpPr>
+        <p:spPr>
+          <a:xfrm>
+            <a:off x="2229394" y="5877112"/>
+            <a:ext cx="330926" cy="369332"/>
+          </a:xfrm>
+          <a:prstGeom prst="rect">
+            <a:avLst/>
+          </a:prstGeom>
+          <a:noFill/>
+        </p:spPr>
+        <p:txBody>
+          <a:bodyPr wrap="square" rtlCol="0">
+            <a:spAutoFit/>
+          </a:bodyPr>
+          <a:lstStyle/>
+          <a:p>
+            <a:r>
+              <a:rPr lang="es-CO" dirty="0"/>
+              <a:t>1</a:t>
+            </a:r>
+            <a:endParaRPr lang="es-ES" dirty="0"/>
+          </a:p>
+        </p:txBody>
+      </p:sp>
+      <p:sp>
+        <p:nvSpPr>
+          <p:cNvPr id="46" name="TextBox 45"/>
+          <p:cNvSpPr txBox="1"/>
+          <p:nvPr/>
+        </p:nvSpPr>
+        <p:spPr>
+          <a:xfrm>
+            <a:off x="4465524" y="5868404"/>
+            <a:ext cx="484777" cy="369332"/>
+          </a:xfrm>
+          <a:prstGeom prst="rect">
+            <a:avLst/>
+          </a:prstGeom>
+          <a:noFill/>
+        </p:spPr>
+        <p:txBody>
+          <a:bodyPr wrap="square" rtlCol="0">
+            <a:spAutoFit/>
+          </a:bodyPr>
+          <a:lstStyle/>
+          <a:p>
+            <a:r>
+              <a:rPr lang="es-CO" dirty="0" smtClean="0"/>
+              <a:t>1</a:t>
+            </a:r>
+            <a:endParaRPr lang="es-ES" dirty="0"/>
+          </a:p>
+        </p:txBody>
+      </p:sp>
+      <p:sp>
+        <p:nvSpPr>
+          <p:cNvPr id="47" name="TextBox 46"/>
+          <p:cNvSpPr txBox="1"/>
+          <p:nvPr/>
+        </p:nvSpPr>
+        <p:spPr>
+          <a:xfrm>
+            <a:off x="5695694" y="5828173"/>
+            <a:ext cx="310244" cy="369332"/>
+          </a:xfrm>
+          <a:prstGeom prst="rect">
+            <a:avLst/>
+          </a:prstGeom>
+          <a:noFill/>
+        </p:spPr>
+        <p:txBody>
+          <a:bodyPr wrap="square" rtlCol="0">
+            <a:spAutoFit/>
+          </a:bodyPr>
+          <a:lstStyle/>
+          <a:p>
+            <a:r>
+              <a:rPr lang="es-CO" dirty="0"/>
+              <a:t>0</a:t>
+            </a:r>
+            <a:endParaRPr lang="es-ES" dirty="0"/>
+          </a:p>
+        </p:txBody>
+      </p:sp>
+      <p:sp>
+        <p:nvSpPr>
+          <p:cNvPr id="48" name="TextBox 47"/>
+          <p:cNvSpPr txBox="1"/>
+          <p:nvPr/>
+        </p:nvSpPr>
+        <p:spPr>
+          <a:xfrm>
+            <a:off x="7875135" y="5877112"/>
+            <a:ext cx="418737" cy="369332"/>
+          </a:xfrm>
+          <a:prstGeom prst="rect">
+            <a:avLst/>
+          </a:prstGeom>
+          <a:noFill/>
+        </p:spPr>
+        <p:txBody>
+          <a:bodyPr wrap="square" rtlCol="0">
+            <a:spAutoFit/>
+          </a:bodyPr>
+          <a:lstStyle/>
+          <a:p>
+            <a:r>
+              <a:rPr lang="es-CO" dirty="0" smtClean="0"/>
+              <a:t>-1</a:t>
+            </a:r>
+            <a:endParaRPr lang="es-ES" dirty="0"/>
+          </a:p>
+        </p:txBody>
+      </p:sp>
+      <p:sp>
+        <p:nvSpPr>
+          <p:cNvPr id="49" name="TextBox 48"/>
+          <p:cNvSpPr txBox="1"/>
+          <p:nvPr/>
+        </p:nvSpPr>
+        <p:spPr>
+          <a:xfrm>
+            <a:off x="9180502" y="5868404"/>
+            <a:ext cx="458289" cy="369332"/>
+          </a:xfrm>
+          <a:prstGeom prst="rect">
+            <a:avLst/>
+          </a:prstGeom>
+          <a:noFill/>
+        </p:spPr>
+        <p:txBody>
+          <a:bodyPr wrap="square" rtlCol="0">
+            <a:spAutoFit/>
+          </a:bodyPr>
+          <a:lstStyle/>
+          <a:p>
+            <a:r>
+              <a:rPr lang="es-CO" dirty="0" smtClean="0"/>
+              <a:t>0</a:t>
+            </a:r>
+            <a:endParaRPr lang="es-ES" dirty="0"/>
+          </a:p>
+        </p:txBody>
+      </p:sp>
+      <p:sp>
+        <p:nvSpPr>
+          <p:cNvPr id="52" name="TextBox 51"/>
+          <p:cNvSpPr txBox="1"/>
+          <p:nvPr/>
+        </p:nvSpPr>
+        <p:spPr>
+          <a:xfrm>
+            <a:off x="1620157" y="2952791"/>
+            <a:ext cx="519854" cy="369332"/>
+          </a:xfrm>
+          <a:prstGeom prst="rect">
+            <a:avLst/>
+          </a:prstGeom>
+          <a:noFill/>
+        </p:spPr>
+        <p:txBody>
+          <a:bodyPr wrap="square" rtlCol="0">
+            <a:spAutoFit/>
+          </a:bodyPr>
+          <a:lstStyle/>
+          <a:p>
+            <a:r>
+              <a:rPr lang="es-CO" dirty="0"/>
+              <a:t>1</a:t>
+            </a:r>
+            <a:endParaRPr lang="es-ES" dirty="0"/>
+          </a:p>
+        </p:txBody>
+      </p:sp>
+      <p:sp>
+        <p:nvSpPr>
+          <p:cNvPr id="53" name="TextBox 52"/>
+          <p:cNvSpPr txBox="1"/>
+          <p:nvPr/>
+        </p:nvSpPr>
+        <p:spPr>
+          <a:xfrm>
+            <a:off x="4746293" y="2903520"/>
+            <a:ext cx="484777" cy="369332"/>
+          </a:xfrm>
+          <a:prstGeom prst="rect">
+            <a:avLst/>
+          </a:prstGeom>
+          <a:noFill/>
+        </p:spPr>
+        <p:txBody>
+          <a:bodyPr wrap="square" rtlCol="0">
+            <a:spAutoFit/>
+          </a:bodyPr>
+          <a:lstStyle/>
+          <a:p>
+            <a:r>
+              <a:rPr lang="es-CO" dirty="0" smtClean="0"/>
+              <a:t>1</a:t>
+            </a:r>
+            <a:endParaRPr lang="es-ES" dirty="0"/>
+          </a:p>
+        </p:txBody>
+      </p:sp>
+      <p:sp>
+        <p:nvSpPr>
+          <p:cNvPr id="54" name="TextBox 53"/>
+          <p:cNvSpPr txBox="1"/>
+          <p:nvPr/>
+        </p:nvSpPr>
+        <p:spPr>
+          <a:xfrm>
+            <a:off x="8448233" y="3051971"/>
+            <a:ext cx="458289" cy="369332"/>
+          </a:xfrm>
+          <a:prstGeom prst="rect">
+            <a:avLst/>
+          </a:prstGeom>
+          <a:noFill/>
+        </p:spPr>
+        <p:txBody>
+          <a:bodyPr wrap="square" rtlCol="0">
+            <a:spAutoFit/>
+          </a:bodyPr>
+          <a:lstStyle/>
+          <a:p>
+            <a:r>
+              <a:rPr lang="es-CO" dirty="0" smtClean="0"/>
+              <a:t>0</a:t>
+            </a:r>
+            <a:endParaRPr lang="es-ES" dirty="0"/>
+          </a:p>
+        </p:txBody>
+      </p:sp>
+      <p:sp>
+        <p:nvSpPr>
+          <p:cNvPr id="55" name="TextBox 54"/>
+          <p:cNvSpPr txBox="1"/>
+          <p:nvPr/>
+        </p:nvSpPr>
+        <p:spPr>
+          <a:xfrm>
+            <a:off x="4105002" y="1732243"/>
+            <a:ext cx="610689" cy="461665"/>
+          </a:xfrm>
+          <a:prstGeom prst="rect">
+            <a:avLst/>
+          </a:prstGeom>
+          <a:noFill/>
+        </p:spPr>
+        <p:txBody>
+          <a:bodyPr wrap="square" rtlCol="0">
+            <a:spAutoFit/>
+          </a:bodyPr>
+          <a:lstStyle/>
+          <a:p>
+            <a:r>
+              <a:rPr lang="es-CO" sz="2400" dirty="0" smtClean="0">
+                <a:solidFill>
+                  <a:srgbClr val="FF0000"/>
+                </a:solidFill>
+              </a:rPr>
+              <a:t>0</a:t>
+            </a:r>
+            <a:endParaRPr lang="es-ES" sz="2400" dirty="0">
+              <a:solidFill>
+                <a:srgbClr val="FF0000"/>
+              </a:solidFill>
+            </a:endParaRPr>
+          </a:p>
+        </p:txBody>
+      </p:sp>
+      <p:cxnSp>
+        <p:nvCxnSpPr>
+          <p:cNvPr id="57" name="Straight Arrow Connector 56"/>
+          <p:cNvCxnSpPr>
+            <a:stCxn id="4" idx="6"/>
+            <a:endCxn id="54" idx="0"/>
+          </p:cNvCxnSpPr>
+          <p:nvPr/>
+        </p:nvCxnSpPr>
+        <p:spPr>
+          <a:xfrm>
+            <a:off x="5773783" y="2190206"/>
+            <a:ext cx="2903595" cy="861765"/>
+          </a:xfrm>
+          <a:prstGeom prst="straightConnector1">
+            <a:avLst/>
+          </a:prstGeom>
+          <a:ln>
+            <a:tailEnd type="triangle"/>
+          </a:ln>
+        </p:spPr>
+        <p:style>
+          <a:lnRef idx="1">
+            <a:schemeClr val="accent5"/>
+          </a:lnRef>
+          <a:fillRef idx="0">
+            <a:schemeClr val="accent5"/>
+          </a:fillRef>
+          <a:effectRef idx="0">
+            <a:schemeClr val="accent5"/>
+          </a:effectRef>
+          <a:fontRef idx="minor">
+            <a:schemeClr val="tx1"/>
+          </a:fontRef>
+        </p:style>
+      </p:cxnSp>
+    </p:spTree>
+    <p:extLst>
+      <p:ext uri="{BB962C8B-B14F-4D97-AF65-F5344CB8AC3E}">
+        <p14:creationId xmlns:p14="http://schemas.microsoft.com/office/powerpoint/2010/main" val="2177768839"/>
+      </p:ext>
+    </p:extLst>
+  </p:cSld>
+  <p:clrMapOvr>
+    <a:masterClrMapping/>
+  </p:clrMapOvr>
+  <mc:AlternateContent xmlns:mc="http://schemas.openxmlformats.org/markup-compatibility/2006">
+    <mc:Choice xmlns:p14="http://schemas.microsoft.com/office/powerpoint/2010/main" Requires="p14">
+      <p:transition p14:dur="10"/>
+    </mc:Choice>
+    <mc:Fallback>
+      <p:transition/>
+    </mc:Fallback>
+  </mc:AlternateContent>
+  <p:timing>
+    <p:tnLst>
+      <p:par>
+        <p:cTn id="1" dur="indefinite" restart="never" nodeType="tmRoot">
+          <p:childTnLst>
+            <p:seq concurrent="1" nextAc="seek">
+              <p:cTn id="2" dur="indefinite" nodeType="mainSeq">
+                <p:childTnLst>
+                  <p:par>
+                    <p:cTn id="3" fill="hold">
+                      <p:stCondLst>
+                        <p:cond delay="indefinite"/>
+                      </p:stCondLst>
+                      <p:childTnLst>
+                        <p:par>
+                          <p:cTn id="4" fill="hold">
+                            <p:stCondLst>
+                              <p:cond delay="0"/>
+                            </p:stCondLst>
+                            <p:childTnLst>
+                              <p:par>
+                                <p:cTn id="5" presetID="42" presetClass="entr" presetSubtype="0" fill="hold" nodeType="clickEffect">
+                                  <p:stCondLst>
+                                    <p:cond delay="0"/>
+                                  </p:stCondLst>
+                                  <p:childTnLst>
+                                    <p:set>
+                                      <p:cBhvr>
+                                        <p:cTn id="6" dur="1" fill="hold">
+                                          <p:stCondLst>
+                                            <p:cond delay="0"/>
+                                          </p:stCondLst>
+                                        </p:cTn>
+                                        <p:tgtEl>
+                                          <p:spTgt spid="9"/>
+                                        </p:tgtEl>
+                                        <p:attrNameLst>
+                                          <p:attrName>style.visibility</p:attrName>
+                                        </p:attrNameLst>
+                                      </p:cBhvr>
+                                      <p:to>
+                                        <p:strVal val="visible"/>
+                                      </p:to>
+                                    </p:set>
+                                    <p:animEffect transition="in" filter="fade">
+                                      <p:cBhvr>
+                                        <p:cTn id="7" dur="1000"/>
+                                        <p:tgtEl>
+                                          <p:spTgt spid="9"/>
+                                        </p:tgtEl>
+                                      </p:cBhvr>
+                                    </p:animEffect>
+                                    <p:anim calcmode="lin" valueType="num">
+                                      <p:cBhvr>
+                                        <p:cTn id="8" dur="1000" fill="hold"/>
+                                        <p:tgtEl>
+                                          <p:spTgt spid="9"/>
+                                        </p:tgtEl>
+                                        <p:attrNameLst>
+                                          <p:attrName>ppt_x</p:attrName>
+                                        </p:attrNameLst>
+                                      </p:cBhvr>
+                                      <p:tavLst>
+                                        <p:tav tm="0">
+                                          <p:val>
+                                            <p:strVal val="#ppt_x"/>
+                                          </p:val>
+                                        </p:tav>
+                                        <p:tav tm="100000">
+                                          <p:val>
+                                            <p:strVal val="#ppt_x"/>
+                                          </p:val>
+                                        </p:tav>
+                                      </p:tavLst>
+                                    </p:anim>
+                                    <p:anim calcmode="lin" valueType="num">
+                                      <p:cBhvr>
+                                        <p:cTn id="9" dur="1000" fill="hold"/>
+                                        <p:tgtEl>
+                                          <p:spTgt spid="9"/>
+                                        </p:tgtEl>
+                                        <p:attrNameLst>
+                                          <p:attrName>ppt_y</p:attrName>
+                                        </p:attrNameLst>
+                                      </p:cBhvr>
+                                      <p:tavLst>
+                                        <p:tav tm="0">
+                                          <p:val>
+                                            <p:strVal val="#ppt_y+.1"/>
+                                          </p:val>
+                                        </p:tav>
+                                        <p:tav tm="100000">
+                                          <p:val>
+                                            <p:strVal val="#ppt_y"/>
+                                          </p:val>
+                                        </p:tav>
+                                      </p:tavLst>
+                                    </p:anim>
+                                  </p:childTnLst>
+                                </p:cTn>
+                              </p:par>
+                              <p:par>
+                                <p:cTn id="10" presetID="42" presetClass="entr" presetSubtype="0" fill="hold" nodeType="withEffect">
+                                  <p:stCondLst>
+                                    <p:cond delay="0"/>
+                                  </p:stCondLst>
+                                  <p:childTnLst>
+                                    <p:set>
+                                      <p:cBhvr>
+                                        <p:cTn id="11" dur="1" fill="hold">
+                                          <p:stCondLst>
+                                            <p:cond delay="0"/>
+                                          </p:stCondLst>
+                                        </p:cTn>
+                                        <p:tgtEl>
+                                          <p:spTgt spid="8"/>
+                                        </p:tgtEl>
+                                        <p:attrNameLst>
+                                          <p:attrName>style.visibility</p:attrName>
+                                        </p:attrNameLst>
+                                      </p:cBhvr>
+                                      <p:to>
+                                        <p:strVal val="visible"/>
+                                      </p:to>
+                                    </p:set>
+                                    <p:animEffect transition="in" filter="fade">
+                                      <p:cBhvr>
+                                        <p:cTn id="12" dur="1000"/>
+                                        <p:tgtEl>
+                                          <p:spTgt spid="8"/>
+                                        </p:tgtEl>
+                                      </p:cBhvr>
+                                    </p:animEffect>
+                                    <p:anim calcmode="lin" valueType="num">
+                                      <p:cBhvr>
+                                        <p:cTn id="13" dur="1000" fill="hold"/>
+                                        <p:tgtEl>
+                                          <p:spTgt spid="8"/>
+                                        </p:tgtEl>
+                                        <p:attrNameLst>
+                                          <p:attrName>ppt_x</p:attrName>
+                                        </p:attrNameLst>
+                                      </p:cBhvr>
+                                      <p:tavLst>
+                                        <p:tav tm="0">
+                                          <p:val>
+                                            <p:strVal val="#ppt_x"/>
+                                          </p:val>
+                                        </p:tav>
+                                        <p:tav tm="100000">
+                                          <p:val>
+                                            <p:strVal val="#ppt_x"/>
+                                          </p:val>
+                                        </p:tav>
+                                      </p:tavLst>
+                                    </p:anim>
+                                    <p:anim calcmode="lin" valueType="num">
+                                      <p:cBhvr>
+                                        <p:cTn id="14" dur="1000" fill="hold"/>
+                                        <p:tgtEl>
+                                          <p:spTgt spid="8"/>
+                                        </p:tgtEl>
+                                        <p:attrNameLst>
+                                          <p:attrName>ppt_y</p:attrName>
+                                        </p:attrNameLst>
+                                      </p:cBhvr>
+                                      <p:tavLst>
+                                        <p:tav tm="0">
+                                          <p:val>
+                                            <p:strVal val="#ppt_y+.1"/>
+                                          </p:val>
+                                        </p:tav>
+                                        <p:tav tm="100000">
+                                          <p:val>
+                                            <p:strVal val="#ppt_y"/>
+                                          </p:val>
+                                        </p:tav>
+                                      </p:tavLst>
+                                    </p:anim>
+                                  </p:childTnLst>
+                                </p:cTn>
+                              </p:par>
+                              <p:par>
+                                <p:cTn id="15" presetID="42" presetClass="entr" presetSubtype="0" fill="hold" nodeType="withEffect">
+                                  <p:stCondLst>
+                                    <p:cond delay="0"/>
+                                  </p:stCondLst>
+                                  <p:childTnLst>
+                                    <p:set>
+                                      <p:cBhvr>
+                                        <p:cTn id="16" dur="1" fill="hold">
+                                          <p:stCondLst>
+                                            <p:cond delay="0"/>
+                                          </p:stCondLst>
+                                        </p:cTn>
+                                        <p:tgtEl>
+                                          <p:spTgt spid="7"/>
+                                        </p:tgtEl>
+                                        <p:attrNameLst>
+                                          <p:attrName>style.visibility</p:attrName>
+                                        </p:attrNameLst>
+                                      </p:cBhvr>
+                                      <p:to>
+                                        <p:strVal val="visible"/>
+                                      </p:to>
+                                    </p:set>
+                                    <p:animEffect transition="in" filter="fade">
+                                      <p:cBhvr>
+                                        <p:cTn id="17" dur="1000"/>
+                                        <p:tgtEl>
+                                          <p:spTgt spid="7"/>
+                                        </p:tgtEl>
+                                      </p:cBhvr>
+                                    </p:animEffect>
+                                    <p:anim calcmode="lin" valueType="num">
+                                      <p:cBhvr>
+                                        <p:cTn id="18" dur="1000" fill="hold"/>
+                                        <p:tgtEl>
+                                          <p:spTgt spid="7"/>
+                                        </p:tgtEl>
+                                        <p:attrNameLst>
+                                          <p:attrName>ppt_x</p:attrName>
+                                        </p:attrNameLst>
+                                      </p:cBhvr>
+                                      <p:tavLst>
+                                        <p:tav tm="0">
+                                          <p:val>
+                                            <p:strVal val="#ppt_x"/>
+                                          </p:val>
+                                        </p:tav>
+                                        <p:tav tm="100000">
+                                          <p:val>
+                                            <p:strVal val="#ppt_x"/>
+                                          </p:val>
+                                        </p:tav>
+                                      </p:tavLst>
+                                    </p:anim>
+                                    <p:anim calcmode="lin" valueType="num">
+                                      <p:cBhvr>
+                                        <p:cTn id="19" dur="1000" fill="hold"/>
+                                        <p:tgtEl>
+                                          <p:spTgt spid="7"/>
+                                        </p:tgtEl>
+                                        <p:attrNameLst>
+                                          <p:attrName>ppt_y</p:attrName>
+                                        </p:attrNameLst>
+                                      </p:cBhvr>
+                                      <p:tavLst>
+                                        <p:tav tm="0">
+                                          <p:val>
+                                            <p:strVal val="#ppt_y+.1"/>
+                                          </p:val>
+                                        </p:tav>
+                                        <p:tav tm="100000">
+                                          <p:val>
+                                            <p:strVal val="#ppt_y"/>
+                                          </p:val>
+                                        </p:tav>
+                                      </p:tavLst>
+                                    </p:anim>
+                                  </p:childTnLst>
+                                </p:cTn>
+                              </p:par>
+                              <p:par>
+                                <p:cTn id="20" presetID="42" presetClass="entr" presetSubtype="0" fill="hold" grpId="0" nodeType="withEffect">
+                                  <p:stCondLst>
+                                    <p:cond delay="0"/>
+                                  </p:stCondLst>
+                                  <p:childTnLst>
+                                    <p:set>
+                                      <p:cBhvr>
+                                        <p:cTn id="21" dur="1" fill="hold">
+                                          <p:stCondLst>
+                                            <p:cond delay="0"/>
+                                          </p:stCondLst>
+                                        </p:cTn>
+                                        <p:tgtEl>
+                                          <p:spTgt spid="18"/>
+                                        </p:tgtEl>
+                                        <p:attrNameLst>
+                                          <p:attrName>style.visibility</p:attrName>
+                                        </p:attrNameLst>
+                                      </p:cBhvr>
+                                      <p:to>
+                                        <p:strVal val="visible"/>
+                                      </p:to>
+                                    </p:set>
+                                    <p:animEffect transition="in" filter="fade">
+                                      <p:cBhvr>
+                                        <p:cTn id="22" dur="1000"/>
+                                        <p:tgtEl>
+                                          <p:spTgt spid="18"/>
+                                        </p:tgtEl>
+                                      </p:cBhvr>
+                                    </p:animEffect>
+                                    <p:anim calcmode="lin" valueType="num">
+                                      <p:cBhvr>
+                                        <p:cTn id="23" dur="1000" fill="hold"/>
+                                        <p:tgtEl>
+                                          <p:spTgt spid="18"/>
+                                        </p:tgtEl>
+                                        <p:attrNameLst>
+                                          <p:attrName>ppt_x</p:attrName>
+                                        </p:attrNameLst>
+                                      </p:cBhvr>
+                                      <p:tavLst>
+                                        <p:tav tm="0">
+                                          <p:val>
+                                            <p:strVal val="#ppt_x"/>
+                                          </p:val>
+                                        </p:tav>
+                                        <p:tav tm="100000">
+                                          <p:val>
+                                            <p:strVal val="#ppt_x"/>
+                                          </p:val>
+                                        </p:tav>
+                                      </p:tavLst>
+                                    </p:anim>
+                                    <p:anim calcmode="lin" valueType="num">
+                                      <p:cBhvr>
+                                        <p:cTn id="24" dur="1000" fill="hold"/>
+                                        <p:tgtEl>
+                                          <p:spTgt spid="18"/>
+                                        </p:tgtEl>
+                                        <p:attrNameLst>
+                                          <p:attrName>ppt_y</p:attrName>
+                                        </p:attrNameLst>
+                                      </p:cBhvr>
+                                      <p:tavLst>
+                                        <p:tav tm="0">
+                                          <p:val>
+                                            <p:strVal val="#ppt_y+.1"/>
+                                          </p:val>
+                                        </p:tav>
+                                        <p:tav tm="100000">
+                                          <p:val>
+                                            <p:strVal val="#ppt_y"/>
+                                          </p:val>
+                                        </p:tav>
+                                      </p:tavLst>
+                                    </p:anim>
+                                  </p:childTnLst>
+                                </p:cTn>
+                              </p:par>
+                              <p:par>
+                                <p:cTn id="25" presetID="42" presetClass="entr" presetSubtype="0" fill="hold" grpId="0" nodeType="withEffect">
+                                  <p:stCondLst>
+                                    <p:cond delay="0"/>
+                                  </p:stCondLst>
+                                  <p:childTnLst>
+                                    <p:set>
+                                      <p:cBhvr>
+                                        <p:cTn id="26" dur="1" fill="hold">
+                                          <p:stCondLst>
+                                            <p:cond delay="0"/>
+                                          </p:stCondLst>
+                                        </p:cTn>
+                                        <p:tgtEl>
+                                          <p:spTgt spid="15"/>
+                                        </p:tgtEl>
+                                        <p:attrNameLst>
+                                          <p:attrName>style.visibility</p:attrName>
+                                        </p:attrNameLst>
+                                      </p:cBhvr>
+                                      <p:to>
+                                        <p:strVal val="visible"/>
+                                      </p:to>
+                                    </p:set>
+                                    <p:animEffect transition="in" filter="fade">
+                                      <p:cBhvr>
+                                        <p:cTn id="27" dur="1000"/>
+                                        <p:tgtEl>
+                                          <p:spTgt spid="15"/>
+                                        </p:tgtEl>
+                                      </p:cBhvr>
+                                    </p:animEffect>
+                                    <p:anim calcmode="lin" valueType="num">
+                                      <p:cBhvr>
+                                        <p:cTn id="28" dur="1000" fill="hold"/>
+                                        <p:tgtEl>
+                                          <p:spTgt spid="15"/>
+                                        </p:tgtEl>
+                                        <p:attrNameLst>
+                                          <p:attrName>ppt_x</p:attrName>
+                                        </p:attrNameLst>
+                                      </p:cBhvr>
+                                      <p:tavLst>
+                                        <p:tav tm="0">
+                                          <p:val>
+                                            <p:strVal val="#ppt_x"/>
+                                          </p:val>
+                                        </p:tav>
+                                        <p:tav tm="100000">
+                                          <p:val>
+                                            <p:strVal val="#ppt_x"/>
+                                          </p:val>
+                                        </p:tav>
+                                      </p:tavLst>
+                                    </p:anim>
+                                    <p:anim calcmode="lin" valueType="num">
+                                      <p:cBhvr>
+                                        <p:cTn id="29" dur="1000" fill="hold"/>
+                                        <p:tgtEl>
+                                          <p:spTgt spid="15"/>
+                                        </p:tgtEl>
+                                        <p:attrNameLst>
+                                          <p:attrName>ppt_y</p:attrName>
+                                        </p:attrNameLst>
+                                      </p:cBhvr>
+                                      <p:tavLst>
+                                        <p:tav tm="0">
+                                          <p:val>
+                                            <p:strVal val="#ppt_y+.1"/>
+                                          </p:val>
+                                        </p:tav>
+                                        <p:tav tm="100000">
+                                          <p:val>
+                                            <p:strVal val="#ppt_y"/>
+                                          </p:val>
+                                        </p:tav>
+                                      </p:tavLst>
+                                    </p:anim>
+                                  </p:childTnLst>
+                                </p:cTn>
+                              </p:par>
+                              <p:par>
+                                <p:cTn id="30" presetID="42" presetClass="entr" presetSubtype="0" fill="hold" grpId="0" nodeType="withEffect">
+                                  <p:stCondLst>
+                                    <p:cond delay="0"/>
+                                  </p:stCondLst>
+                                  <p:childTnLst>
+                                    <p:set>
+                                      <p:cBhvr>
+                                        <p:cTn id="31" dur="1" fill="hold">
+                                          <p:stCondLst>
+                                            <p:cond delay="0"/>
+                                          </p:stCondLst>
+                                        </p:cTn>
+                                        <p:tgtEl>
+                                          <p:spTgt spid="22"/>
+                                        </p:tgtEl>
+                                        <p:attrNameLst>
+                                          <p:attrName>style.visibility</p:attrName>
+                                        </p:attrNameLst>
+                                      </p:cBhvr>
+                                      <p:to>
+                                        <p:strVal val="visible"/>
+                                      </p:to>
+                                    </p:set>
+                                    <p:animEffect transition="in" filter="fade">
+                                      <p:cBhvr>
+                                        <p:cTn id="32" dur="1000"/>
+                                        <p:tgtEl>
+                                          <p:spTgt spid="22"/>
+                                        </p:tgtEl>
+                                      </p:cBhvr>
+                                    </p:animEffect>
+                                    <p:anim calcmode="lin" valueType="num">
+                                      <p:cBhvr>
+                                        <p:cTn id="33" dur="1000" fill="hold"/>
+                                        <p:tgtEl>
+                                          <p:spTgt spid="22"/>
+                                        </p:tgtEl>
+                                        <p:attrNameLst>
+                                          <p:attrName>ppt_x</p:attrName>
+                                        </p:attrNameLst>
+                                      </p:cBhvr>
+                                      <p:tavLst>
+                                        <p:tav tm="0">
+                                          <p:val>
+                                            <p:strVal val="#ppt_x"/>
+                                          </p:val>
+                                        </p:tav>
+                                        <p:tav tm="100000">
+                                          <p:val>
+                                            <p:strVal val="#ppt_x"/>
+                                          </p:val>
+                                        </p:tav>
+                                      </p:tavLst>
+                                    </p:anim>
+                                    <p:anim calcmode="lin" valueType="num">
+                                      <p:cBhvr>
+                                        <p:cTn id="34" dur="1000" fill="hold"/>
+                                        <p:tgtEl>
+                                          <p:spTgt spid="22"/>
+                                        </p:tgtEl>
+                                        <p:attrNameLst>
+                                          <p:attrName>ppt_y</p:attrName>
+                                        </p:attrNameLst>
+                                      </p:cBhvr>
+                                      <p:tavLst>
+                                        <p:tav tm="0">
+                                          <p:val>
+                                            <p:strVal val="#ppt_y+.1"/>
+                                          </p:val>
+                                        </p:tav>
+                                        <p:tav tm="100000">
+                                          <p:val>
+                                            <p:strVal val="#ppt_y"/>
+                                          </p:val>
+                                        </p:tav>
+                                      </p:tavLst>
+                                    </p:anim>
+                                  </p:childTnLst>
+                                </p:cTn>
+                              </p:par>
+                              <p:par>
+                                <p:cTn id="35" presetID="42" presetClass="entr" presetSubtype="0" fill="hold" grpId="0" nodeType="withEffect">
+                                  <p:stCondLst>
+                                    <p:cond delay="0"/>
+                                  </p:stCondLst>
+                                  <p:childTnLst>
+                                    <p:set>
+                                      <p:cBhvr>
+                                        <p:cTn id="36" dur="1" fill="hold">
+                                          <p:stCondLst>
+                                            <p:cond delay="0"/>
+                                          </p:stCondLst>
+                                        </p:cTn>
+                                        <p:tgtEl>
+                                          <p:spTgt spid="21"/>
+                                        </p:tgtEl>
+                                        <p:attrNameLst>
+                                          <p:attrName>style.visibility</p:attrName>
+                                        </p:attrNameLst>
+                                      </p:cBhvr>
+                                      <p:to>
+                                        <p:strVal val="visible"/>
+                                      </p:to>
+                                    </p:set>
+                                    <p:animEffect transition="in" filter="fade">
+                                      <p:cBhvr>
+                                        <p:cTn id="37" dur="1000"/>
+                                        <p:tgtEl>
+                                          <p:spTgt spid="21"/>
+                                        </p:tgtEl>
+                                      </p:cBhvr>
+                                    </p:animEffect>
+                                    <p:anim calcmode="lin" valueType="num">
+                                      <p:cBhvr>
+                                        <p:cTn id="38" dur="1000" fill="hold"/>
+                                        <p:tgtEl>
+                                          <p:spTgt spid="21"/>
+                                        </p:tgtEl>
+                                        <p:attrNameLst>
+                                          <p:attrName>ppt_x</p:attrName>
+                                        </p:attrNameLst>
+                                      </p:cBhvr>
+                                      <p:tavLst>
+                                        <p:tav tm="0">
+                                          <p:val>
+                                            <p:strVal val="#ppt_x"/>
+                                          </p:val>
+                                        </p:tav>
+                                        <p:tav tm="100000">
+                                          <p:val>
+                                            <p:strVal val="#ppt_x"/>
+                                          </p:val>
+                                        </p:tav>
+                                      </p:tavLst>
+                                    </p:anim>
+                                    <p:anim calcmode="lin" valueType="num">
+                                      <p:cBhvr>
+                                        <p:cTn id="39" dur="1000" fill="hold"/>
+                                        <p:tgtEl>
+                                          <p:spTgt spid="21"/>
+                                        </p:tgtEl>
+                                        <p:attrNameLst>
+                                          <p:attrName>ppt_y</p:attrName>
+                                        </p:attrNameLst>
+                                      </p:cBhvr>
+                                      <p:tavLst>
+                                        <p:tav tm="0">
+                                          <p:val>
+                                            <p:strVal val="#ppt_y+.1"/>
+                                          </p:val>
+                                        </p:tav>
+                                        <p:tav tm="100000">
+                                          <p:val>
+                                            <p:strVal val="#ppt_y"/>
+                                          </p:val>
+                                        </p:tav>
+                                      </p:tavLst>
+                                    </p:anim>
+                                  </p:childTnLst>
+                                </p:cTn>
+                              </p:par>
+                              <p:par>
+                                <p:cTn id="40" presetID="42" presetClass="entr" presetSubtype="0" fill="hold" grpId="0" nodeType="withEffect">
+                                  <p:stCondLst>
+                                    <p:cond delay="0"/>
+                                  </p:stCondLst>
+                                  <p:childTnLst>
+                                    <p:set>
+                                      <p:cBhvr>
+                                        <p:cTn id="41" dur="1" fill="hold">
+                                          <p:stCondLst>
+                                            <p:cond delay="0"/>
+                                          </p:stCondLst>
+                                        </p:cTn>
+                                        <p:tgtEl>
+                                          <p:spTgt spid="17"/>
+                                        </p:tgtEl>
+                                        <p:attrNameLst>
+                                          <p:attrName>style.visibility</p:attrName>
+                                        </p:attrNameLst>
+                                      </p:cBhvr>
+                                      <p:to>
+                                        <p:strVal val="visible"/>
+                                      </p:to>
+                                    </p:set>
+                                    <p:animEffect transition="in" filter="fade">
+                                      <p:cBhvr>
+                                        <p:cTn id="42" dur="1000"/>
+                                        <p:tgtEl>
+                                          <p:spTgt spid="17"/>
+                                        </p:tgtEl>
+                                      </p:cBhvr>
+                                    </p:animEffect>
+                                    <p:anim calcmode="lin" valueType="num">
+                                      <p:cBhvr>
+                                        <p:cTn id="43" dur="1000" fill="hold"/>
+                                        <p:tgtEl>
+                                          <p:spTgt spid="17"/>
+                                        </p:tgtEl>
+                                        <p:attrNameLst>
+                                          <p:attrName>ppt_x</p:attrName>
+                                        </p:attrNameLst>
+                                      </p:cBhvr>
+                                      <p:tavLst>
+                                        <p:tav tm="0">
+                                          <p:val>
+                                            <p:strVal val="#ppt_x"/>
+                                          </p:val>
+                                        </p:tav>
+                                        <p:tav tm="100000">
+                                          <p:val>
+                                            <p:strVal val="#ppt_x"/>
+                                          </p:val>
+                                        </p:tav>
+                                      </p:tavLst>
+                                    </p:anim>
+                                    <p:anim calcmode="lin" valueType="num">
+                                      <p:cBhvr>
+                                        <p:cTn id="44" dur="1000" fill="hold"/>
+                                        <p:tgtEl>
+                                          <p:spTgt spid="17"/>
+                                        </p:tgtEl>
+                                        <p:attrNameLst>
+                                          <p:attrName>ppt_y</p:attrName>
+                                        </p:attrNameLst>
+                                      </p:cBhvr>
+                                      <p:tavLst>
+                                        <p:tav tm="0">
+                                          <p:val>
+                                            <p:strVal val="#ppt_y+.1"/>
+                                          </p:val>
+                                        </p:tav>
+                                        <p:tav tm="100000">
+                                          <p:val>
+                                            <p:strVal val="#ppt_y"/>
+                                          </p:val>
+                                        </p:tav>
+                                      </p:tavLst>
+                                    </p:anim>
+                                  </p:childTnLst>
+                                </p:cTn>
+                              </p:par>
+                              <p:par>
+                                <p:cTn id="45" presetID="42" presetClass="entr" presetSubtype="0" fill="hold" grpId="0" nodeType="withEffect">
+                                  <p:stCondLst>
+                                    <p:cond delay="0"/>
+                                  </p:stCondLst>
+                                  <p:childTnLst>
+                                    <p:set>
+                                      <p:cBhvr>
+                                        <p:cTn id="46" dur="1" fill="hold">
+                                          <p:stCondLst>
+                                            <p:cond delay="0"/>
+                                          </p:stCondLst>
+                                        </p:cTn>
+                                        <p:tgtEl>
+                                          <p:spTgt spid="20"/>
+                                        </p:tgtEl>
+                                        <p:attrNameLst>
+                                          <p:attrName>style.visibility</p:attrName>
+                                        </p:attrNameLst>
+                                      </p:cBhvr>
+                                      <p:to>
+                                        <p:strVal val="visible"/>
+                                      </p:to>
+                                    </p:set>
+                                    <p:animEffect transition="in" filter="fade">
+                                      <p:cBhvr>
+                                        <p:cTn id="47" dur="1000"/>
+                                        <p:tgtEl>
+                                          <p:spTgt spid="20"/>
+                                        </p:tgtEl>
+                                      </p:cBhvr>
+                                    </p:animEffect>
+                                    <p:anim calcmode="lin" valueType="num">
+                                      <p:cBhvr>
+                                        <p:cTn id="48" dur="1000" fill="hold"/>
+                                        <p:tgtEl>
+                                          <p:spTgt spid="20"/>
+                                        </p:tgtEl>
+                                        <p:attrNameLst>
+                                          <p:attrName>ppt_x</p:attrName>
+                                        </p:attrNameLst>
+                                      </p:cBhvr>
+                                      <p:tavLst>
+                                        <p:tav tm="0">
+                                          <p:val>
+                                            <p:strVal val="#ppt_x"/>
+                                          </p:val>
+                                        </p:tav>
+                                        <p:tav tm="100000">
+                                          <p:val>
+                                            <p:strVal val="#ppt_x"/>
+                                          </p:val>
+                                        </p:tav>
+                                      </p:tavLst>
+                                    </p:anim>
+                                    <p:anim calcmode="lin" valueType="num">
+                                      <p:cBhvr>
+                                        <p:cTn id="49" dur="1000" fill="hold"/>
+                                        <p:tgtEl>
+                                          <p:spTgt spid="20"/>
+                                        </p:tgtEl>
+                                        <p:attrNameLst>
+                                          <p:attrName>ppt_y</p:attrName>
+                                        </p:attrNameLst>
+                                      </p:cBhvr>
+                                      <p:tavLst>
+                                        <p:tav tm="0">
+                                          <p:val>
+                                            <p:strVal val="#ppt_y+.1"/>
+                                          </p:val>
+                                        </p:tav>
+                                        <p:tav tm="100000">
+                                          <p:val>
+                                            <p:strVal val="#ppt_y"/>
+                                          </p:val>
+                                        </p:tav>
+                                      </p:tavLst>
+                                    </p:anim>
+                                  </p:childTnLst>
+                                </p:cTn>
+                              </p:par>
+                              <p:par>
+                                <p:cTn id="50" presetID="42" presetClass="entr" presetSubtype="0" fill="hold" grpId="0" nodeType="withEffect">
+                                  <p:stCondLst>
+                                    <p:cond delay="0"/>
+                                  </p:stCondLst>
+                                  <p:childTnLst>
+                                    <p:set>
+                                      <p:cBhvr>
+                                        <p:cTn id="51" dur="1" fill="hold">
+                                          <p:stCondLst>
+                                            <p:cond delay="0"/>
+                                          </p:stCondLst>
+                                        </p:cTn>
+                                        <p:tgtEl>
+                                          <p:spTgt spid="19"/>
+                                        </p:tgtEl>
+                                        <p:attrNameLst>
+                                          <p:attrName>style.visibility</p:attrName>
+                                        </p:attrNameLst>
+                                      </p:cBhvr>
+                                      <p:to>
+                                        <p:strVal val="visible"/>
+                                      </p:to>
+                                    </p:set>
+                                    <p:animEffect transition="in" filter="fade">
+                                      <p:cBhvr>
+                                        <p:cTn id="52" dur="1000"/>
+                                        <p:tgtEl>
+                                          <p:spTgt spid="19"/>
+                                        </p:tgtEl>
+                                      </p:cBhvr>
+                                    </p:animEffect>
+                                    <p:anim calcmode="lin" valueType="num">
+                                      <p:cBhvr>
+                                        <p:cTn id="53" dur="1000" fill="hold"/>
+                                        <p:tgtEl>
+                                          <p:spTgt spid="19"/>
+                                        </p:tgtEl>
+                                        <p:attrNameLst>
+                                          <p:attrName>ppt_x</p:attrName>
+                                        </p:attrNameLst>
+                                      </p:cBhvr>
+                                      <p:tavLst>
+                                        <p:tav tm="0">
+                                          <p:val>
+                                            <p:strVal val="#ppt_x"/>
+                                          </p:val>
+                                        </p:tav>
+                                        <p:tav tm="100000">
+                                          <p:val>
+                                            <p:strVal val="#ppt_x"/>
+                                          </p:val>
+                                        </p:tav>
+                                      </p:tavLst>
+                                    </p:anim>
+                                    <p:anim calcmode="lin" valueType="num">
+                                      <p:cBhvr>
+                                        <p:cTn id="54" dur="1000" fill="hold"/>
+                                        <p:tgtEl>
+                                          <p:spTgt spid="19"/>
+                                        </p:tgtEl>
+                                        <p:attrNameLst>
+                                          <p:attrName>ppt_y</p:attrName>
+                                        </p:attrNameLst>
+                                      </p:cBhvr>
+                                      <p:tavLst>
+                                        <p:tav tm="0">
+                                          <p:val>
+                                            <p:strVal val="#ppt_y+.1"/>
+                                          </p:val>
+                                        </p:tav>
+                                        <p:tav tm="100000">
+                                          <p:val>
+                                            <p:strVal val="#ppt_y"/>
+                                          </p:val>
+                                        </p:tav>
+                                      </p:tavLst>
+                                    </p:anim>
+                                  </p:childTnLst>
+                                </p:cTn>
+                              </p:par>
+                            </p:childTnLst>
+                          </p:cTn>
+                        </p:par>
+                      </p:childTnLst>
+                    </p:cTn>
+                  </p:par>
+                  <p:par>
+                    <p:cTn id="55" fill="hold">
+                      <p:stCondLst>
+                        <p:cond delay="indefinite"/>
+                      </p:stCondLst>
+                      <p:childTnLst>
+                        <p:par>
+                          <p:cTn id="56" fill="hold">
+                            <p:stCondLst>
+                              <p:cond delay="0"/>
+                            </p:stCondLst>
+                            <p:childTnLst>
+                              <p:par>
+                                <p:cTn id="57" presetID="2" presetClass="entr" presetSubtype="4" fill="hold" nodeType="clickEffect">
+                                  <p:stCondLst>
+                                    <p:cond delay="0"/>
+                                  </p:stCondLst>
+                                  <p:childTnLst>
+                                    <p:set>
+                                      <p:cBhvr>
+                                        <p:cTn id="58" dur="1" fill="hold">
+                                          <p:stCondLst>
+                                            <p:cond delay="0"/>
+                                          </p:stCondLst>
+                                        </p:cTn>
+                                        <p:tgtEl>
+                                          <p:spTgt spid="24"/>
+                                        </p:tgtEl>
+                                        <p:attrNameLst>
+                                          <p:attrName>style.visibility</p:attrName>
+                                        </p:attrNameLst>
+                                      </p:cBhvr>
+                                      <p:to>
+                                        <p:strVal val="visible"/>
+                                      </p:to>
+                                    </p:set>
+                                    <p:anim calcmode="lin" valueType="num">
+                                      <p:cBhvr additive="base">
+                                        <p:cTn id="59" dur="500" fill="hold"/>
+                                        <p:tgtEl>
+                                          <p:spTgt spid="24"/>
+                                        </p:tgtEl>
+                                        <p:attrNameLst>
+                                          <p:attrName>ppt_x</p:attrName>
+                                        </p:attrNameLst>
+                                      </p:cBhvr>
+                                      <p:tavLst>
+                                        <p:tav tm="0">
+                                          <p:val>
+                                            <p:strVal val="#ppt_x"/>
+                                          </p:val>
+                                        </p:tav>
+                                        <p:tav tm="100000">
+                                          <p:val>
+                                            <p:strVal val="#ppt_x"/>
+                                          </p:val>
+                                        </p:tav>
+                                      </p:tavLst>
+                                    </p:anim>
+                                    <p:anim calcmode="lin" valueType="num">
+                                      <p:cBhvr additive="base">
+                                        <p:cTn id="60" dur="500" fill="hold"/>
+                                        <p:tgtEl>
+                                          <p:spTgt spid="24"/>
+                                        </p:tgtEl>
+                                        <p:attrNameLst>
+                                          <p:attrName>ppt_y</p:attrName>
+                                        </p:attrNameLst>
+                                      </p:cBhvr>
+                                      <p:tavLst>
+                                        <p:tav tm="0">
+                                          <p:val>
+                                            <p:strVal val="1+#ppt_h/2"/>
+                                          </p:val>
+                                        </p:tav>
+                                        <p:tav tm="100000">
+                                          <p:val>
+                                            <p:strVal val="#ppt_y"/>
+                                          </p:val>
+                                        </p:tav>
+                                      </p:tavLst>
+                                    </p:anim>
+                                  </p:childTnLst>
+                                </p:cTn>
+                              </p:par>
+                              <p:par>
+                                <p:cTn id="61" presetID="2" presetClass="entr" presetSubtype="4" fill="hold" nodeType="withEffect">
+                                  <p:stCondLst>
+                                    <p:cond delay="0"/>
+                                  </p:stCondLst>
+                                  <p:childTnLst>
+                                    <p:set>
+                                      <p:cBhvr>
+                                        <p:cTn id="62" dur="1" fill="hold">
+                                          <p:stCondLst>
+                                            <p:cond delay="0"/>
+                                          </p:stCondLst>
+                                        </p:cTn>
+                                        <p:tgtEl>
+                                          <p:spTgt spid="26"/>
+                                        </p:tgtEl>
+                                        <p:attrNameLst>
+                                          <p:attrName>style.visibility</p:attrName>
+                                        </p:attrNameLst>
+                                      </p:cBhvr>
+                                      <p:to>
+                                        <p:strVal val="visible"/>
+                                      </p:to>
+                                    </p:set>
+                                    <p:anim calcmode="lin" valueType="num">
+                                      <p:cBhvr additive="base">
+                                        <p:cTn id="63" dur="500" fill="hold"/>
+                                        <p:tgtEl>
+                                          <p:spTgt spid="26"/>
+                                        </p:tgtEl>
+                                        <p:attrNameLst>
+                                          <p:attrName>ppt_x</p:attrName>
+                                        </p:attrNameLst>
+                                      </p:cBhvr>
+                                      <p:tavLst>
+                                        <p:tav tm="0">
+                                          <p:val>
+                                            <p:strVal val="#ppt_x"/>
+                                          </p:val>
+                                        </p:tav>
+                                        <p:tav tm="100000">
+                                          <p:val>
+                                            <p:strVal val="#ppt_x"/>
+                                          </p:val>
+                                        </p:tav>
+                                      </p:tavLst>
+                                    </p:anim>
+                                    <p:anim calcmode="lin" valueType="num">
+                                      <p:cBhvr additive="base">
+                                        <p:cTn id="64" dur="500" fill="hold"/>
+                                        <p:tgtEl>
+                                          <p:spTgt spid="26"/>
+                                        </p:tgtEl>
+                                        <p:attrNameLst>
+                                          <p:attrName>ppt_y</p:attrName>
+                                        </p:attrNameLst>
+                                      </p:cBhvr>
+                                      <p:tavLst>
+                                        <p:tav tm="0">
+                                          <p:val>
+                                            <p:strVal val="1+#ppt_h/2"/>
+                                          </p:val>
+                                        </p:tav>
+                                        <p:tav tm="100000">
+                                          <p:val>
+                                            <p:strVal val="#ppt_y"/>
+                                          </p:val>
+                                        </p:tav>
+                                      </p:tavLst>
+                                    </p:anim>
+                                  </p:childTnLst>
+                                </p:cTn>
+                              </p:par>
+                              <p:par>
+                                <p:cTn id="65" presetID="2" presetClass="entr" presetSubtype="4" fill="hold" grpId="0" nodeType="withEffect">
+                                  <p:stCondLst>
+                                    <p:cond delay="0"/>
+                                  </p:stCondLst>
+                                  <p:childTnLst>
+                                    <p:set>
+                                      <p:cBhvr>
+                                        <p:cTn id="66" dur="1" fill="hold">
+                                          <p:stCondLst>
+                                            <p:cond delay="0"/>
+                                          </p:stCondLst>
+                                        </p:cTn>
+                                        <p:tgtEl>
+                                          <p:spTgt spid="32"/>
+                                        </p:tgtEl>
+                                        <p:attrNameLst>
+                                          <p:attrName>style.visibility</p:attrName>
+                                        </p:attrNameLst>
+                                      </p:cBhvr>
+                                      <p:to>
+                                        <p:strVal val="visible"/>
+                                      </p:to>
+                                    </p:set>
+                                    <p:anim calcmode="lin" valueType="num">
+                                      <p:cBhvr additive="base">
+                                        <p:cTn id="67" dur="500" fill="hold"/>
+                                        <p:tgtEl>
+                                          <p:spTgt spid="32"/>
+                                        </p:tgtEl>
+                                        <p:attrNameLst>
+                                          <p:attrName>ppt_x</p:attrName>
+                                        </p:attrNameLst>
+                                      </p:cBhvr>
+                                      <p:tavLst>
+                                        <p:tav tm="0">
+                                          <p:val>
+                                            <p:strVal val="#ppt_x"/>
+                                          </p:val>
+                                        </p:tav>
+                                        <p:tav tm="100000">
+                                          <p:val>
+                                            <p:strVal val="#ppt_x"/>
+                                          </p:val>
+                                        </p:tav>
+                                      </p:tavLst>
+                                    </p:anim>
+                                    <p:anim calcmode="lin" valueType="num">
+                                      <p:cBhvr additive="base">
+                                        <p:cTn id="68" dur="500" fill="hold"/>
+                                        <p:tgtEl>
+                                          <p:spTgt spid="32"/>
+                                        </p:tgtEl>
+                                        <p:attrNameLst>
+                                          <p:attrName>ppt_y</p:attrName>
+                                        </p:attrNameLst>
+                                      </p:cBhvr>
+                                      <p:tavLst>
+                                        <p:tav tm="0">
+                                          <p:val>
+                                            <p:strVal val="1+#ppt_h/2"/>
+                                          </p:val>
+                                        </p:tav>
+                                        <p:tav tm="100000">
+                                          <p:val>
+                                            <p:strVal val="#ppt_y"/>
+                                          </p:val>
+                                        </p:tav>
+                                      </p:tavLst>
+                                    </p:anim>
+                                  </p:childTnLst>
+                                </p:cTn>
+                              </p:par>
+                              <p:par>
+                                <p:cTn id="69" presetID="2" presetClass="entr" presetSubtype="4" fill="hold" grpId="0" nodeType="withEffect">
+                                  <p:stCondLst>
+                                    <p:cond delay="0"/>
+                                  </p:stCondLst>
+                                  <p:childTnLst>
+                                    <p:set>
+                                      <p:cBhvr>
+                                        <p:cTn id="70" dur="1" fill="hold">
+                                          <p:stCondLst>
+                                            <p:cond delay="0"/>
+                                          </p:stCondLst>
+                                        </p:cTn>
+                                        <p:tgtEl>
+                                          <p:spTgt spid="33"/>
+                                        </p:tgtEl>
+                                        <p:attrNameLst>
+                                          <p:attrName>style.visibility</p:attrName>
+                                        </p:attrNameLst>
+                                      </p:cBhvr>
+                                      <p:to>
+                                        <p:strVal val="visible"/>
+                                      </p:to>
+                                    </p:set>
+                                    <p:anim calcmode="lin" valueType="num">
+                                      <p:cBhvr additive="base">
+                                        <p:cTn id="71" dur="500" fill="hold"/>
+                                        <p:tgtEl>
+                                          <p:spTgt spid="33"/>
+                                        </p:tgtEl>
+                                        <p:attrNameLst>
+                                          <p:attrName>ppt_x</p:attrName>
+                                        </p:attrNameLst>
+                                      </p:cBhvr>
+                                      <p:tavLst>
+                                        <p:tav tm="0">
+                                          <p:val>
+                                            <p:strVal val="#ppt_x"/>
+                                          </p:val>
+                                        </p:tav>
+                                        <p:tav tm="100000">
+                                          <p:val>
+                                            <p:strVal val="#ppt_x"/>
+                                          </p:val>
+                                        </p:tav>
+                                      </p:tavLst>
+                                    </p:anim>
+                                    <p:anim calcmode="lin" valueType="num">
+                                      <p:cBhvr additive="base">
+                                        <p:cTn id="72" dur="500" fill="hold"/>
+                                        <p:tgtEl>
+                                          <p:spTgt spid="33"/>
+                                        </p:tgtEl>
+                                        <p:attrNameLst>
+                                          <p:attrName>ppt_y</p:attrName>
+                                        </p:attrNameLst>
+                                      </p:cBhvr>
+                                      <p:tavLst>
+                                        <p:tav tm="0">
+                                          <p:val>
+                                            <p:strVal val="1+#ppt_h/2"/>
+                                          </p:val>
+                                        </p:tav>
+                                        <p:tav tm="100000">
+                                          <p:val>
+                                            <p:strVal val="#ppt_y"/>
+                                          </p:val>
+                                        </p:tav>
+                                      </p:tavLst>
+                                    </p:anim>
+                                  </p:childTnLst>
+                                </p:cTn>
+                              </p:par>
+                              <p:par>
+                                <p:cTn id="73" presetID="2" presetClass="entr" presetSubtype="4" fill="hold" grpId="0" nodeType="withEffect">
+                                  <p:stCondLst>
+                                    <p:cond delay="0"/>
+                                  </p:stCondLst>
+                                  <p:childTnLst>
+                                    <p:set>
+                                      <p:cBhvr>
+                                        <p:cTn id="74" dur="1" fill="hold">
+                                          <p:stCondLst>
+                                            <p:cond delay="0"/>
+                                          </p:stCondLst>
+                                        </p:cTn>
+                                        <p:tgtEl>
+                                          <p:spTgt spid="34"/>
+                                        </p:tgtEl>
+                                        <p:attrNameLst>
+                                          <p:attrName>style.visibility</p:attrName>
+                                        </p:attrNameLst>
+                                      </p:cBhvr>
+                                      <p:to>
+                                        <p:strVal val="visible"/>
+                                      </p:to>
+                                    </p:set>
+                                    <p:anim calcmode="lin" valueType="num">
+                                      <p:cBhvr additive="base">
+                                        <p:cTn id="75" dur="500" fill="hold"/>
+                                        <p:tgtEl>
+                                          <p:spTgt spid="34"/>
+                                        </p:tgtEl>
+                                        <p:attrNameLst>
+                                          <p:attrName>ppt_x</p:attrName>
+                                        </p:attrNameLst>
+                                      </p:cBhvr>
+                                      <p:tavLst>
+                                        <p:tav tm="0">
+                                          <p:val>
+                                            <p:strVal val="#ppt_x"/>
+                                          </p:val>
+                                        </p:tav>
+                                        <p:tav tm="100000">
+                                          <p:val>
+                                            <p:strVal val="#ppt_x"/>
+                                          </p:val>
+                                        </p:tav>
+                                      </p:tavLst>
+                                    </p:anim>
+                                    <p:anim calcmode="lin" valueType="num">
+                                      <p:cBhvr additive="base">
+                                        <p:cTn id="76" dur="500" fill="hold"/>
+                                        <p:tgtEl>
+                                          <p:spTgt spid="34"/>
+                                        </p:tgtEl>
+                                        <p:attrNameLst>
+                                          <p:attrName>ppt_y</p:attrName>
+                                        </p:attrNameLst>
+                                      </p:cBhvr>
+                                      <p:tavLst>
+                                        <p:tav tm="0">
+                                          <p:val>
+                                            <p:strVal val="1+#ppt_h/2"/>
+                                          </p:val>
+                                        </p:tav>
+                                        <p:tav tm="100000">
+                                          <p:val>
+                                            <p:strVal val="#ppt_y"/>
+                                          </p:val>
+                                        </p:tav>
+                                      </p:tavLst>
+                                    </p:anim>
+                                  </p:childTnLst>
+                                </p:cTn>
+                              </p:par>
+                              <p:par>
+                                <p:cTn id="77" presetID="2" presetClass="entr" presetSubtype="4" fill="hold" grpId="0" nodeType="withEffect">
+                                  <p:stCondLst>
+                                    <p:cond delay="0"/>
+                                  </p:stCondLst>
+                                  <p:childTnLst>
+                                    <p:set>
+                                      <p:cBhvr>
+                                        <p:cTn id="78" dur="1" fill="hold">
+                                          <p:stCondLst>
+                                            <p:cond delay="0"/>
+                                          </p:stCondLst>
+                                        </p:cTn>
+                                        <p:tgtEl>
+                                          <p:spTgt spid="35"/>
+                                        </p:tgtEl>
+                                        <p:attrNameLst>
+                                          <p:attrName>style.visibility</p:attrName>
+                                        </p:attrNameLst>
+                                      </p:cBhvr>
+                                      <p:to>
+                                        <p:strVal val="visible"/>
+                                      </p:to>
+                                    </p:set>
+                                    <p:anim calcmode="lin" valueType="num">
+                                      <p:cBhvr additive="base">
+                                        <p:cTn id="79" dur="500" fill="hold"/>
+                                        <p:tgtEl>
+                                          <p:spTgt spid="35"/>
+                                        </p:tgtEl>
+                                        <p:attrNameLst>
+                                          <p:attrName>ppt_x</p:attrName>
+                                        </p:attrNameLst>
+                                      </p:cBhvr>
+                                      <p:tavLst>
+                                        <p:tav tm="0">
+                                          <p:val>
+                                            <p:strVal val="#ppt_x"/>
+                                          </p:val>
+                                        </p:tav>
+                                        <p:tav tm="100000">
+                                          <p:val>
+                                            <p:strVal val="#ppt_x"/>
+                                          </p:val>
+                                        </p:tav>
+                                      </p:tavLst>
+                                    </p:anim>
+                                    <p:anim calcmode="lin" valueType="num">
+                                      <p:cBhvr additive="base">
+                                        <p:cTn id="80" dur="500" fill="hold"/>
+                                        <p:tgtEl>
+                                          <p:spTgt spid="35"/>
+                                        </p:tgtEl>
+                                        <p:attrNameLst>
+                                          <p:attrName>ppt_y</p:attrName>
+                                        </p:attrNameLst>
+                                      </p:cBhvr>
+                                      <p:tavLst>
+                                        <p:tav tm="0">
+                                          <p:val>
+                                            <p:strVal val="1+#ppt_h/2"/>
+                                          </p:val>
+                                        </p:tav>
+                                        <p:tav tm="100000">
+                                          <p:val>
+                                            <p:strVal val="#ppt_y"/>
+                                          </p:val>
+                                        </p:tav>
+                                      </p:tavLst>
+                                    </p:anim>
+                                  </p:childTnLst>
+                                </p:cTn>
+                              </p:par>
+                              <p:par>
+                                <p:cTn id="81" presetID="2" presetClass="entr" presetSubtype="4" fill="hold" nodeType="withEffect">
+                                  <p:stCondLst>
+                                    <p:cond delay="0"/>
+                                  </p:stCondLst>
+                                  <p:childTnLst>
+                                    <p:set>
+                                      <p:cBhvr>
+                                        <p:cTn id="82" dur="1" fill="hold">
+                                          <p:stCondLst>
+                                            <p:cond delay="0"/>
+                                          </p:stCondLst>
+                                        </p:cTn>
+                                        <p:tgtEl>
+                                          <p:spTgt spid="30"/>
+                                        </p:tgtEl>
+                                        <p:attrNameLst>
+                                          <p:attrName>style.visibility</p:attrName>
+                                        </p:attrNameLst>
+                                      </p:cBhvr>
+                                      <p:to>
+                                        <p:strVal val="visible"/>
+                                      </p:to>
+                                    </p:set>
+                                    <p:anim calcmode="lin" valueType="num">
+                                      <p:cBhvr additive="base">
+                                        <p:cTn id="83" dur="500" fill="hold"/>
+                                        <p:tgtEl>
+                                          <p:spTgt spid="30"/>
+                                        </p:tgtEl>
+                                        <p:attrNameLst>
+                                          <p:attrName>ppt_x</p:attrName>
+                                        </p:attrNameLst>
+                                      </p:cBhvr>
+                                      <p:tavLst>
+                                        <p:tav tm="0">
+                                          <p:val>
+                                            <p:strVal val="#ppt_x"/>
+                                          </p:val>
+                                        </p:tav>
+                                        <p:tav tm="100000">
+                                          <p:val>
+                                            <p:strVal val="#ppt_x"/>
+                                          </p:val>
+                                        </p:tav>
+                                      </p:tavLst>
+                                    </p:anim>
+                                    <p:anim calcmode="lin" valueType="num">
+                                      <p:cBhvr additive="base">
+                                        <p:cTn id="84" dur="500" fill="hold"/>
+                                        <p:tgtEl>
+                                          <p:spTgt spid="30"/>
+                                        </p:tgtEl>
+                                        <p:attrNameLst>
+                                          <p:attrName>ppt_y</p:attrName>
+                                        </p:attrNameLst>
+                                      </p:cBhvr>
+                                      <p:tavLst>
+                                        <p:tav tm="0">
+                                          <p:val>
+                                            <p:strVal val="1+#ppt_h/2"/>
+                                          </p:val>
+                                        </p:tav>
+                                        <p:tav tm="100000">
+                                          <p:val>
+                                            <p:strVal val="#ppt_y"/>
+                                          </p:val>
+                                        </p:tav>
+                                      </p:tavLst>
+                                    </p:anim>
+                                  </p:childTnLst>
+                                </p:cTn>
+                              </p:par>
+                              <p:par>
+                                <p:cTn id="85" presetID="2" presetClass="entr" presetSubtype="4" fill="hold" nodeType="withEffect">
+                                  <p:stCondLst>
+                                    <p:cond delay="0"/>
+                                  </p:stCondLst>
+                                  <p:childTnLst>
+                                    <p:set>
+                                      <p:cBhvr>
+                                        <p:cTn id="86" dur="1" fill="hold">
+                                          <p:stCondLst>
+                                            <p:cond delay="0"/>
+                                          </p:stCondLst>
+                                        </p:cTn>
+                                        <p:tgtEl>
+                                          <p:spTgt spid="27"/>
+                                        </p:tgtEl>
+                                        <p:attrNameLst>
+                                          <p:attrName>style.visibility</p:attrName>
+                                        </p:attrNameLst>
+                                      </p:cBhvr>
+                                      <p:to>
+                                        <p:strVal val="visible"/>
+                                      </p:to>
+                                    </p:set>
+                                    <p:anim calcmode="lin" valueType="num">
+                                      <p:cBhvr additive="base">
+                                        <p:cTn id="87" dur="500" fill="hold"/>
+                                        <p:tgtEl>
+                                          <p:spTgt spid="27"/>
+                                        </p:tgtEl>
+                                        <p:attrNameLst>
+                                          <p:attrName>ppt_x</p:attrName>
+                                        </p:attrNameLst>
+                                      </p:cBhvr>
+                                      <p:tavLst>
+                                        <p:tav tm="0">
+                                          <p:val>
+                                            <p:strVal val="#ppt_x"/>
+                                          </p:val>
+                                        </p:tav>
+                                        <p:tav tm="100000">
+                                          <p:val>
+                                            <p:strVal val="#ppt_x"/>
+                                          </p:val>
+                                        </p:tav>
+                                      </p:tavLst>
+                                    </p:anim>
+                                    <p:anim calcmode="lin" valueType="num">
+                                      <p:cBhvr additive="base">
+                                        <p:cTn id="88" dur="500" fill="hold"/>
+                                        <p:tgtEl>
+                                          <p:spTgt spid="27"/>
+                                        </p:tgtEl>
+                                        <p:attrNameLst>
+                                          <p:attrName>ppt_y</p:attrName>
+                                        </p:attrNameLst>
+                                      </p:cBhvr>
+                                      <p:tavLst>
+                                        <p:tav tm="0">
+                                          <p:val>
+                                            <p:strVal val="1+#ppt_h/2"/>
+                                          </p:val>
+                                        </p:tav>
+                                        <p:tav tm="100000">
+                                          <p:val>
+                                            <p:strVal val="#ppt_y"/>
+                                          </p:val>
+                                        </p:tav>
+                                      </p:tavLst>
+                                    </p:anim>
+                                  </p:childTnLst>
+                                </p:cTn>
+                              </p:par>
+                              <p:par>
+                                <p:cTn id="89" presetID="2" presetClass="entr" presetSubtype="4" fill="hold" grpId="0" nodeType="withEffect">
+                                  <p:stCondLst>
+                                    <p:cond delay="0"/>
+                                  </p:stCondLst>
+                                  <p:childTnLst>
+                                    <p:set>
+                                      <p:cBhvr>
+                                        <p:cTn id="90" dur="1" fill="hold">
+                                          <p:stCondLst>
+                                            <p:cond delay="0"/>
+                                          </p:stCondLst>
+                                        </p:cTn>
+                                        <p:tgtEl>
+                                          <p:spTgt spid="36"/>
+                                        </p:tgtEl>
+                                        <p:attrNameLst>
+                                          <p:attrName>style.visibility</p:attrName>
+                                        </p:attrNameLst>
+                                      </p:cBhvr>
+                                      <p:to>
+                                        <p:strVal val="visible"/>
+                                      </p:to>
+                                    </p:set>
+                                    <p:anim calcmode="lin" valueType="num">
+                                      <p:cBhvr additive="base">
+                                        <p:cTn id="91" dur="500" fill="hold"/>
+                                        <p:tgtEl>
+                                          <p:spTgt spid="36"/>
+                                        </p:tgtEl>
+                                        <p:attrNameLst>
+                                          <p:attrName>ppt_x</p:attrName>
+                                        </p:attrNameLst>
+                                      </p:cBhvr>
+                                      <p:tavLst>
+                                        <p:tav tm="0">
+                                          <p:val>
+                                            <p:strVal val="#ppt_x"/>
+                                          </p:val>
+                                        </p:tav>
+                                        <p:tav tm="100000">
+                                          <p:val>
+                                            <p:strVal val="#ppt_x"/>
+                                          </p:val>
+                                        </p:tav>
+                                      </p:tavLst>
+                                    </p:anim>
+                                    <p:anim calcmode="lin" valueType="num">
+                                      <p:cBhvr additive="base">
+                                        <p:cTn id="92" dur="500" fill="hold"/>
+                                        <p:tgtEl>
+                                          <p:spTgt spid="36"/>
+                                        </p:tgtEl>
+                                        <p:attrNameLst>
+                                          <p:attrName>ppt_y</p:attrName>
+                                        </p:attrNameLst>
+                                      </p:cBhvr>
+                                      <p:tavLst>
+                                        <p:tav tm="0">
+                                          <p:val>
+                                            <p:strVal val="1+#ppt_h/2"/>
+                                          </p:val>
+                                        </p:tav>
+                                        <p:tav tm="100000">
+                                          <p:val>
+                                            <p:strVal val="#ppt_y"/>
+                                          </p:val>
+                                        </p:tav>
+                                      </p:tavLst>
+                                    </p:anim>
+                                  </p:childTnLst>
+                                </p:cTn>
+                              </p:par>
+                              <p:par>
+                                <p:cTn id="93" presetID="2" presetClass="entr" presetSubtype="4" fill="hold" grpId="0" nodeType="withEffect">
+                                  <p:stCondLst>
+                                    <p:cond delay="0"/>
+                                  </p:stCondLst>
+                                  <p:childTnLst>
+                                    <p:set>
+                                      <p:cBhvr>
+                                        <p:cTn id="94" dur="1" fill="hold">
+                                          <p:stCondLst>
+                                            <p:cond delay="0"/>
+                                          </p:stCondLst>
+                                        </p:cTn>
+                                        <p:tgtEl>
+                                          <p:spTgt spid="37"/>
+                                        </p:tgtEl>
+                                        <p:attrNameLst>
+                                          <p:attrName>style.visibility</p:attrName>
+                                        </p:attrNameLst>
+                                      </p:cBhvr>
+                                      <p:to>
+                                        <p:strVal val="visible"/>
+                                      </p:to>
+                                    </p:set>
+                                    <p:anim calcmode="lin" valueType="num">
+                                      <p:cBhvr additive="base">
+                                        <p:cTn id="95" dur="500" fill="hold"/>
+                                        <p:tgtEl>
+                                          <p:spTgt spid="37"/>
+                                        </p:tgtEl>
+                                        <p:attrNameLst>
+                                          <p:attrName>ppt_x</p:attrName>
+                                        </p:attrNameLst>
+                                      </p:cBhvr>
+                                      <p:tavLst>
+                                        <p:tav tm="0">
+                                          <p:val>
+                                            <p:strVal val="#ppt_x"/>
+                                          </p:val>
+                                        </p:tav>
+                                        <p:tav tm="100000">
+                                          <p:val>
+                                            <p:strVal val="#ppt_x"/>
+                                          </p:val>
+                                        </p:tav>
+                                      </p:tavLst>
+                                    </p:anim>
+                                    <p:anim calcmode="lin" valueType="num">
+                                      <p:cBhvr additive="base">
+                                        <p:cTn id="96" dur="500" fill="hold"/>
+                                        <p:tgtEl>
+                                          <p:spTgt spid="37"/>
+                                        </p:tgtEl>
+                                        <p:attrNameLst>
+                                          <p:attrName>ppt_y</p:attrName>
+                                        </p:attrNameLst>
+                                      </p:cBhvr>
+                                      <p:tavLst>
+                                        <p:tav tm="0">
+                                          <p:val>
+                                            <p:strVal val="1+#ppt_h/2"/>
+                                          </p:val>
+                                        </p:tav>
+                                        <p:tav tm="100000">
+                                          <p:val>
+                                            <p:strVal val="#ppt_y"/>
+                                          </p:val>
+                                        </p:tav>
+                                      </p:tavLst>
+                                    </p:anim>
+                                  </p:childTnLst>
+                                </p:cTn>
+                              </p:par>
+                              <p:par>
+                                <p:cTn id="97" presetID="2" presetClass="entr" presetSubtype="4" fill="hold" grpId="0" nodeType="withEffect">
+                                  <p:stCondLst>
+                                    <p:cond delay="0"/>
+                                  </p:stCondLst>
+                                  <p:childTnLst>
+                                    <p:set>
+                                      <p:cBhvr>
+                                        <p:cTn id="98" dur="1" fill="hold">
+                                          <p:stCondLst>
+                                            <p:cond delay="0"/>
+                                          </p:stCondLst>
+                                        </p:cTn>
+                                        <p:tgtEl>
+                                          <p:spTgt spid="39"/>
+                                        </p:tgtEl>
+                                        <p:attrNameLst>
+                                          <p:attrName>style.visibility</p:attrName>
+                                        </p:attrNameLst>
+                                      </p:cBhvr>
+                                      <p:to>
+                                        <p:strVal val="visible"/>
+                                      </p:to>
+                                    </p:set>
+                                    <p:anim calcmode="lin" valueType="num">
+                                      <p:cBhvr additive="base">
+                                        <p:cTn id="99" dur="500" fill="hold"/>
+                                        <p:tgtEl>
+                                          <p:spTgt spid="39"/>
+                                        </p:tgtEl>
+                                        <p:attrNameLst>
+                                          <p:attrName>ppt_x</p:attrName>
+                                        </p:attrNameLst>
+                                      </p:cBhvr>
+                                      <p:tavLst>
+                                        <p:tav tm="0">
+                                          <p:val>
+                                            <p:strVal val="#ppt_x"/>
+                                          </p:val>
+                                        </p:tav>
+                                        <p:tav tm="100000">
+                                          <p:val>
+                                            <p:strVal val="#ppt_x"/>
+                                          </p:val>
+                                        </p:tav>
+                                      </p:tavLst>
+                                    </p:anim>
+                                    <p:anim calcmode="lin" valueType="num">
+                                      <p:cBhvr additive="base">
+                                        <p:cTn id="100" dur="500" fill="hold"/>
+                                        <p:tgtEl>
+                                          <p:spTgt spid="39"/>
+                                        </p:tgtEl>
+                                        <p:attrNameLst>
+                                          <p:attrName>ppt_y</p:attrName>
+                                        </p:attrNameLst>
+                                      </p:cBhvr>
+                                      <p:tavLst>
+                                        <p:tav tm="0">
+                                          <p:val>
+                                            <p:strVal val="1+#ppt_h/2"/>
+                                          </p:val>
+                                        </p:tav>
+                                        <p:tav tm="100000">
+                                          <p:val>
+                                            <p:strVal val="#ppt_y"/>
+                                          </p:val>
+                                        </p:tav>
+                                      </p:tavLst>
+                                    </p:anim>
+                                  </p:childTnLst>
+                                </p:cTn>
+                              </p:par>
+                              <p:par>
+                                <p:cTn id="101" presetID="2" presetClass="entr" presetSubtype="4" fill="hold" grpId="0" nodeType="withEffect">
+                                  <p:stCondLst>
+                                    <p:cond delay="0"/>
+                                  </p:stCondLst>
+                                  <p:childTnLst>
+                                    <p:set>
+                                      <p:cBhvr>
+                                        <p:cTn id="102" dur="1" fill="hold">
+                                          <p:stCondLst>
+                                            <p:cond delay="0"/>
+                                          </p:stCondLst>
+                                        </p:cTn>
+                                        <p:tgtEl>
+                                          <p:spTgt spid="38"/>
+                                        </p:tgtEl>
+                                        <p:attrNameLst>
+                                          <p:attrName>style.visibility</p:attrName>
+                                        </p:attrNameLst>
+                                      </p:cBhvr>
+                                      <p:to>
+                                        <p:strVal val="visible"/>
+                                      </p:to>
+                                    </p:set>
+                                    <p:anim calcmode="lin" valueType="num">
+                                      <p:cBhvr additive="base">
+                                        <p:cTn id="103" dur="500" fill="hold"/>
+                                        <p:tgtEl>
+                                          <p:spTgt spid="38"/>
+                                        </p:tgtEl>
+                                        <p:attrNameLst>
+                                          <p:attrName>ppt_x</p:attrName>
+                                        </p:attrNameLst>
+                                      </p:cBhvr>
+                                      <p:tavLst>
+                                        <p:tav tm="0">
+                                          <p:val>
+                                            <p:strVal val="#ppt_x"/>
+                                          </p:val>
+                                        </p:tav>
+                                        <p:tav tm="100000">
+                                          <p:val>
+                                            <p:strVal val="#ppt_x"/>
+                                          </p:val>
+                                        </p:tav>
+                                      </p:tavLst>
+                                    </p:anim>
+                                    <p:anim calcmode="lin" valueType="num">
+                                      <p:cBhvr additive="base">
+                                        <p:cTn id="104" dur="500" fill="hold"/>
+                                        <p:tgtEl>
+                                          <p:spTgt spid="38"/>
+                                        </p:tgtEl>
+                                        <p:attrNameLst>
+                                          <p:attrName>ppt_y</p:attrName>
+                                        </p:attrNameLst>
+                                      </p:cBhvr>
+                                      <p:tavLst>
+                                        <p:tav tm="0">
+                                          <p:val>
+                                            <p:strVal val="1+#ppt_h/2"/>
+                                          </p:val>
+                                        </p:tav>
+                                        <p:tav tm="100000">
+                                          <p:val>
+                                            <p:strVal val="#ppt_y"/>
+                                          </p:val>
+                                        </p:tav>
+                                      </p:tavLst>
+                                    </p:anim>
+                                  </p:childTnLst>
+                                </p:cTn>
+                              </p:par>
+                              <p:par>
+                                <p:cTn id="105" presetID="2" presetClass="entr" presetSubtype="4" fill="hold" grpId="0" nodeType="withEffect">
+                                  <p:stCondLst>
+                                    <p:cond delay="0"/>
+                                  </p:stCondLst>
+                                  <p:childTnLst>
+                                    <p:set>
+                                      <p:cBhvr>
+                                        <p:cTn id="106" dur="1" fill="hold">
+                                          <p:stCondLst>
+                                            <p:cond delay="0"/>
+                                          </p:stCondLst>
+                                        </p:cTn>
+                                        <p:tgtEl>
+                                          <p:spTgt spid="40"/>
+                                        </p:tgtEl>
+                                        <p:attrNameLst>
+                                          <p:attrName>style.visibility</p:attrName>
+                                        </p:attrNameLst>
+                                      </p:cBhvr>
+                                      <p:to>
+                                        <p:strVal val="visible"/>
+                                      </p:to>
+                                    </p:set>
+                                    <p:anim calcmode="lin" valueType="num">
+                                      <p:cBhvr additive="base">
+                                        <p:cTn id="107" dur="500" fill="hold"/>
+                                        <p:tgtEl>
+                                          <p:spTgt spid="40"/>
+                                        </p:tgtEl>
+                                        <p:attrNameLst>
+                                          <p:attrName>ppt_x</p:attrName>
+                                        </p:attrNameLst>
+                                      </p:cBhvr>
+                                      <p:tavLst>
+                                        <p:tav tm="0">
+                                          <p:val>
+                                            <p:strVal val="#ppt_x"/>
+                                          </p:val>
+                                        </p:tav>
+                                        <p:tav tm="100000">
+                                          <p:val>
+                                            <p:strVal val="#ppt_x"/>
+                                          </p:val>
+                                        </p:tav>
+                                      </p:tavLst>
+                                    </p:anim>
+                                    <p:anim calcmode="lin" valueType="num">
+                                      <p:cBhvr additive="base">
+                                        <p:cTn id="108" dur="500" fill="hold"/>
+                                        <p:tgtEl>
+                                          <p:spTgt spid="40"/>
+                                        </p:tgtEl>
+                                        <p:attrNameLst>
+                                          <p:attrName>ppt_y</p:attrName>
+                                        </p:attrNameLst>
+                                      </p:cBhvr>
+                                      <p:tavLst>
+                                        <p:tav tm="0">
+                                          <p:val>
+                                            <p:strVal val="1+#ppt_h/2"/>
+                                          </p:val>
+                                        </p:tav>
+                                        <p:tav tm="100000">
+                                          <p:val>
+                                            <p:strVal val="#ppt_y"/>
+                                          </p:val>
+                                        </p:tav>
+                                      </p:tavLst>
+                                    </p:anim>
+                                  </p:childTnLst>
+                                </p:cTn>
+                              </p:par>
+                              <p:par>
+                                <p:cTn id="109" presetID="2" presetClass="entr" presetSubtype="4" fill="hold" grpId="0" nodeType="withEffect">
+                                  <p:stCondLst>
+                                    <p:cond delay="0"/>
+                                  </p:stCondLst>
+                                  <p:childTnLst>
+                                    <p:set>
+                                      <p:cBhvr>
+                                        <p:cTn id="110" dur="1" fill="hold">
+                                          <p:stCondLst>
+                                            <p:cond delay="0"/>
+                                          </p:stCondLst>
+                                        </p:cTn>
+                                        <p:tgtEl>
+                                          <p:spTgt spid="41"/>
+                                        </p:tgtEl>
+                                        <p:attrNameLst>
+                                          <p:attrName>style.visibility</p:attrName>
+                                        </p:attrNameLst>
+                                      </p:cBhvr>
+                                      <p:to>
+                                        <p:strVal val="visible"/>
+                                      </p:to>
+                                    </p:set>
+                                    <p:anim calcmode="lin" valueType="num">
+                                      <p:cBhvr additive="base">
+                                        <p:cTn id="111" dur="500" fill="hold"/>
+                                        <p:tgtEl>
+                                          <p:spTgt spid="41"/>
+                                        </p:tgtEl>
+                                        <p:attrNameLst>
+                                          <p:attrName>ppt_x</p:attrName>
+                                        </p:attrNameLst>
+                                      </p:cBhvr>
+                                      <p:tavLst>
+                                        <p:tav tm="0">
+                                          <p:val>
+                                            <p:strVal val="#ppt_x"/>
+                                          </p:val>
+                                        </p:tav>
+                                        <p:tav tm="100000">
+                                          <p:val>
+                                            <p:strVal val="#ppt_x"/>
+                                          </p:val>
+                                        </p:tav>
+                                      </p:tavLst>
+                                    </p:anim>
+                                    <p:anim calcmode="lin" valueType="num">
+                                      <p:cBhvr additive="base">
+                                        <p:cTn id="112" dur="500" fill="hold"/>
+                                        <p:tgtEl>
+                                          <p:spTgt spid="41"/>
+                                        </p:tgtEl>
+                                        <p:attrNameLst>
+                                          <p:attrName>ppt_y</p:attrName>
+                                        </p:attrNameLst>
+                                      </p:cBhvr>
+                                      <p:tavLst>
+                                        <p:tav tm="0">
+                                          <p:val>
+                                            <p:strVal val="1+#ppt_h/2"/>
+                                          </p:val>
+                                        </p:tav>
+                                        <p:tav tm="100000">
+                                          <p:val>
+                                            <p:strVal val="#ppt_y"/>
+                                          </p:val>
+                                        </p:tav>
+                                      </p:tavLst>
+                                    </p:anim>
+                                  </p:childTnLst>
+                                </p:cTn>
+                              </p:par>
+                              <p:par>
+                                <p:cTn id="113" presetID="2" presetClass="entr" presetSubtype="4" fill="hold" nodeType="withEffect">
+                                  <p:stCondLst>
+                                    <p:cond delay="0"/>
+                                  </p:stCondLst>
+                                  <p:childTnLst>
+                                    <p:set>
+                                      <p:cBhvr>
+                                        <p:cTn id="114" dur="1" fill="hold">
+                                          <p:stCondLst>
+                                            <p:cond delay="0"/>
+                                          </p:stCondLst>
+                                        </p:cTn>
+                                        <p:tgtEl>
+                                          <p:spTgt spid="31"/>
+                                        </p:tgtEl>
+                                        <p:attrNameLst>
+                                          <p:attrName>style.visibility</p:attrName>
+                                        </p:attrNameLst>
+                                      </p:cBhvr>
+                                      <p:to>
+                                        <p:strVal val="visible"/>
+                                      </p:to>
+                                    </p:set>
+                                    <p:anim calcmode="lin" valueType="num">
+                                      <p:cBhvr additive="base">
+                                        <p:cTn id="115" dur="500" fill="hold"/>
+                                        <p:tgtEl>
+                                          <p:spTgt spid="31"/>
+                                        </p:tgtEl>
+                                        <p:attrNameLst>
+                                          <p:attrName>ppt_x</p:attrName>
+                                        </p:attrNameLst>
+                                      </p:cBhvr>
+                                      <p:tavLst>
+                                        <p:tav tm="0">
+                                          <p:val>
+                                            <p:strVal val="#ppt_x"/>
+                                          </p:val>
+                                        </p:tav>
+                                        <p:tav tm="100000">
+                                          <p:val>
+                                            <p:strVal val="#ppt_x"/>
+                                          </p:val>
+                                        </p:tav>
+                                      </p:tavLst>
+                                    </p:anim>
+                                    <p:anim calcmode="lin" valueType="num">
+                                      <p:cBhvr additive="base">
+                                        <p:cTn id="116" dur="500" fill="hold"/>
+                                        <p:tgtEl>
+                                          <p:spTgt spid="31"/>
+                                        </p:tgtEl>
+                                        <p:attrNameLst>
+                                          <p:attrName>ppt_y</p:attrName>
+                                        </p:attrNameLst>
+                                      </p:cBhvr>
+                                      <p:tavLst>
+                                        <p:tav tm="0">
+                                          <p:val>
+                                            <p:strVal val="1+#ppt_h/2"/>
+                                          </p:val>
+                                        </p:tav>
+                                        <p:tav tm="100000">
+                                          <p:val>
+                                            <p:strVal val="#ppt_y"/>
+                                          </p:val>
+                                        </p:tav>
+                                      </p:tavLst>
+                                    </p:anim>
+                                  </p:childTnLst>
+                                </p:cTn>
+                              </p:par>
+                              <p:par>
+                                <p:cTn id="117" presetID="2" presetClass="entr" presetSubtype="4" fill="hold" nodeType="withEffect">
+                                  <p:stCondLst>
+                                    <p:cond delay="0"/>
+                                  </p:stCondLst>
+                                  <p:childTnLst>
+                                    <p:set>
+                                      <p:cBhvr>
+                                        <p:cTn id="118" dur="1" fill="hold">
+                                          <p:stCondLst>
+                                            <p:cond delay="0"/>
+                                          </p:stCondLst>
+                                        </p:cTn>
+                                        <p:tgtEl>
+                                          <p:spTgt spid="28"/>
+                                        </p:tgtEl>
+                                        <p:attrNameLst>
+                                          <p:attrName>style.visibility</p:attrName>
+                                        </p:attrNameLst>
+                                      </p:cBhvr>
+                                      <p:to>
+                                        <p:strVal val="visible"/>
+                                      </p:to>
+                                    </p:set>
+                                    <p:anim calcmode="lin" valueType="num">
+                                      <p:cBhvr additive="base">
+                                        <p:cTn id="119" dur="500" fill="hold"/>
+                                        <p:tgtEl>
+                                          <p:spTgt spid="28"/>
+                                        </p:tgtEl>
+                                        <p:attrNameLst>
+                                          <p:attrName>ppt_x</p:attrName>
+                                        </p:attrNameLst>
+                                      </p:cBhvr>
+                                      <p:tavLst>
+                                        <p:tav tm="0">
+                                          <p:val>
+                                            <p:strVal val="#ppt_x"/>
+                                          </p:val>
+                                        </p:tav>
+                                        <p:tav tm="100000">
+                                          <p:val>
+                                            <p:strVal val="#ppt_x"/>
+                                          </p:val>
+                                        </p:tav>
+                                      </p:tavLst>
+                                    </p:anim>
+                                    <p:anim calcmode="lin" valueType="num">
+                                      <p:cBhvr additive="base">
+                                        <p:cTn id="120" dur="500" fill="hold"/>
+                                        <p:tgtEl>
+                                          <p:spTgt spid="28"/>
+                                        </p:tgtEl>
+                                        <p:attrNameLst>
+                                          <p:attrName>ppt_y</p:attrName>
+                                        </p:attrNameLst>
+                                      </p:cBhvr>
+                                      <p:tavLst>
+                                        <p:tav tm="0">
+                                          <p:val>
+                                            <p:strVal val="1+#ppt_h/2"/>
+                                          </p:val>
+                                        </p:tav>
+                                        <p:tav tm="100000">
+                                          <p:val>
+                                            <p:strVal val="#ppt_y"/>
+                                          </p:val>
+                                        </p:tav>
+                                      </p:tavLst>
+                                    </p:anim>
+                                  </p:childTnLst>
+                                </p:cTn>
+                              </p:par>
+                              <p:par>
+                                <p:cTn id="121" presetID="2" presetClass="entr" presetSubtype="4" fill="hold" grpId="0" nodeType="withEffect">
+                                  <p:stCondLst>
+                                    <p:cond delay="0"/>
+                                  </p:stCondLst>
+                                  <p:childTnLst>
+                                    <p:set>
+                                      <p:cBhvr>
+                                        <p:cTn id="122" dur="1" fill="hold">
+                                          <p:stCondLst>
+                                            <p:cond delay="0"/>
+                                          </p:stCondLst>
+                                        </p:cTn>
+                                        <p:tgtEl>
+                                          <p:spTgt spid="42"/>
+                                        </p:tgtEl>
+                                        <p:attrNameLst>
+                                          <p:attrName>style.visibility</p:attrName>
+                                        </p:attrNameLst>
+                                      </p:cBhvr>
+                                      <p:to>
+                                        <p:strVal val="visible"/>
+                                      </p:to>
+                                    </p:set>
+                                    <p:anim calcmode="lin" valueType="num">
+                                      <p:cBhvr additive="base">
+                                        <p:cTn id="123" dur="500" fill="hold"/>
+                                        <p:tgtEl>
+                                          <p:spTgt spid="42"/>
+                                        </p:tgtEl>
+                                        <p:attrNameLst>
+                                          <p:attrName>ppt_x</p:attrName>
+                                        </p:attrNameLst>
+                                      </p:cBhvr>
+                                      <p:tavLst>
+                                        <p:tav tm="0">
+                                          <p:val>
+                                            <p:strVal val="#ppt_x"/>
+                                          </p:val>
+                                        </p:tav>
+                                        <p:tav tm="100000">
+                                          <p:val>
+                                            <p:strVal val="#ppt_x"/>
+                                          </p:val>
+                                        </p:tav>
+                                      </p:tavLst>
+                                    </p:anim>
+                                    <p:anim calcmode="lin" valueType="num">
+                                      <p:cBhvr additive="base">
+                                        <p:cTn id="124" dur="500" fill="hold"/>
+                                        <p:tgtEl>
+                                          <p:spTgt spid="42"/>
+                                        </p:tgtEl>
+                                        <p:attrNameLst>
+                                          <p:attrName>ppt_y</p:attrName>
+                                        </p:attrNameLst>
+                                      </p:cBhvr>
+                                      <p:tavLst>
+                                        <p:tav tm="0">
+                                          <p:val>
+                                            <p:strVal val="1+#ppt_h/2"/>
+                                          </p:val>
+                                        </p:tav>
+                                        <p:tav tm="100000">
+                                          <p:val>
+                                            <p:strVal val="#ppt_y"/>
+                                          </p:val>
+                                        </p:tav>
+                                      </p:tavLst>
+                                    </p:anim>
+                                  </p:childTnLst>
+                                </p:cTn>
+                              </p:par>
+                              <p:par>
+                                <p:cTn id="125" presetID="2" presetClass="entr" presetSubtype="4" fill="hold" grpId="0" nodeType="withEffect">
+                                  <p:stCondLst>
+                                    <p:cond delay="0"/>
+                                  </p:stCondLst>
+                                  <p:childTnLst>
+                                    <p:set>
+                                      <p:cBhvr>
+                                        <p:cTn id="126" dur="1" fill="hold">
+                                          <p:stCondLst>
+                                            <p:cond delay="0"/>
+                                          </p:stCondLst>
+                                        </p:cTn>
+                                        <p:tgtEl>
+                                          <p:spTgt spid="43"/>
+                                        </p:tgtEl>
+                                        <p:attrNameLst>
+                                          <p:attrName>style.visibility</p:attrName>
+                                        </p:attrNameLst>
+                                      </p:cBhvr>
+                                      <p:to>
+                                        <p:strVal val="visible"/>
+                                      </p:to>
+                                    </p:set>
+                                    <p:anim calcmode="lin" valueType="num">
+                                      <p:cBhvr additive="base">
+                                        <p:cTn id="127" dur="500" fill="hold"/>
+                                        <p:tgtEl>
+                                          <p:spTgt spid="43"/>
+                                        </p:tgtEl>
+                                        <p:attrNameLst>
+                                          <p:attrName>ppt_x</p:attrName>
+                                        </p:attrNameLst>
+                                      </p:cBhvr>
+                                      <p:tavLst>
+                                        <p:tav tm="0">
+                                          <p:val>
+                                            <p:strVal val="#ppt_x"/>
+                                          </p:val>
+                                        </p:tav>
+                                        <p:tav tm="100000">
+                                          <p:val>
+                                            <p:strVal val="#ppt_x"/>
+                                          </p:val>
+                                        </p:tav>
+                                      </p:tavLst>
+                                    </p:anim>
+                                    <p:anim calcmode="lin" valueType="num">
+                                      <p:cBhvr additive="base">
+                                        <p:cTn id="128" dur="500" fill="hold"/>
+                                        <p:tgtEl>
+                                          <p:spTgt spid="43"/>
+                                        </p:tgtEl>
+                                        <p:attrNameLst>
+                                          <p:attrName>ppt_y</p:attrName>
+                                        </p:attrNameLst>
+                                      </p:cBhvr>
+                                      <p:tavLst>
+                                        <p:tav tm="0">
+                                          <p:val>
+                                            <p:strVal val="1+#ppt_h/2"/>
+                                          </p:val>
+                                        </p:tav>
+                                        <p:tav tm="100000">
+                                          <p:val>
+                                            <p:strVal val="#ppt_y"/>
+                                          </p:val>
+                                        </p:tav>
+                                      </p:tavLst>
+                                    </p:anim>
+                                  </p:childTnLst>
+                                </p:cTn>
+                              </p:par>
+                            </p:childTnLst>
+                          </p:cTn>
+                        </p:par>
+                      </p:childTnLst>
+                    </p:cTn>
+                  </p:par>
+                  <p:par>
+                    <p:cTn id="129" fill="hold">
+                      <p:stCondLst>
+                        <p:cond delay="indefinite"/>
+                      </p:stCondLst>
+                      <p:childTnLst>
+                        <p:par>
+                          <p:cTn id="130" fill="hold">
+                            <p:stCondLst>
+                              <p:cond delay="0"/>
+                            </p:stCondLst>
+                            <p:childTnLst>
+                              <p:par>
+                                <p:cTn id="131" presetID="42" presetClass="entr" presetSubtype="0" fill="hold" grpId="0" nodeType="clickEffect">
+                                  <p:stCondLst>
+                                    <p:cond delay="0"/>
+                                  </p:stCondLst>
+                                  <p:childTnLst>
+                                    <p:set>
+                                      <p:cBhvr>
+                                        <p:cTn id="132" dur="1" fill="hold">
+                                          <p:stCondLst>
+                                            <p:cond delay="0"/>
+                                          </p:stCondLst>
+                                        </p:cTn>
+                                        <p:tgtEl>
+                                          <p:spTgt spid="44"/>
+                                        </p:tgtEl>
+                                        <p:attrNameLst>
+                                          <p:attrName>style.visibility</p:attrName>
+                                        </p:attrNameLst>
+                                      </p:cBhvr>
+                                      <p:to>
+                                        <p:strVal val="visible"/>
+                                      </p:to>
+                                    </p:set>
+                                    <p:animEffect transition="in" filter="fade">
+                                      <p:cBhvr>
+                                        <p:cTn id="133" dur="1000"/>
+                                        <p:tgtEl>
+                                          <p:spTgt spid="44"/>
+                                        </p:tgtEl>
+                                      </p:cBhvr>
+                                    </p:animEffect>
+                                    <p:anim calcmode="lin" valueType="num">
+                                      <p:cBhvr>
+                                        <p:cTn id="134" dur="1000" fill="hold"/>
+                                        <p:tgtEl>
+                                          <p:spTgt spid="44"/>
+                                        </p:tgtEl>
+                                        <p:attrNameLst>
+                                          <p:attrName>ppt_x</p:attrName>
+                                        </p:attrNameLst>
+                                      </p:cBhvr>
+                                      <p:tavLst>
+                                        <p:tav tm="0">
+                                          <p:val>
+                                            <p:strVal val="#ppt_x"/>
+                                          </p:val>
+                                        </p:tav>
+                                        <p:tav tm="100000">
+                                          <p:val>
+                                            <p:strVal val="#ppt_x"/>
+                                          </p:val>
+                                        </p:tav>
+                                      </p:tavLst>
+                                    </p:anim>
+                                    <p:anim calcmode="lin" valueType="num">
+                                      <p:cBhvr>
+                                        <p:cTn id="135" dur="1000" fill="hold"/>
+                                        <p:tgtEl>
+                                          <p:spTgt spid="44"/>
+                                        </p:tgtEl>
+                                        <p:attrNameLst>
+                                          <p:attrName>ppt_y</p:attrName>
+                                        </p:attrNameLst>
+                                      </p:cBhvr>
+                                      <p:tavLst>
+                                        <p:tav tm="0">
+                                          <p:val>
+                                            <p:strVal val="#ppt_y+.1"/>
+                                          </p:val>
+                                        </p:tav>
+                                        <p:tav tm="100000">
+                                          <p:val>
+                                            <p:strVal val="#ppt_y"/>
+                                          </p:val>
+                                        </p:tav>
+                                      </p:tavLst>
+                                    </p:anim>
+                                  </p:childTnLst>
+                                </p:cTn>
+                              </p:par>
+                              <p:par>
+                                <p:cTn id="136" presetID="42" presetClass="entr" presetSubtype="0" fill="hold" grpId="0" nodeType="withEffect">
+                                  <p:stCondLst>
+                                    <p:cond delay="0"/>
+                                  </p:stCondLst>
+                                  <p:childTnLst>
+                                    <p:set>
+                                      <p:cBhvr>
+                                        <p:cTn id="137" dur="1" fill="hold">
+                                          <p:stCondLst>
+                                            <p:cond delay="0"/>
+                                          </p:stCondLst>
+                                        </p:cTn>
+                                        <p:tgtEl>
+                                          <p:spTgt spid="45"/>
+                                        </p:tgtEl>
+                                        <p:attrNameLst>
+                                          <p:attrName>style.visibility</p:attrName>
+                                        </p:attrNameLst>
+                                      </p:cBhvr>
+                                      <p:to>
+                                        <p:strVal val="visible"/>
+                                      </p:to>
+                                    </p:set>
+                                    <p:animEffect transition="in" filter="fade">
+                                      <p:cBhvr>
+                                        <p:cTn id="138" dur="1000"/>
+                                        <p:tgtEl>
+                                          <p:spTgt spid="45"/>
+                                        </p:tgtEl>
+                                      </p:cBhvr>
+                                    </p:animEffect>
+                                    <p:anim calcmode="lin" valueType="num">
+                                      <p:cBhvr>
+                                        <p:cTn id="139" dur="1000" fill="hold"/>
+                                        <p:tgtEl>
+                                          <p:spTgt spid="45"/>
+                                        </p:tgtEl>
+                                        <p:attrNameLst>
+                                          <p:attrName>ppt_x</p:attrName>
+                                        </p:attrNameLst>
+                                      </p:cBhvr>
+                                      <p:tavLst>
+                                        <p:tav tm="0">
+                                          <p:val>
+                                            <p:strVal val="#ppt_x"/>
+                                          </p:val>
+                                        </p:tav>
+                                        <p:tav tm="100000">
+                                          <p:val>
+                                            <p:strVal val="#ppt_x"/>
+                                          </p:val>
+                                        </p:tav>
+                                      </p:tavLst>
+                                    </p:anim>
+                                    <p:anim calcmode="lin" valueType="num">
+                                      <p:cBhvr>
+                                        <p:cTn id="140" dur="1000" fill="hold"/>
+                                        <p:tgtEl>
+                                          <p:spTgt spid="45"/>
+                                        </p:tgtEl>
+                                        <p:attrNameLst>
+                                          <p:attrName>ppt_y</p:attrName>
+                                        </p:attrNameLst>
+                                      </p:cBhvr>
+                                      <p:tavLst>
+                                        <p:tav tm="0">
+                                          <p:val>
+                                            <p:strVal val="#ppt_y+.1"/>
+                                          </p:val>
+                                        </p:tav>
+                                        <p:tav tm="100000">
+                                          <p:val>
+                                            <p:strVal val="#ppt_y"/>
+                                          </p:val>
+                                        </p:tav>
+                                      </p:tavLst>
+                                    </p:anim>
+                                  </p:childTnLst>
+                                </p:cTn>
+                              </p:par>
+                              <p:par>
+                                <p:cTn id="141" presetID="42" presetClass="entr" presetSubtype="0" fill="hold" grpId="0" nodeType="withEffect">
+                                  <p:stCondLst>
+                                    <p:cond delay="0"/>
+                                  </p:stCondLst>
+                                  <p:childTnLst>
+                                    <p:set>
+                                      <p:cBhvr>
+                                        <p:cTn id="142" dur="1" fill="hold">
+                                          <p:stCondLst>
+                                            <p:cond delay="0"/>
+                                          </p:stCondLst>
+                                        </p:cTn>
+                                        <p:tgtEl>
+                                          <p:spTgt spid="46"/>
+                                        </p:tgtEl>
+                                        <p:attrNameLst>
+                                          <p:attrName>style.visibility</p:attrName>
+                                        </p:attrNameLst>
+                                      </p:cBhvr>
+                                      <p:to>
+                                        <p:strVal val="visible"/>
+                                      </p:to>
+                                    </p:set>
+                                    <p:animEffect transition="in" filter="fade">
+                                      <p:cBhvr>
+                                        <p:cTn id="143" dur="1000"/>
+                                        <p:tgtEl>
+                                          <p:spTgt spid="46"/>
+                                        </p:tgtEl>
+                                      </p:cBhvr>
+                                    </p:animEffect>
+                                    <p:anim calcmode="lin" valueType="num">
+                                      <p:cBhvr>
+                                        <p:cTn id="144" dur="1000" fill="hold"/>
+                                        <p:tgtEl>
+                                          <p:spTgt spid="46"/>
+                                        </p:tgtEl>
+                                        <p:attrNameLst>
+                                          <p:attrName>ppt_x</p:attrName>
+                                        </p:attrNameLst>
+                                      </p:cBhvr>
+                                      <p:tavLst>
+                                        <p:tav tm="0">
+                                          <p:val>
+                                            <p:strVal val="#ppt_x"/>
+                                          </p:val>
+                                        </p:tav>
+                                        <p:tav tm="100000">
+                                          <p:val>
+                                            <p:strVal val="#ppt_x"/>
+                                          </p:val>
+                                        </p:tav>
+                                      </p:tavLst>
+                                    </p:anim>
+                                    <p:anim calcmode="lin" valueType="num">
+                                      <p:cBhvr>
+                                        <p:cTn id="145" dur="1000" fill="hold"/>
+                                        <p:tgtEl>
+                                          <p:spTgt spid="46"/>
+                                        </p:tgtEl>
+                                        <p:attrNameLst>
+                                          <p:attrName>ppt_y</p:attrName>
+                                        </p:attrNameLst>
+                                      </p:cBhvr>
+                                      <p:tavLst>
+                                        <p:tav tm="0">
+                                          <p:val>
+                                            <p:strVal val="#ppt_y+.1"/>
+                                          </p:val>
+                                        </p:tav>
+                                        <p:tav tm="100000">
+                                          <p:val>
+                                            <p:strVal val="#ppt_y"/>
+                                          </p:val>
+                                        </p:tav>
+                                      </p:tavLst>
+                                    </p:anim>
+                                  </p:childTnLst>
+                                </p:cTn>
+                              </p:par>
+                              <p:par>
+                                <p:cTn id="146" presetID="42" presetClass="entr" presetSubtype="0" fill="hold" grpId="0" nodeType="withEffect">
+                                  <p:stCondLst>
+                                    <p:cond delay="0"/>
+                                  </p:stCondLst>
+                                  <p:childTnLst>
+                                    <p:set>
+                                      <p:cBhvr>
+                                        <p:cTn id="147" dur="1" fill="hold">
+                                          <p:stCondLst>
+                                            <p:cond delay="0"/>
+                                          </p:stCondLst>
+                                        </p:cTn>
+                                        <p:tgtEl>
+                                          <p:spTgt spid="47"/>
+                                        </p:tgtEl>
+                                        <p:attrNameLst>
+                                          <p:attrName>style.visibility</p:attrName>
+                                        </p:attrNameLst>
+                                      </p:cBhvr>
+                                      <p:to>
+                                        <p:strVal val="visible"/>
+                                      </p:to>
+                                    </p:set>
+                                    <p:animEffect transition="in" filter="fade">
+                                      <p:cBhvr>
+                                        <p:cTn id="148" dur="1000"/>
+                                        <p:tgtEl>
+                                          <p:spTgt spid="47"/>
+                                        </p:tgtEl>
+                                      </p:cBhvr>
+                                    </p:animEffect>
+                                    <p:anim calcmode="lin" valueType="num">
+                                      <p:cBhvr>
+                                        <p:cTn id="149" dur="1000" fill="hold"/>
+                                        <p:tgtEl>
+                                          <p:spTgt spid="47"/>
+                                        </p:tgtEl>
+                                        <p:attrNameLst>
+                                          <p:attrName>ppt_x</p:attrName>
+                                        </p:attrNameLst>
+                                      </p:cBhvr>
+                                      <p:tavLst>
+                                        <p:tav tm="0">
+                                          <p:val>
+                                            <p:strVal val="#ppt_x"/>
+                                          </p:val>
+                                        </p:tav>
+                                        <p:tav tm="100000">
+                                          <p:val>
+                                            <p:strVal val="#ppt_x"/>
+                                          </p:val>
+                                        </p:tav>
+                                      </p:tavLst>
+                                    </p:anim>
+                                    <p:anim calcmode="lin" valueType="num">
+                                      <p:cBhvr>
+                                        <p:cTn id="150" dur="1000" fill="hold"/>
+                                        <p:tgtEl>
+                                          <p:spTgt spid="47"/>
+                                        </p:tgtEl>
+                                        <p:attrNameLst>
+                                          <p:attrName>ppt_y</p:attrName>
+                                        </p:attrNameLst>
+                                      </p:cBhvr>
+                                      <p:tavLst>
+                                        <p:tav tm="0">
+                                          <p:val>
+                                            <p:strVal val="#ppt_y+.1"/>
+                                          </p:val>
+                                        </p:tav>
+                                        <p:tav tm="100000">
+                                          <p:val>
+                                            <p:strVal val="#ppt_y"/>
+                                          </p:val>
+                                        </p:tav>
+                                      </p:tavLst>
+                                    </p:anim>
+                                  </p:childTnLst>
+                                </p:cTn>
+                              </p:par>
+                              <p:par>
+                                <p:cTn id="151" presetID="42" presetClass="entr" presetSubtype="0" fill="hold" grpId="0" nodeType="withEffect">
+                                  <p:stCondLst>
+                                    <p:cond delay="0"/>
+                                  </p:stCondLst>
+                                  <p:childTnLst>
+                                    <p:set>
+                                      <p:cBhvr>
+                                        <p:cTn id="152" dur="1" fill="hold">
+                                          <p:stCondLst>
+                                            <p:cond delay="0"/>
+                                          </p:stCondLst>
+                                        </p:cTn>
+                                        <p:tgtEl>
+                                          <p:spTgt spid="48"/>
+                                        </p:tgtEl>
+                                        <p:attrNameLst>
+                                          <p:attrName>style.visibility</p:attrName>
+                                        </p:attrNameLst>
+                                      </p:cBhvr>
+                                      <p:to>
+                                        <p:strVal val="visible"/>
+                                      </p:to>
+                                    </p:set>
+                                    <p:animEffect transition="in" filter="fade">
+                                      <p:cBhvr>
+                                        <p:cTn id="153" dur="1000"/>
+                                        <p:tgtEl>
+                                          <p:spTgt spid="48"/>
+                                        </p:tgtEl>
+                                      </p:cBhvr>
+                                    </p:animEffect>
+                                    <p:anim calcmode="lin" valueType="num">
+                                      <p:cBhvr>
+                                        <p:cTn id="154" dur="1000" fill="hold"/>
+                                        <p:tgtEl>
+                                          <p:spTgt spid="48"/>
+                                        </p:tgtEl>
+                                        <p:attrNameLst>
+                                          <p:attrName>ppt_x</p:attrName>
+                                        </p:attrNameLst>
+                                      </p:cBhvr>
+                                      <p:tavLst>
+                                        <p:tav tm="0">
+                                          <p:val>
+                                            <p:strVal val="#ppt_x"/>
+                                          </p:val>
+                                        </p:tav>
+                                        <p:tav tm="100000">
+                                          <p:val>
+                                            <p:strVal val="#ppt_x"/>
+                                          </p:val>
+                                        </p:tav>
+                                      </p:tavLst>
+                                    </p:anim>
+                                    <p:anim calcmode="lin" valueType="num">
+                                      <p:cBhvr>
+                                        <p:cTn id="155" dur="1000" fill="hold"/>
+                                        <p:tgtEl>
+                                          <p:spTgt spid="48"/>
+                                        </p:tgtEl>
+                                        <p:attrNameLst>
+                                          <p:attrName>ppt_y</p:attrName>
+                                        </p:attrNameLst>
+                                      </p:cBhvr>
+                                      <p:tavLst>
+                                        <p:tav tm="0">
+                                          <p:val>
+                                            <p:strVal val="#ppt_y+.1"/>
+                                          </p:val>
+                                        </p:tav>
+                                        <p:tav tm="100000">
+                                          <p:val>
+                                            <p:strVal val="#ppt_y"/>
+                                          </p:val>
+                                        </p:tav>
+                                      </p:tavLst>
+                                    </p:anim>
+                                  </p:childTnLst>
+                                </p:cTn>
+                              </p:par>
+                              <p:par>
+                                <p:cTn id="156" presetID="42" presetClass="entr" presetSubtype="0" fill="hold" grpId="0" nodeType="withEffect">
+                                  <p:stCondLst>
+                                    <p:cond delay="0"/>
+                                  </p:stCondLst>
+                                  <p:childTnLst>
+                                    <p:set>
+                                      <p:cBhvr>
+                                        <p:cTn id="157" dur="1" fill="hold">
+                                          <p:stCondLst>
+                                            <p:cond delay="0"/>
+                                          </p:stCondLst>
+                                        </p:cTn>
+                                        <p:tgtEl>
+                                          <p:spTgt spid="49"/>
+                                        </p:tgtEl>
+                                        <p:attrNameLst>
+                                          <p:attrName>style.visibility</p:attrName>
+                                        </p:attrNameLst>
+                                      </p:cBhvr>
+                                      <p:to>
+                                        <p:strVal val="visible"/>
+                                      </p:to>
+                                    </p:set>
+                                    <p:animEffect transition="in" filter="fade">
+                                      <p:cBhvr>
+                                        <p:cTn id="158" dur="1000"/>
+                                        <p:tgtEl>
+                                          <p:spTgt spid="49"/>
+                                        </p:tgtEl>
+                                      </p:cBhvr>
+                                    </p:animEffect>
+                                    <p:anim calcmode="lin" valueType="num">
+                                      <p:cBhvr>
+                                        <p:cTn id="159" dur="1000" fill="hold"/>
+                                        <p:tgtEl>
+                                          <p:spTgt spid="49"/>
+                                        </p:tgtEl>
+                                        <p:attrNameLst>
+                                          <p:attrName>ppt_x</p:attrName>
+                                        </p:attrNameLst>
+                                      </p:cBhvr>
+                                      <p:tavLst>
+                                        <p:tav tm="0">
+                                          <p:val>
+                                            <p:strVal val="#ppt_x"/>
+                                          </p:val>
+                                        </p:tav>
+                                        <p:tav tm="100000">
+                                          <p:val>
+                                            <p:strVal val="#ppt_x"/>
+                                          </p:val>
+                                        </p:tav>
+                                      </p:tavLst>
+                                    </p:anim>
+                                    <p:anim calcmode="lin" valueType="num">
+                                      <p:cBhvr>
+                                        <p:cTn id="160" dur="1000" fill="hold"/>
+                                        <p:tgtEl>
+                                          <p:spTgt spid="49"/>
+                                        </p:tgtEl>
+                                        <p:attrNameLst>
+                                          <p:attrName>ppt_y</p:attrName>
+                                        </p:attrNameLst>
+                                      </p:cBhvr>
+                                      <p:tavLst>
+                                        <p:tav tm="0">
+                                          <p:val>
+                                            <p:strVal val="#ppt_y+.1"/>
+                                          </p:val>
+                                        </p:tav>
+                                        <p:tav tm="100000">
+                                          <p:val>
+                                            <p:strVal val="#ppt_y"/>
+                                          </p:val>
+                                        </p:tav>
+                                      </p:tavLst>
+                                    </p:anim>
+                                  </p:childTnLst>
+                                </p:cTn>
+                              </p:par>
+                            </p:childTnLst>
+                          </p:cTn>
+                        </p:par>
+                      </p:childTnLst>
+                    </p:cTn>
+                  </p:par>
+                  <p:par>
+                    <p:cTn id="161" fill="hold">
+                      <p:stCondLst>
+                        <p:cond delay="indefinite"/>
+                      </p:stCondLst>
+                      <p:childTnLst>
+                        <p:par>
+                          <p:cTn id="162" fill="hold">
+                            <p:stCondLst>
+                              <p:cond delay="0"/>
+                            </p:stCondLst>
+                            <p:childTnLst>
+                              <p:par>
+                                <p:cTn id="163" presetID="53" presetClass="entr" presetSubtype="16" fill="hold" grpId="0" nodeType="clickEffect">
+                                  <p:stCondLst>
+                                    <p:cond delay="0"/>
+                                  </p:stCondLst>
+                                  <p:childTnLst>
+                                    <p:set>
+                                      <p:cBhvr>
+                                        <p:cTn id="164" dur="1" fill="hold">
+                                          <p:stCondLst>
+                                            <p:cond delay="0"/>
+                                          </p:stCondLst>
+                                        </p:cTn>
+                                        <p:tgtEl>
+                                          <p:spTgt spid="52"/>
+                                        </p:tgtEl>
+                                        <p:attrNameLst>
+                                          <p:attrName>style.visibility</p:attrName>
+                                        </p:attrNameLst>
+                                      </p:cBhvr>
+                                      <p:to>
+                                        <p:strVal val="visible"/>
+                                      </p:to>
+                                    </p:set>
+                                    <p:anim calcmode="lin" valueType="num">
+                                      <p:cBhvr>
+                                        <p:cTn id="165" dur="500" fill="hold"/>
+                                        <p:tgtEl>
+                                          <p:spTgt spid="52"/>
+                                        </p:tgtEl>
+                                        <p:attrNameLst>
+                                          <p:attrName>ppt_w</p:attrName>
+                                        </p:attrNameLst>
+                                      </p:cBhvr>
+                                      <p:tavLst>
+                                        <p:tav tm="0">
+                                          <p:val>
+                                            <p:fltVal val="0"/>
+                                          </p:val>
+                                        </p:tav>
+                                        <p:tav tm="100000">
+                                          <p:val>
+                                            <p:strVal val="#ppt_w"/>
+                                          </p:val>
+                                        </p:tav>
+                                      </p:tavLst>
+                                    </p:anim>
+                                    <p:anim calcmode="lin" valueType="num">
+                                      <p:cBhvr>
+                                        <p:cTn id="166" dur="500" fill="hold"/>
+                                        <p:tgtEl>
+                                          <p:spTgt spid="52"/>
+                                        </p:tgtEl>
+                                        <p:attrNameLst>
+                                          <p:attrName>ppt_h</p:attrName>
+                                        </p:attrNameLst>
+                                      </p:cBhvr>
+                                      <p:tavLst>
+                                        <p:tav tm="0">
+                                          <p:val>
+                                            <p:fltVal val="0"/>
+                                          </p:val>
+                                        </p:tav>
+                                        <p:tav tm="100000">
+                                          <p:val>
+                                            <p:strVal val="#ppt_h"/>
+                                          </p:val>
+                                        </p:tav>
+                                      </p:tavLst>
+                                    </p:anim>
+                                    <p:animEffect transition="in" filter="fade">
+                                      <p:cBhvr>
+                                        <p:cTn id="167" dur="500"/>
+                                        <p:tgtEl>
+                                          <p:spTgt spid="52"/>
+                                        </p:tgtEl>
+                                      </p:cBhvr>
+                                    </p:animEffect>
+                                  </p:childTnLst>
+                                </p:cTn>
+                              </p:par>
+                            </p:childTnLst>
+                          </p:cTn>
+                        </p:par>
+                      </p:childTnLst>
+                    </p:cTn>
+                  </p:par>
+                  <p:par>
+                    <p:cTn id="168" fill="hold">
+                      <p:stCondLst>
+                        <p:cond delay="indefinite"/>
+                      </p:stCondLst>
+                      <p:childTnLst>
+                        <p:par>
+                          <p:cTn id="169" fill="hold">
+                            <p:stCondLst>
+                              <p:cond delay="0"/>
+                            </p:stCondLst>
+                            <p:childTnLst>
+                              <p:par>
+                                <p:cTn id="170" presetID="53" presetClass="entr" presetSubtype="16" fill="hold" grpId="0" nodeType="clickEffect">
+                                  <p:stCondLst>
+                                    <p:cond delay="0"/>
+                                  </p:stCondLst>
+                                  <p:childTnLst>
+                                    <p:set>
+                                      <p:cBhvr>
+                                        <p:cTn id="171" dur="1" fill="hold">
+                                          <p:stCondLst>
+                                            <p:cond delay="0"/>
+                                          </p:stCondLst>
+                                        </p:cTn>
+                                        <p:tgtEl>
+                                          <p:spTgt spid="53"/>
+                                        </p:tgtEl>
+                                        <p:attrNameLst>
+                                          <p:attrName>style.visibility</p:attrName>
+                                        </p:attrNameLst>
+                                      </p:cBhvr>
+                                      <p:to>
+                                        <p:strVal val="visible"/>
+                                      </p:to>
+                                    </p:set>
+                                    <p:anim calcmode="lin" valueType="num">
+                                      <p:cBhvr>
+                                        <p:cTn id="172" dur="500" fill="hold"/>
+                                        <p:tgtEl>
+                                          <p:spTgt spid="53"/>
+                                        </p:tgtEl>
+                                        <p:attrNameLst>
+                                          <p:attrName>ppt_w</p:attrName>
+                                        </p:attrNameLst>
+                                      </p:cBhvr>
+                                      <p:tavLst>
+                                        <p:tav tm="0">
+                                          <p:val>
+                                            <p:fltVal val="0"/>
+                                          </p:val>
+                                        </p:tav>
+                                        <p:tav tm="100000">
+                                          <p:val>
+                                            <p:strVal val="#ppt_w"/>
+                                          </p:val>
+                                        </p:tav>
+                                      </p:tavLst>
+                                    </p:anim>
+                                    <p:anim calcmode="lin" valueType="num">
+                                      <p:cBhvr>
+                                        <p:cTn id="173" dur="500" fill="hold"/>
+                                        <p:tgtEl>
+                                          <p:spTgt spid="53"/>
+                                        </p:tgtEl>
+                                        <p:attrNameLst>
+                                          <p:attrName>ppt_h</p:attrName>
+                                        </p:attrNameLst>
+                                      </p:cBhvr>
+                                      <p:tavLst>
+                                        <p:tav tm="0">
+                                          <p:val>
+                                            <p:fltVal val="0"/>
+                                          </p:val>
+                                        </p:tav>
+                                        <p:tav tm="100000">
+                                          <p:val>
+                                            <p:strVal val="#ppt_h"/>
+                                          </p:val>
+                                        </p:tav>
+                                      </p:tavLst>
+                                    </p:anim>
+                                    <p:animEffect transition="in" filter="fade">
+                                      <p:cBhvr>
+                                        <p:cTn id="174" dur="500"/>
+                                        <p:tgtEl>
+                                          <p:spTgt spid="53"/>
+                                        </p:tgtEl>
+                                      </p:cBhvr>
+                                    </p:animEffect>
+                                  </p:childTnLst>
+                                </p:cTn>
+                              </p:par>
+                            </p:childTnLst>
+                          </p:cTn>
+                        </p:par>
+                      </p:childTnLst>
+                    </p:cTn>
+                  </p:par>
+                  <p:par>
+                    <p:cTn id="175" fill="hold">
+                      <p:stCondLst>
+                        <p:cond delay="indefinite"/>
+                      </p:stCondLst>
+                      <p:childTnLst>
+                        <p:par>
+                          <p:cTn id="176" fill="hold">
+                            <p:stCondLst>
+                              <p:cond delay="0"/>
+                            </p:stCondLst>
+                            <p:childTnLst>
+                              <p:par>
+                                <p:cTn id="177" presetID="53" presetClass="entr" presetSubtype="16" fill="hold" grpId="0" nodeType="clickEffect">
+                                  <p:stCondLst>
+                                    <p:cond delay="0"/>
+                                  </p:stCondLst>
+                                  <p:childTnLst>
+                                    <p:set>
+                                      <p:cBhvr>
+                                        <p:cTn id="178" dur="1" fill="hold">
+                                          <p:stCondLst>
+                                            <p:cond delay="0"/>
+                                          </p:stCondLst>
+                                        </p:cTn>
+                                        <p:tgtEl>
+                                          <p:spTgt spid="54"/>
+                                        </p:tgtEl>
+                                        <p:attrNameLst>
+                                          <p:attrName>style.visibility</p:attrName>
+                                        </p:attrNameLst>
+                                      </p:cBhvr>
+                                      <p:to>
+                                        <p:strVal val="visible"/>
+                                      </p:to>
+                                    </p:set>
+                                    <p:anim calcmode="lin" valueType="num">
+                                      <p:cBhvr>
+                                        <p:cTn id="179" dur="500" fill="hold"/>
+                                        <p:tgtEl>
+                                          <p:spTgt spid="54"/>
+                                        </p:tgtEl>
+                                        <p:attrNameLst>
+                                          <p:attrName>ppt_w</p:attrName>
+                                        </p:attrNameLst>
+                                      </p:cBhvr>
+                                      <p:tavLst>
+                                        <p:tav tm="0">
+                                          <p:val>
+                                            <p:fltVal val="0"/>
+                                          </p:val>
+                                        </p:tav>
+                                        <p:tav tm="100000">
+                                          <p:val>
+                                            <p:strVal val="#ppt_w"/>
+                                          </p:val>
+                                        </p:tav>
+                                      </p:tavLst>
+                                    </p:anim>
+                                    <p:anim calcmode="lin" valueType="num">
+                                      <p:cBhvr>
+                                        <p:cTn id="180" dur="500" fill="hold"/>
+                                        <p:tgtEl>
+                                          <p:spTgt spid="54"/>
+                                        </p:tgtEl>
+                                        <p:attrNameLst>
+                                          <p:attrName>ppt_h</p:attrName>
+                                        </p:attrNameLst>
+                                      </p:cBhvr>
+                                      <p:tavLst>
+                                        <p:tav tm="0">
+                                          <p:val>
+                                            <p:fltVal val="0"/>
+                                          </p:val>
+                                        </p:tav>
+                                        <p:tav tm="100000">
+                                          <p:val>
+                                            <p:strVal val="#ppt_h"/>
+                                          </p:val>
+                                        </p:tav>
+                                      </p:tavLst>
+                                    </p:anim>
+                                    <p:animEffect transition="in" filter="fade">
+                                      <p:cBhvr>
+                                        <p:cTn id="181" dur="500"/>
+                                        <p:tgtEl>
+                                          <p:spTgt spid="54"/>
+                                        </p:tgtEl>
+                                      </p:cBhvr>
+                                    </p:animEffect>
+                                  </p:childTnLst>
+                                </p:cTn>
+                              </p:par>
+                            </p:childTnLst>
+                          </p:cTn>
+                        </p:par>
+                      </p:childTnLst>
+                    </p:cTn>
+                  </p:par>
+                  <p:par>
+                    <p:cTn id="182" fill="hold">
+                      <p:stCondLst>
+                        <p:cond delay="indefinite"/>
+                      </p:stCondLst>
+                      <p:childTnLst>
+                        <p:par>
+                          <p:cTn id="183" fill="hold">
+                            <p:stCondLst>
+                              <p:cond delay="0"/>
+                            </p:stCondLst>
+                            <p:childTnLst>
+                              <p:par>
+                                <p:cTn id="184" presetID="53" presetClass="entr" presetSubtype="16" fill="hold" grpId="0" nodeType="clickEffect">
+                                  <p:stCondLst>
+                                    <p:cond delay="0"/>
+                                  </p:stCondLst>
+                                  <p:childTnLst>
+                                    <p:set>
+                                      <p:cBhvr>
+                                        <p:cTn id="185" dur="1" fill="hold">
+                                          <p:stCondLst>
+                                            <p:cond delay="0"/>
+                                          </p:stCondLst>
+                                        </p:cTn>
+                                        <p:tgtEl>
+                                          <p:spTgt spid="55"/>
+                                        </p:tgtEl>
+                                        <p:attrNameLst>
+                                          <p:attrName>style.visibility</p:attrName>
+                                        </p:attrNameLst>
+                                      </p:cBhvr>
+                                      <p:to>
+                                        <p:strVal val="visible"/>
+                                      </p:to>
+                                    </p:set>
+                                    <p:anim calcmode="lin" valueType="num">
+                                      <p:cBhvr>
+                                        <p:cTn id="186" dur="500" fill="hold"/>
+                                        <p:tgtEl>
+                                          <p:spTgt spid="55"/>
+                                        </p:tgtEl>
+                                        <p:attrNameLst>
+                                          <p:attrName>ppt_w</p:attrName>
+                                        </p:attrNameLst>
+                                      </p:cBhvr>
+                                      <p:tavLst>
+                                        <p:tav tm="0">
+                                          <p:val>
+                                            <p:fltVal val="0"/>
+                                          </p:val>
+                                        </p:tav>
+                                        <p:tav tm="100000">
+                                          <p:val>
+                                            <p:strVal val="#ppt_w"/>
+                                          </p:val>
+                                        </p:tav>
+                                      </p:tavLst>
+                                    </p:anim>
+                                    <p:anim calcmode="lin" valueType="num">
+                                      <p:cBhvr>
+                                        <p:cTn id="187" dur="500" fill="hold"/>
+                                        <p:tgtEl>
+                                          <p:spTgt spid="55"/>
+                                        </p:tgtEl>
+                                        <p:attrNameLst>
+                                          <p:attrName>ppt_h</p:attrName>
+                                        </p:attrNameLst>
+                                      </p:cBhvr>
+                                      <p:tavLst>
+                                        <p:tav tm="0">
+                                          <p:val>
+                                            <p:fltVal val="0"/>
+                                          </p:val>
+                                        </p:tav>
+                                        <p:tav tm="100000">
+                                          <p:val>
+                                            <p:strVal val="#ppt_h"/>
+                                          </p:val>
+                                        </p:tav>
+                                      </p:tavLst>
+                                    </p:anim>
+                                    <p:animEffect transition="in" filter="fade">
+                                      <p:cBhvr>
+                                        <p:cTn id="188" dur="500"/>
+                                        <p:tgtEl>
+                                          <p:spTgt spid="55"/>
+                                        </p:tgtEl>
+                                      </p:cBhvr>
+                                    </p:animEffect>
+                                  </p:childTnLst>
+                                </p:cTn>
+                              </p:par>
+                            </p:childTnLst>
+                          </p:cTn>
+                        </p:par>
+                      </p:childTnLst>
+                    </p:cTn>
+                  </p:par>
+                  <p:par>
+                    <p:cTn id="189" fill="hold">
+                      <p:stCondLst>
+                        <p:cond delay="indefinite"/>
+                      </p:stCondLst>
+                      <p:childTnLst>
+                        <p:par>
+                          <p:cTn id="190" fill="hold">
+                            <p:stCondLst>
+                              <p:cond delay="0"/>
+                            </p:stCondLst>
+                            <p:childTnLst>
+                              <p:par>
+                                <p:cTn id="191" presetID="14" presetClass="entr" presetSubtype="10" fill="hold" nodeType="clickEffect">
+                                  <p:stCondLst>
+                                    <p:cond delay="0"/>
+                                  </p:stCondLst>
+                                  <p:childTnLst>
+                                    <p:set>
+                                      <p:cBhvr>
+                                        <p:cTn id="192" dur="1" fill="hold">
+                                          <p:stCondLst>
+                                            <p:cond delay="0"/>
+                                          </p:stCondLst>
+                                        </p:cTn>
+                                        <p:tgtEl>
+                                          <p:spTgt spid="57"/>
+                                        </p:tgtEl>
+                                        <p:attrNameLst>
+                                          <p:attrName>style.visibility</p:attrName>
+                                        </p:attrNameLst>
+                                      </p:cBhvr>
+                                      <p:to>
+                                        <p:strVal val="visible"/>
+                                      </p:to>
+                                    </p:set>
+                                    <p:animEffect transition="in" filter="randombar(horizontal)">
+                                      <p:cBhvr>
+                                        <p:cTn id="193" dur="500"/>
+                                        <p:tgtEl>
+                                          <p:spTgt spid="57"/>
+                                        </p:tgtEl>
+                                      </p:cBhvr>
+                                    </p:animEffect>
+                                  </p:childTnLst>
+                                </p:cTn>
+                              </p:par>
+                            </p:childTnLst>
+                          </p:cTn>
+                        </p:par>
+                      </p:childTnLst>
+                    </p:cTn>
+                  </p:par>
+                </p:childTnLst>
+              </p:cTn>
+              <p:prevCondLst>
+                <p:cond evt="onPrev" delay="0">
+                  <p:tgtEl>
+                    <p:sldTgt/>
+                  </p:tgtEl>
+                </p:cond>
+              </p:prevCondLst>
+              <p:nextCondLst>
+                <p:cond evt="onNext" delay="0">
+                  <p:tgtEl>
+                    <p:sldTgt/>
+                  </p:tgtEl>
+                </p:cond>
+              </p:nextCondLst>
+            </p:seq>
+          </p:childTnLst>
+        </p:cTn>
+      </p:par>
+    </p:tnLst>
+    <p:bldLst>
+      <p:bldP spid="15" grpId="0" animBg="1"/>
+      <p:bldP spid="17" grpId="0"/>
+      <p:bldP spid="18" grpId="0"/>
+      <p:bldP spid="19" grpId="0" animBg="1"/>
+      <p:bldP spid="20" grpId="0"/>
+      <p:bldP spid="21" grpId="0" animBg="1"/>
+      <p:bldP spid="22" grpId="0"/>
+      <p:bldP spid="32" grpId="0" animBg="1"/>
+      <p:bldP spid="33" grpId="0"/>
+      <p:bldP spid="34" grpId="0" animBg="1"/>
+      <p:bldP spid="35" grpId="0"/>
+      <p:bldP spid="36" grpId="0" animBg="1"/>
+      <p:bldP spid="37" grpId="0"/>
+      <p:bldP spid="38" grpId="0" animBg="1"/>
+      <p:bldP spid="39" grpId="0"/>
+      <p:bldP spid="40" grpId="0" animBg="1"/>
+      <p:bldP spid="41" grpId="0"/>
+      <p:bldP spid="42" grpId="0" animBg="1"/>
+      <p:bldP spid="43" grpId="0"/>
+      <p:bldP spid="44" grpId="0"/>
+      <p:bldP spid="45" grpId="0"/>
+      <p:bldP spid="46" grpId="0"/>
+      <p:bldP spid="47" grpId="0"/>
+      <p:bldP spid="48" grpId="0"/>
+      <p:bldP spid="49" grpId="0"/>
+      <p:bldP spid="52" grpId="0"/>
+      <p:bldP spid="53" grpId="0"/>
+      <p:bldP spid="54" grpId="0"/>
+      <p:bldP spid="55" grpId="0"/>
+    </p:bldLst>
+  </p:timing>
+</p:sld>
+</file>
+
+<file path=ppt/slides/slide12.xml><?xml version="1.0" encoding="utf-8"?>
+<p:sld xmlns:a="http://schemas.openxmlformats.org/drawingml/2006/main" xmlns:r="http://schemas.openxmlformats.org/officeDocument/2006/relationships" xmlns:p="http://schemas.openxmlformats.org/presentationml/2006/main">
+  <p:cSld>
+    <p:spTree>
+      <p:nvGrpSpPr>
+        <p:cNvPr id="1" name=""/>
+        <p:cNvGrpSpPr/>
+        <p:nvPr/>
+      </p:nvGrpSpPr>
+      <p:grpSpPr>
+        <a:xfrm>
+          <a:off x="0" y="0"/>
+          <a:ext cx="0" cy="0"/>
+          <a:chOff x="0" y="0"/>
+          <a:chExt cx="0" cy="0"/>
+        </a:xfrm>
+      </p:grpSpPr>
+      <p:sp>
+        <p:nvSpPr>
+          <p:cNvPr id="3" name="Content Placeholder 2"/>
+          <p:cNvSpPr>
+            <a:spLocks noGrp="1"/>
+          </p:cNvSpPr>
+          <p:nvPr>
+            <p:ph idx="1"/>
+          </p:nvPr>
+        </p:nvSpPr>
+        <p:spPr>
+          <a:xfrm>
+            <a:off x="477037" y="192452"/>
+            <a:ext cx="9145934" cy="6521857"/>
+          </a:xfrm>
+        </p:spPr>
+        <p:txBody>
+          <a:bodyPr/>
+          <a:lstStyle/>
+          <a:p>
+            <a:r>
+              <a:rPr lang="es-CO" dirty="0" smtClean="0"/>
+              <a:t>Habiendo explicado esto procedemos a explicar la inteligencia para cada modo de juego:</a:t>
+            </a:r>
+          </a:p>
+          <a:p>
+            <a:endParaRPr lang="es-CO" dirty="0"/>
+          </a:p>
+          <a:p>
+            <a:r>
+              <a:rPr lang="es-CO" dirty="0" err="1" smtClean="0">
+                <a:solidFill>
+                  <a:schemeClr val="accent2"/>
+                </a:solidFill>
+              </a:rPr>
+              <a:t>Facil</a:t>
+            </a:r>
+            <a:r>
+              <a:rPr lang="es-CO" dirty="0" smtClean="0">
+                <a:solidFill>
+                  <a:schemeClr val="accent2"/>
+                </a:solidFill>
+              </a:rPr>
+              <a:t>:</a:t>
+            </a:r>
+            <a:endParaRPr lang="es-ES" dirty="0" smtClean="0">
+              <a:solidFill>
+                <a:schemeClr val="accent2"/>
+              </a:solidFill>
+            </a:endParaRPr>
+          </a:p>
+          <a:p>
+            <a:pPr>
+              <a:buFont typeface="+mj-lt"/>
+              <a:buAutoNum type="arabicPeriod"/>
+            </a:pPr>
+            <a:r>
+              <a:rPr lang="es-CO" dirty="0" smtClean="0">
+                <a:solidFill>
+                  <a:schemeClr val="tx1"/>
+                </a:solidFill>
+              </a:rPr>
+              <a:t>Si puede jugar al centro, juega al centro.</a:t>
+            </a:r>
+          </a:p>
+          <a:p>
+            <a:pPr>
+              <a:buFont typeface="+mj-lt"/>
+              <a:buAutoNum type="arabicPeriod"/>
+            </a:pPr>
+            <a:r>
+              <a:rPr lang="es-CO" dirty="0" smtClean="0">
+                <a:solidFill>
+                  <a:schemeClr val="tx1"/>
+                </a:solidFill>
+              </a:rPr>
+              <a:t>Si puede ganar, perder o empatar en el siguiente turno en una posición especifica, juega en esa posición.</a:t>
+            </a:r>
+          </a:p>
+          <a:p>
+            <a:pPr>
+              <a:buFont typeface="+mj-lt"/>
+              <a:buAutoNum type="arabicPeriod"/>
+            </a:pPr>
+            <a:r>
+              <a:rPr lang="es-CO" dirty="0" smtClean="0">
+                <a:solidFill>
+                  <a:schemeClr val="tx1"/>
+                </a:solidFill>
+              </a:rPr>
+              <a:t>Si no puede hacer ninguna de las anteriores, mueve a la primera </a:t>
+            </a:r>
+            <a:r>
+              <a:rPr lang="es-CO" dirty="0" err="1" smtClean="0">
+                <a:solidFill>
+                  <a:schemeClr val="tx1"/>
+                </a:solidFill>
+              </a:rPr>
+              <a:t>posicion</a:t>
+            </a:r>
+            <a:r>
+              <a:rPr lang="es-CO" dirty="0" smtClean="0">
+                <a:solidFill>
+                  <a:schemeClr val="tx1"/>
+                </a:solidFill>
+              </a:rPr>
+              <a:t> disponible.</a:t>
+            </a:r>
+          </a:p>
+          <a:p>
+            <a:pPr>
+              <a:buFont typeface="+mj-lt"/>
+              <a:buAutoNum type="arabicPeriod"/>
+            </a:pPr>
+            <a:endParaRPr lang="es-CO" dirty="0">
+              <a:solidFill>
+                <a:schemeClr val="tx1"/>
+              </a:solidFill>
+            </a:endParaRPr>
+          </a:p>
+          <a:p>
+            <a:r>
+              <a:rPr lang="es-CO" dirty="0" smtClean="0">
+                <a:solidFill>
+                  <a:schemeClr val="tx1"/>
+                </a:solidFill>
+              </a:rPr>
+              <a:t>Imposible</a:t>
+            </a:r>
+          </a:p>
+          <a:p>
+            <a:pPr>
+              <a:buFont typeface="+mj-lt"/>
+              <a:buAutoNum type="arabicPeriod"/>
+            </a:pPr>
+            <a:r>
+              <a:rPr lang="es-CO" dirty="0" smtClean="0">
+                <a:solidFill>
+                  <a:schemeClr val="tx1"/>
+                </a:solidFill>
+              </a:rPr>
+              <a:t>Si puede jugar a centro juega al centro.</a:t>
+            </a:r>
+          </a:p>
+          <a:p>
+            <a:pPr>
+              <a:buFont typeface="+mj-lt"/>
+              <a:buAutoNum type="arabicPeriod"/>
+            </a:pPr>
+            <a:r>
+              <a:rPr lang="es-CO" dirty="0">
+                <a:solidFill>
+                  <a:schemeClr val="tx1"/>
+                </a:solidFill>
+              </a:rPr>
+              <a:t>Si puede ganar, perder o empatar en el siguiente turno en una posición especifica, juega en esa posición</a:t>
+            </a:r>
+            <a:r>
+              <a:rPr lang="es-CO" dirty="0" smtClean="0">
+                <a:solidFill>
+                  <a:schemeClr val="tx1"/>
+                </a:solidFill>
+              </a:rPr>
+              <a:t>.</a:t>
+            </a:r>
+          </a:p>
+          <a:p>
+            <a:pPr>
+              <a:buFont typeface="+mj-lt"/>
+              <a:buAutoNum type="arabicPeriod"/>
+            </a:pPr>
+            <a:r>
+              <a:rPr lang="es-CO" dirty="0" smtClean="0">
+                <a:solidFill>
+                  <a:schemeClr val="tx1"/>
+                </a:solidFill>
+              </a:rPr>
+              <a:t>Si no puede hacer ninguna de las anteriores, ejecuta el </a:t>
+            </a:r>
+            <a:r>
+              <a:rPr lang="es-CO" dirty="0" err="1" smtClean="0">
+                <a:solidFill>
+                  <a:schemeClr val="tx1"/>
+                </a:solidFill>
+              </a:rPr>
+              <a:t>Minimax</a:t>
+            </a:r>
+            <a:r>
+              <a:rPr lang="es-CO" dirty="0" smtClean="0">
+                <a:solidFill>
+                  <a:schemeClr val="tx1"/>
+                </a:solidFill>
+              </a:rPr>
+              <a:t> para el estado actual de juego para asegurarse que la opción tomada sea la mas optima para la maquina, evitando perder siempre.</a:t>
+            </a:r>
+          </a:p>
+          <a:p>
+            <a:pPr>
+              <a:buFont typeface="+mj-lt"/>
+              <a:buAutoNum type="arabicPeriod"/>
+            </a:pPr>
+            <a:r>
+              <a:rPr lang="es-CO" dirty="0" smtClean="0">
+                <a:solidFill>
+                  <a:schemeClr val="tx1"/>
+                </a:solidFill>
+              </a:rPr>
+              <a:t>En modo imposible juega de forma perfecta, por lo que siempre gana o empata.</a:t>
+            </a:r>
+            <a:endParaRPr lang="es-CO" dirty="0">
+              <a:solidFill>
+                <a:schemeClr val="tx1"/>
+              </a:solidFill>
+            </a:endParaRPr>
+          </a:p>
+        </p:txBody>
+      </p:sp>
+    </p:spTree>
+    <p:extLst>
+      <p:ext uri="{BB962C8B-B14F-4D97-AF65-F5344CB8AC3E}">
+        <p14:creationId xmlns:p14="http://schemas.microsoft.com/office/powerpoint/2010/main" val="163334997"/>
+      </p:ext>
+    </p:extLst>
+  </p:cSld>
+  <p:clrMapOvr>
+    <a:masterClrMapping/>
+  </p:clrMapOvr>
+  <p:timing>
+    <p:tnLst>
+      <p:par>
+        <p:cTn id="1" dur="indefinite" restart="never" nodeType="tmRoot"/>
+      </p:par>
+    </p:tnLst>
+  </p:timing>
+</p:sld>
+</file>
+
+<file path=ppt/slides/slide13.xml><?xml version="1.0" encoding="utf-8"?>
+<p:sld xmlns:a="http://schemas.openxmlformats.org/drawingml/2006/main" xmlns:r="http://schemas.openxmlformats.org/officeDocument/2006/relationships" xmlns:p="http://schemas.openxmlformats.org/presentationml/2006/main">
+  <p:cSld>
+    <p:spTree>
+      <p:nvGrpSpPr>
+        <p:cNvPr id="1" name=""/>
+        <p:cNvGrpSpPr/>
+        <p:nvPr/>
+      </p:nvGrpSpPr>
+      <p:grpSpPr>
+        <a:xfrm>
+          <a:off x="0" y="0"/>
+          <a:ext cx="0" cy="0"/>
+          <a:chOff x="0" y="0"/>
+          <a:chExt cx="0" cy="0"/>
+        </a:xfrm>
+      </p:grpSpPr>
+      <p:sp>
+        <p:nvSpPr>
+          <p:cNvPr id="2" name="Title 1"/>
+          <p:cNvSpPr>
+            <a:spLocks noGrp="1"/>
+          </p:cNvSpPr>
+          <p:nvPr>
+            <p:ph type="title"/>
+          </p:nvPr>
+        </p:nvSpPr>
+        <p:spPr/>
+        <p:txBody>
+          <a:bodyPr/>
+          <a:lstStyle/>
+          <a:p>
+            <a:r>
+              <a:rPr lang="en-US" dirty="0" err="1" smtClean="0"/>
+              <a:t>Referencias</a:t>
+            </a:r>
+            <a:endParaRPr lang="es-ES" dirty="0"/>
+          </a:p>
+        </p:txBody>
+      </p:sp>
+      <p:sp>
+        <p:nvSpPr>
+          <p:cNvPr id="3" name="Content Placeholder 2"/>
+          <p:cNvSpPr>
+            <a:spLocks noGrp="1"/>
+          </p:cNvSpPr>
+          <p:nvPr>
+            <p:ph idx="1"/>
+          </p:nvPr>
+        </p:nvSpPr>
+        <p:spPr>
+          <a:xfrm>
+            <a:off x="677334" y="2160589"/>
+            <a:ext cx="8893386" cy="3880773"/>
+          </a:xfrm>
+        </p:spPr>
+        <p:txBody>
+          <a:bodyPr/>
+          <a:lstStyle/>
+          <a:p>
+            <a:r>
+              <a:rPr lang="en-US" dirty="0"/>
+              <a:t>[1] A. van </a:t>
+            </a:r>
+            <a:r>
+              <a:rPr lang="en-US" dirty="0" err="1"/>
+              <a:t>Cranenburgh</a:t>
+            </a:r>
+            <a:r>
+              <a:rPr lang="en-US" dirty="0"/>
+              <a:t>, R. </a:t>
+            </a:r>
+            <a:r>
+              <a:rPr lang="en-US" dirty="0" err="1"/>
+              <a:t>Smid</a:t>
+            </a:r>
+            <a:r>
+              <a:rPr lang="en-US" dirty="0"/>
+              <a:t> and M. van </a:t>
+            </a:r>
+            <a:r>
+              <a:rPr lang="en-US" dirty="0" err="1"/>
+              <a:t>Someren</a:t>
+            </a:r>
+            <a:r>
+              <a:rPr lang="en-US" dirty="0"/>
+              <a:t>, '"Tic-Tac-Toe".</a:t>
+            </a:r>
+            <a:endParaRPr lang="es-ES" dirty="0"/>
+          </a:p>
+          <a:p>
+            <a:r>
+              <a:rPr lang="en-US" dirty="0"/>
+              <a:t>[2] P.W. </a:t>
+            </a:r>
+            <a:r>
+              <a:rPr lang="en-US" dirty="0" err="1"/>
+              <a:t>Purdom</a:t>
+            </a:r>
+            <a:r>
+              <a:rPr lang="en-US" dirty="0"/>
+              <a:t>, '"Search rearrangement backtracking and polynomial average time,"</a:t>
+            </a:r>
+            <a:r>
+              <a:rPr lang="en-US" i="1" dirty="0"/>
+              <a:t> </a:t>
+            </a:r>
+            <a:r>
+              <a:rPr lang="en-US" i="1" dirty="0" err="1"/>
+              <a:t>Artif.Intell</a:t>
+            </a:r>
+            <a:r>
+              <a:rPr lang="en-US" i="1" dirty="0"/>
+              <a:t>.</a:t>
+            </a:r>
+            <a:r>
+              <a:rPr lang="en-US" dirty="0"/>
+              <a:t>, vol. 21, no. 1, pp. 117-133.</a:t>
+            </a:r>
+            <a:endParaRPr lang="es-ES" dirty="0"/>
+          </a:p>
+          <a:p>
+            <a:r>
+              <a:rPr lang="en-US" dirty="0" smtClean="0"/>
+              <a:t>[3] Video </a:t>
+            </a:r>
+            <a:r>
+              <a:rPr lang="es-CO" dirty="0"/>
+              <a:t>“6. </a:t>
+            </a:r>
+            <a:r>
+              <a:rPr lang="es-CO" dirty="0" err="1"/>
+              <a:t>Search</a:t>
+            </a:r>
+            <a:r>
+              <a:rPr lang="es-CO" dirty="0"/>
+              <a:t>: </a:t>
+            </a:r>
+            <a:r>
+              <a:rPr lang="es-CO" dirty="0" err="1"/>
+              <a:t>Games</a:t>
+            </a:r>
+            <a:r>
+              <a:rPr lang="es-CO" dirty="0"/>
+              <a:t>, </a:t>
+            </a:r>
+            <a:r>
+              <a:rPr lang="es-CO" dirty="0" err="1"/>
+              <a:t>Minimax</a:t>
+            </a:r>
+            <a:r>
+              <a:rPr lang="es-CO" dirty="0"/>
+              <a:t>, and </a:t>
+            </a:r>
+            <a:r>
+              <a:rPr lang="es-CO" dirty="0" err="1" smtClean="0"/>
+              <a:t>Alpha</a:t>
+            </a:r>
+            <a:r>
+              <a:rPr lang="es-CO" dirty="0" smtClean="0"/>
+              <a:t>-Beta” de YouTube, tomado de </a:t>
+            </a:r>
+            <a:r>
+              <a:rPr lang="en-US" dirty="0" smtClean="0">
+                <a:hlinkClick r:id="rId2"/>
+              </a:rPr>
+              <a:t>https</a:t>
+            </a:r>
+            <a:r>
+              <a:rPr lang="en-US" dirty="0">
+                <a:hlinkClick r:id="rId2"/>
+              </a:rPr>
+              <a:t>://</a:t>
+            </a:r>
+            <a:r>
+              <a:rPr lang="en-US" dirty="0" smtClean="0">
+                <a:hlinkClick r:id="rId2"/>
+              </a:rPr>
+              <a:t>www.youtube.com/watch?v=STjW3eH0Cik</a:t>
+            </a:r>
+            <a:r>
+              <a:rPr lang="en-US" dirty="0" smtClean="0"/>
+              <a:t> </a:t>
+            </a:r>
+            <a:r>
+              <a:rPr lang="en-US" dirty="0" err="1" smtClean="0"/>
+              <a:t>por</a:t>
+            </a:r>
+            <a:r>
+              <a:rPr lang="en-US" dirty="0" smtClean="0"/>
+              <a:t> MIT </a:t>
+            </a:r>
+            <a:r>
+              <a:rPr lang="es-ES" dirty="0" smtClean="0"/>
+              <a:t>OpenCourseWare, </a:t>
+            </a:r>
+            <a:r>
+              <a:rPr lang="en-US" dirty="0" smtClean="0"/>
+              <a:t>MIT </a:t>
+            </a:r>
+            <a:r>
+              <a:rPr lang="en-US" dirty="0"/>
+              <a:t>6.034 Artificial Intelligence, Fall </a:t>
+            </a:r>
+            <a:r>
+              <a:rPr lang="en-US" dirty="0" smtClean="0"/>
+              <a:t>2010. </a:t>
+            </a:r>
+            <a:r>
+              <a:rPr lang="es-ES" dirty="0"/>
+              <a:t>Instructor: Patrick Winston</a:t>
+            </a:r>
+            <a:endParaRPr lang="en-US" dirty="0"/>
+          </a:p>
+          <a:p>
+            <a:endParaRPr lang="es-ES" dirty="0"/>
+          </a:p>
+        </p:txBody>
+      </p:sp>
+    </p:spTree>
+    <p:extLst>
+      <p:ext uri="{BB962C8B-B14F-4D97-AF65-F5344CB8AC3E}">
+        <p14:creationId xmlns:p14="http://schemas.microsoft.com/office/powerpoint/2010/main" val="829788758"/>
+      </p:ext>
+    </p:extLst>
+  </p:cSld>
+  <p:clrMapOvr>
+    <a:masterClrMapping/>
+  </p:clrMapOvr>
+  <p:timing>
+    <p:tnLst>
+      <p:par>
+        <p:cTn id="1" dur="indefinite" restart="never" nodeType="tmRoot"/>
+      </p:par>
+    </p:tnLst>
+  </p:timing>
 </p:sld>
 </file>
 
@@ -6373,7 +11706,7 @@
         </p:blipFill>
         <p:spPr>
           <a:xfrm>
-            <a:off x="3150326" y="3753825"/>
+            <a:off x="3827984" y="3858326"/>
             <a:ext cx="3093720" cy="2320290"/>
           </a:xfrm>
           <a:prstGeom prst="rect">
@@ -6493,6 +11826,2446 @@
   <p:clrMapOvr>
     <a:masterClrMapping/>
   </p:clrMapOvr>
+  <p:timing>
+    <p:tnLst>
+      <p:par>
+        <p:cTn id="1" dur="indefinite" restart="never" nodeType="tmRoot"/>
+      </p:par>
+    </p:tnLst>
+  </p:timing>
+</p:sld>
+</file>
+
+<file path=ppt/slides/slide4.xml><?xml version="1.0" encoding="utf-8"?>
+<p:sld xmlns:a="http://schemas.openxmlformats.org/drawingml/2006/main" xmlns:r="http://schemas.openxmlformats.org/officeDocument/2006/relationships" xmlns:p="http://schemas.openxmlformats.org/presentationml/2006/main">
+  <p:cSld>
+    <p:spTree>
+      <p:nvGrpSpPr>
+        <p:cNvPr id="1" name=""/>
+        <p:cNvGrpSpPr/>
+        <p:nvPr/>
+      </p:nvGrpSpPr>
+      <p:grpSpPr>
+        <a:xfrm>
+          <a:off x="0" y="0"/>
+          <a:ext cx="0" cy="0"/>
+          <a:chOff x="0" y="0"/>
+          <a:chExt cx="0" cy="0"/>
+        </a:xfrm>
+      </p:grpSpPr>
+      <p:sp>
+        <p:nvSpPr>
+          <p:cNvPr id="2" name="Title 1"/>
+          <p:cNvSpPr>
+            <a:spLocks noGrp="1"/>
+          </p:cNvSpPr>
+          <p:nvPr>
+            <p:ph type="title"/>
+          </p:nvPr>
+        </p:nvSpPr>
+        <p:spPr>
+          <a:xfrm>
+            <a:off x="677334" y="609600"/>
+            <a:ext cx="8596668" cy="661851"/>
+          </a:xfrm>
+        </p:spPr>
+        <p:txBody>
+          <a:bodyPr/>
+          <a:lstStyle/>
+          <a:p>
+            <a:r>
+              <a:rPr lang="en-US" dirty="0" err="1" smtClean="0"/>
+              <a:t>Elementos</a:t>
+            </a:r>
+            <a:r>
+              <a:rPr lang="en-US" dirty="0" smtClean="0"/>
+              <a:t> UI:</a:t>
+            </a:r>
+            <a:endParaRPr lang="es-ES" dirty="0"/>
+          </a:p>
+        </p:txBody>
+      </p:sp>
+      <p:sp>
+        <p:nvSpPr>
+          <p:cNvPr id="3" name="Content Placeholder 2"/>
+          <p:cNvSpPr>
+            <a:spLocks noGrp="1"/>
+          </p:cNvSpPr>
+          <p:nvPr>
+            <p:ph idx="1"/>
+          </p:nvPr>
+        </p:nvSpPr>
+        <p:spPr>
+          <a:xfrm>
+            <a:off x="677334" y="1789612"/>
+            <a:ext cx="4913569" cy="3818708"/>
+          </a:xfrm>
+        </p:spPr>
+        <p:txBody>
+          <a:bodyPr>
+            <a:normAutofit/>
+          </a:bodyPr>
+          <a:lstStyle/>
+          <a:p>
+            <a:r>
+              <a:rPr lang="en-US" dirty="0" smtClean="0"/>
+              <a:t>Label: </a:t>
+            </a:r>
+            <a:r>
+              <a:rPr lang="en-US" dirty="0" err="1" smtClean="0"/>
+              <a:t>Permite</a:t>
+            </a:r>
+            <a:r>
+              <a:rPr lang="en-US" dirty="0" smtClean="0"/>
+              <a:t> </a:t>
+            </a:r>
+            <a:r>
+              <a:rPr lang="en-US" dirty="0" err="1" smtClean="0"/>
+              <a:t>mostrar</a:t>
+            </a:r>
+            <a:r>
+              <a:rPr lang="en-US" dirty="0" smtClean="0"/>
+              <a:t> </a:t>
+            </a:r>
+            <a:r>
+              <a:rPr lang="en-US" dirty="0" err="1" smtClean="0"/>
+              <a:t>etiquetas</a:t>
+            </a:r>
+            <a:r>
+              <a:rPr lang="en-US" dirty="0" smtClean="0"/>
+              <a:t>, </a:t>
+            </a:r>
+            <a:r>
+              <a:rPr lang="en-US" dirty="0" err="1" smtClean="0"/>
+              <a:t>los</a:t>
+            </a:r>
+            <a:r>
+              <a:rPr lang="en-US" dirty="0" smtClean="0"/>
+              <a:t> </a:t>
+            </a:r>
+            <a:r>
+              <a:rPr lang="en-US" dirty="0" err="1" smtClean="0"/>
+              <a:t>puntajes</a:t>
+            </a:r>
+            <a:r>
+              <a:rPr lang="en-US" dirty="0" smtClean="0"/>
+              <a:t> y </a:t>
+            </a:r>
+            <a:r>
+              <a:rPr lang="en-US" dirty="0" err="1" smtClean="0"/>
+              <a:t>los</a:t>
+            </a:r>
+            <a:r>
+              <a:rPr lang="en-US" dirty="0" smtClean="0"/>
+              <a:t> </a:t>
+            </a:r>
+            <a:r>
+              <a:rPr lang="en-US" dirty="0" err="1" smtClean="0"/>
+              <a:t>textos</a:t>
+            </a:r>
+            <a:r>
+              <a:rPr lang="en-US" dirty="0" smtClean="0"/>
+              <a:t> </a:t>
+            </a:r>
+            <a:r>
+              <a:rPr lang="en-US" dirty="0" err="1" smtClean="0"/>
+              <a:t>planos</a:t>
+            </a:r>
+            <a:r>
+              <a:rPr lang="en-US" dirty="0" smtClean="0"/>
+              <a:t> del </a:t>
+            </a:r>
+            <a:r>
+              <a:rPr lang="en-US" dirty="0" err="1" smtClean="0"/>
+              <a:t>juego</a:t>
+            </a:r>
+            <a:endParaRPr lang="en-US" dirty="0" smtClean="0"/>
+          </a:p>
+          <a:p>
+            <a:endParaRPr lang="en-US" dirty="0"/>
+          </a:p>
+          <a:p>
+            <a:r>
+              <a:rPr lang="en-US" dirty="0" err="1" smtClean="0"/>
+              <a:t>DataGridView</a:t>
+            </a:r>
+            <a:r>
+              <a:rPr lang="es-ES" dirty="0" smtClean="0"/>
+              <a:t>: Es el control usado para mostrar la matriz de 3x3 que usamos en el juego.</a:t>
+            </a:r>
+          </a:p>
+          <a:p>
+            <a:endParaRPr lang="en-US" dirty="0"/>
+          </a:p>
+          <a:p>
+            <a:r>
+              <a:rPr lang="en-US" dirty="0" smtClean="0"/>
+              <a:t>Button: Son </a:t>
+            </a:r>
+            <a:r>
+              <a:rPr lang="en-US" dirty="0" err="1" smtClean="0"/>
+              <a:t>usados</a:t>
+            </a:r>
+            <a:r>
+              <a:rPr lang="en-US" dirty="0" smtClean="0"/>
+              <a:t> para la </a:t>
+            </a:r>
+            <a:r>
+              <a:rPr lang="en-US" dirty="0" err="1" smtClean="0"/>
+              <a:t>navegacion</a:t>
+            </a:r>
+            <a:r>
+              <a:rPr lang="en-US" dirty="0" smtClean="0"/>
+              <a:t> </a:t>
+            </a:r>
+            <a:r>
+              <a:rPr lang="en-US" dirty="0" err="1" smtClean="0"/>
+              <a:t>en</a:t>
+            </a:r>
+            <a:r>
+              <a:rPr lang="en-US" dirty="0" smtClean="0"/>
+              <a:t> el </a:t>
+            </a:r>
+            <a:r>
+              <a:rPr lang="en-US" dirty="0" err="1" smtClean="0"/>
+              <a:t>juego</a:t>
+            </a:r>
+            <a:r>
+              <a:rPr lang="en-US" dirty="0" smtClean="0"/>
+              <a:t> y para </a:t>
+            </a:r>
+            <a:r>
+              <a:rPr lang="en-US" dirty="0" err="1" smtClean="0"/>
+              <a:t>darle</a:t>
+            </a:r>
+            <a:r>
+              <a:rPr lang="en-US" dirty="0" smtClean="0"/>
+              <a:t> la </a:t>
+            </a:r>
+            <a:r>
+              <a:rPr lang="en-US" dirty="0" err="1" smtClean="0"/>
+              <a:t>seleccion</a:t>
+            </a:r>
+            <a:r>
+              <a:rPr lang="en-US" dirty="0" smtClean="0"/>
+              <a:t> de </a:t>
+            </a:r>
+            <a:r>
+              <a:rPr lang="en-US" dirty="0" err="1" smtClean="0"/>
+              <a:t>opciones</a:t>
+            </a:r>
+            <a:r>
+              <a:rPr lang="en-US" dirty="0" smtClean="0"/>
+              <a:t> </a:t>
+            </a:r>
+            <a:r>
+              <a:rPr lang="en-US" dirty="0" err="1" smtClean="0"/>
+              <a:t>en</a:t>
+            </a:r>
+            <a:r>
+              <a:rPr lang="en-US" dirty="0" smtClean="0"/>
+              <a:t> </a:t>
+            </a:r>
+            <a:r>
+              <a:rPr lang="en-US" dirty="0" err="1" smtClean="0"/>
+              <a:t>los</a:t>
+            </a:r>
+            <a:r>
+              <a:rPr lang="en-US" dirty="0" smtClean="0"/>
+              <a:t> menus.</a:t>
+            </a:r>
+          </a:p>
+        </p:txBody>
+      </p:sp>
+      <p:pic>
+        <p:nvPicPr>
+          <p:cNvPr id="4" name="Picture 3"/>
+          <p:cNvPicPr>
+            <a:picLocks noChangeAspect="1"/>
+          </p:cNvPicPr>
+          <p:nvPr/>
+        </p:nvPicPr>
+        <p:blipFill>
+          <a:blip r:embed="rId2">
+            <a:extLst>
+              <a:ext uri="{28A0092B-C50C-407E-A947-70E740481C1C}">
+                <a14:useLocalDpi xmlns:a14="http://schemas.microsoft.com/office/drawing/2010/main" val="0"/>
+              </a:ext>
+            </a:extLst>
+          </a:blip>
+          <a:stretch>
+            <a:fillRect/>
+          </a:stretch>
+        </p:blipFill>
+        <p:spPr>
+          <a:xfrm>
+            <a:off x="5729422" y="1889761"/>
+            <a:ext cx="5806299" cy="3117668"/>
+          </a:xfrm>
+          <a:prstGeom prst="rect">
+            <a:avLst/>
+          </a:prstGeom>
+        </p:spPr>
+      </p:pic>
+    </p:spTree>
+    <p:extLst>
+      <p:ext uri="{BB962C8B-B14F-4D97-AF65-F5344CB8AC3E}">
+        <p14:creationId xmlns:p14="http://schemas.microsoft.com/office/powerpoint/2010/main" val="389670327"/>
+      </p:ext>
+    </p:extLst>
+  </p:cSld>
+  <p:clrMapOvr>
+    <a:masterClrMapping/>
+  </p:clrMapOvr>
+  <p:timing>
+    <p:tnLst>
+      <p:par>
+        <p:cTn id="1" dur="indefinite" restart="never" nodeType="tmRoot"/>
+      </p:par>
+    </p:tnLst>
+  </p:timing>
+</p:sld>
+</file>
+
+<file path=ppt/slides/slide5.xml><?xml version="1.0" encoding="utf-8"?>
+<p:sld xmlns:a="http://schemas.openxmlformats.org/drawingml/2006/main" xmlns:r="http://schemas.openxmlformats.org/officeDocument/2006/relationships" xmlns:p="http://schemas.openxmlformats.org/presentationml/2006/main">
+  <p:cSld>
+    <p:spTree>
+      <p:nvGrpSpPr>
+        <p:cNvPr id="1" name=""/>
+        <p:cNvGrpSpPr/>
+        <p:nvPr/>
+      </p:nvGrpSpPr>
+      <p:grpSpPr>
+        <a:xfrm>
+          <a:off x="0" y="0"/>
+          <a:ext cx="0" cy="0"/>
+          <a:chOff x="0" y="0"/>
+          <a:chExt cx="0" cy="0"/>
+        </a:xfrm>
+      </p:grpSpPr>
+      <p:sp>
+        <p:nvSpPr>
+          <p:cNvPr id="2" name="Title 1"/>
+          <p:cNvSpPr>
+            <a:spLocks noGrp="1"/>
+          </p:cNvSpPr>
+          <p:nvPr>
+            <p:ph type="title"/>
+          </p:nvPr>
+        </p:nvSpPr>
+        <p:spPr/>
+        <p:txBody>
+          <a:bodyPr/>
+          <a:lstStyle/>
+          <a:p>
+            <a:r>
+              <a:rPr lang="es-CO" dirty="0" smtClean="0"/>
+              <a:t>El modo 2 jugadores</a:t>
+            </a:r>
+            <a:endParaRPr lang="es-ES" dirty="0"/>
+          </a:p>
+        </p:txBody>
+      </p:sp>
+      <p:sp>
+        <p:nvSpPr>
+          <p:cNvPr id="3" name="Content Placeholder 2"/>
+          <p:cNvSpPr>
+            <a:spLocks noGrp="1"/>
+          </p:cNvSpPr>
+          <p:nvPr>
+            <p:ph idx="1"/>
+          </p:nvPr>
+        </p:nvSpPr>
+        <p:spPr>
+          <a:xfrm>
+            <a:off x="546706" y="1446439"/>
+            <a:ext cx="7874483" cy="4266337"/>
+          </a:xfrm>
+        </p:spPr>
+        <p:txBody>
+          <a:bodyPr/>
+          <a:lstStyle/>
+          <a:p>
+            <a:r>
+              <a:rPr lang="es-CO" dirty="0" smtClean="0"/>
+              <a:t>En el modo 2 jugadores, 2 usuarios humanos juegan entre ellos mediante el posicionamiento de X y O de manera alternada en el tablero de juego. Un contador lleva la cuenta de las victorias de X y otro de las de O.</a:t>
+            </a:r>
+          </a:p>
+          <a:p>
+            <a:endParaRPr lang="es-CO" dirty="0" smtClean="0"/>
+          </a:p>
+          <a:p>
+            <a:r>
+              <a:rPr lang="es-CO" dirty="0" err="1" smtClean="0"/>
+              <a:t>Tambien</a:t>
+            </a:r>
+            <a:r>
+              <a:rPr lang="es-CO" dirty="0" smtClean="0"/>
+              <a:t> se muestra quien tiene el </a:t>
+            </a:r>
+            <a:br>
+              <a:rPr lang="es-CO" dirty="0" smtClean="0"/>
+            </a:br>
+            <a:r>
+              <a:rPr lang="es-CO" dirty="0" smtClean="0"/>
+              <a:t>turno en un </a:t>
+            </a:r>
+            <a:r>
+              <a:rPr lang="es-CO" dirty="0" err="1" smtClean="0"/>
+              <a:t>label</a:t>
+            </a:r>
+            <a:r>
+              <a:rPr lang="es-CO" dirty="0" smtClean="0"/>
+              <a:t> al lado </a:t>
+            </a:r>
+            <a:r>
+              <a:rPr lang="es-CO" dirty="0" err="1" smtClean="0"/>
+              <a:t>izquiero</a:t>
+            </a:r>
+            <a:r>
+              <a:rPr lang="es-CO" dirty="0" smtClean="0"/>
+              <a:t> del </a:t>
+            </a:r>
+            <a:br>
+              <a:rPr lang="es-CO" dirty="0" smtClean="0"/>
+            </a:br>
+            <a:r>
+              <a:rPr lang="es-CO" dirty="0" smtClean="0"/>
+              <a:t>tablero.</a:t>
+            </a:r>
+            <a:endParaRPr lang="es-ES" dirty="0"/>
+          </a:p>
+        </p:txBody>
+      </p:sp>
+      <p:pic>
+        <p:nvPicPr>
+          <p:cNvPr id="4" name="Picture 3"/>
+          <p:cNvPicPr>
+            <a:picLocks noChangeAspect="1"/>
+          </p:cNvPicPr>
+          <p:nvPr/>
+        </p:nvPicPr>
+        <p:blipFill>
+          <a:blip r:embed="rId2">
+            <a:extLst>
+              <a:ext uri="{28A0092B-C50C-407E-A947-70E740481C1C}">
+                <a14:useLocalDpi xmlns:a14="http://schemas.microsoft.com/office/drawing/2010/main" val="0"/>
+              </a:ext>
+            </a:extLst>
+          </a:blip>
+          <a:stretch>
+            <a:fillRect/>
+          </a:stretch>
+        </p:blipFill>
+        <p:spPr>
+          <a:xfrm>
+            <a:off x="5103704" y="2688862"/>
+            <a:ext cx="6826558" cy="3665492"/>
+          </a:xfrm>
+          <a:prstGeom prst="rect">
+            <a:avLst/>
+          </a:prstGeom>
+        </p:spPr>
+      </p:pic>
+    </p:spTree>
+    <p:extLst>
+      <p:ext uri="{BB962C8B-B14F-4D97-AF65-F5344CB8AC3E}">
+        <p14:creationId xmlns:p14="http://schemas.microsoft.com/office/powerpoint/2010/main" val="2179863301"/>
+      </p:ext>
+    </p:extLst>
+  </p:cSld>
+  <p:clrMapOvr>
+    <a:masterClrMapping/>
+  </p:clrMapOvr>
+  <p:timing>
+    <p:tnLst>
+      <p:par>
+        <p:cTn id="1" dur="indefinite" restart="never" nodeType="tmRoot"/>
+      </p:par>
+    </p:tnLst>
+  </p:timing>
+</p:sld>
+</file>
+
+<file path=ppt/slides/slide6.xml><?xml version="1.0" encoding="utf-8"?>
+<p:sld xmlns:a="http://schemas.openxmlformats.org/drawingml/2006/main" xmlns:r="http://schemas.openxmlformats.org/officeDocument/2006/relationships" xmlns:p="http://schemas.openxmlformats.org/presentationml/2006/main">
+  <p:cSld>
+    <p:spTree>
+      <p:nvGrpSpPr>
+        <p:cNvPr id="1" name=""/>
+        <p:cNvGrpSpPr/>
+        <p:nvPr/>
+      </p:nvGrpSpPr>
+      <p:grpSpPr>
+        <a:xfrm>
+          <a:off x="0" y="0"/>
+          <a:ext cx="0" cy="0"/>
+          <a:chOff x="0" y="0"/>
+          <a:chExt cx="0" cy="0"/>
+        </a:xfrm>
+      </p:grpSpPr>
+      <p:sp>
+        <p:nvSpPr>
+          <p:cNvPr id="2" name="Title 1"/>
+          <p:cNvSpPr>
+            <a:spLocks noGrp="1"/>
+          </p:cNvSpPr>
+          <p:nvPr>
+            <p:ph type="title"/>
+          </p:nvPr>
+        </p:nvSpPr>
+        <p:spPr>
+          <a:xfrm>
+            <a:off x="677334" y="609600"/>
+            <a:ext cx="8596668" cy="679269"/>
+          </a:xfrm>
+        </p:spPr>
+        <p:txBody>
+          <a:bodyPr/>
+          <a:lstStyle/>
+          <a:p>
+            <a:r>
+              <a:rPr lang="es-CO" smtClean="0"/>
+              <a:t>El modo VS AI</a:t>
+            </a:r>
+            <a:endParaRPr lang="es-ES" dirty="0"/>
+          </a:p>
+        </p:txBody>
+      </p:sp>
+      <p:sp>
+        <p:nvSpPr>
+          <p:cNvPr id="3" name="Content Placeholder 2"/>
+          <p:cNvSpPr>
+            <a:spLocks noGrp="1"/>
+          </p:cNvSpPr>
+          <p:nvPr>
+            <p:ph idx="1"/>
+          </p:nvPr>
+        </p:nvSpPr>
+        <p:spPr>
+          <a:xfrm>
+            <a:off x="677334" y="1716452"/>
+            <a:ext cx="8596668" cy="4675639"/>
+          </a:xfrm>
+        </p:spPr>
+        <p:txBody>
+          <a:bodyPr/>
+          <a:lstStyle/>
+          <a:p>
+            <a:r>
+              <a:rPr lang="es-CO" smtClean="0"/>
+              <a:t>El modo VS AI permite a un usuario humano jugar en contra de la maquina, controlada por una inteligencia artificial, para este modo de juego se tienen 2 dificultades: Facil e Imposible.</a:t>
+            </a:r>
+          </a:p>
+          <a:p>
+            <a:endParaRPr lang="es-CO" smtClean="0"/>
+          </a:p>
+          <a:p>
+            <a:r>
+              <a:rPr lang="es-CO" smtClean="0"/>
+              <a:t>Para entender el funcionamiento de</a:t>
+            </a:r>
+            <a:br>
+              <a:rPr lang="es-CO" smtClean="0"/>
+            </a:br>
+            <a:r>
+              <a:rPr lang="es-CO" smtClean="0"/>
+              <a:t>la inteligencia artificial se deben </a:t>
+            </a:r>
+            <a:br>
+              <a:rPr lang="es-CO" smtClean="0"/>
+            </a:br>
+            <a:r>
+              <a:rPr lang="es-CO" smtClean="0"/>
+              <a:t>explicar unos conceptos del </a:t>
+            </a:r>
+            <a:br>
+              <a:rPr lang="es-CO" smtClean="0"/>
+            </a:br>
+            <a:r>
+              <a:rPr lang="es-CO" smtClean="0"/>
+              <a:t>funcionamiento del juego:</a:t>
+            </a:r>
+          </a:p>
+          <a:p>
+            <a:endParaRPr lang="es-CO" smtClean="0"/>
+          </a:p>
+          <a:p>
+            <a:pPr>
+              <a:buFont typeface="+mj-lt"/>
+              <a:buAutoNum type="arabicPeriod"/>
+            </a:pPr>
+            <a:r>
+              <a:rPr lang="es-CO" smtClean="0"/>
+              <a:t>Estados de juego.</a:t>
+            </a:r>
+          </a:p>
+          <a:p>
+            <a:pPr>
+              <a:buFont typeface="+mj-lt"/>
+              <a:buAutoNum type="arabicPeriod"/>
+            </a:pPr>
+            <a:r>
+              <a:rPr lang="es-CO" smtClean="0"/>
+              <a:t>Seleccionar un ganador o el empate.</a:t>
+            </a:r>
+          </a:p>
+          <a:p>
+            <a:pPr>
+              <a:buFont typeface="+mj-lt"/>
+              <a:buAutoNum type="arabicPeriod"/>
+            </a:pPr>
+            <a:r>
+              <a:rPr lang="es-CO" smtClean="0"/>
+              <a:t>Minimax.</a:t>
+            </a:r>
+          </a:p>
+          <a:p>
+            <a:pPr>
+              <a:buFont typeface="+mj-lt"/>
+              <a:buAutoNum type="arabicPeriod"/>
+            </a:pPr>
+            <a:endParaRPr lang="es-CO" dirty="0" smtClean="0"/>
+          </a:p>
+        </p:txBody>
+      </p:sp>
+      <p:pic>
+        <p:nvPicPr>
+          <p:cNvPr id="4" name="Picture 3"/>
+          <p:cNvPicPr>
+            <a:picLocks noChangeAspect="1"/>
+          </p:cNvPicPr>
+          <p:nvPr/>
+        </p:nvPicPr>
+        <p:blipFill>
+          <a:blip r:embed="rId2">
+            <a:extLst>
+              <a:ext uri="{28A0092B-C50C-407E-A947-70E740481C1C}">
+                <a14:useLocalDpi xmlns:a14="http://schemas.microsoft.com/office/drawing/2010/main" val="0"/>
+              </a:ext>
+            </a:extLst>
+          </a:blip>
+          <a:stretch>
+            <a:fillRect/>
+          </a:stretch>
+        </p:blipFill>
+        <p:spPr>
+          <a:xfrm>
+            <a:off x="5045383" y="2717937"/>
+            <a:ext cx="6437949" cy="3456440"/>
+          </a:xfrm>
+          <a:prstGeom prst="rect">
+            <a:avLst/>
+          </a:prstGeom>
+        </p:spPr>
+      </p:pic>
+    </p:spTree>
+    <p:extLst>
+      <p:ext uri="{BB962C8B-B14F-4D97-AF65-F5344CB8AC3E}">
+        <p14:creationId xmlns:p14="http://schemas.microsoft.com/office/powerpoint/2010/main" val="4076671666"/>
+      </p:ext>
+    </p:extLst>
+  </p:cSld>
+  <p:clrMapOvr>
+    <a:masterClrMapping/>
+  </p:clrMapOvr>
+  <p:timing>
+    <p:tnLst>
+      <p:par>
+        <p:cTn id="1" dur="indefinite" restart="never" nodeType="tmRoot"/>
+      </p:par>
+    </p:tnLst>
+  </p:timing>
+</p:sld>
+</file>
+
+<file path=ppt/slides/slide7.xml><?xml version="1.0" encoding="utf-8"?>
+<p:sld xmlns:a="http://schemas.openxmlformats.org/drawingml/2006/main" xmlns:r="http://schemas.openxmlformats.org/officeDocument/2006/relationships" xmlns:p="http://schemas.openxmlformats.org/presentationml/2006/main">
+  <p:cSld>
+    <p:spTree>
+      <p:nvGrpSpPr>
+        <p:cNvPr id="1" name=""/>
+        <p:cNvGrpSpPr/>
+        <p:nvPr/>
+      </p:nvGrpSpPr>
+      <p:grpSpPr>
+        <a:xfrm>
+          <a:off x="0" y="0"/>
+          <a:ext cx="0" cy="0"/>
+          <a:chOff x="0" y="0"/>
+          <a:chExt cx="0" cy="0"/>
+        </a:xfrm>
+      </p:grpSpPr>
+      <p:sp>
+        <p:nvSpPr>
+          <p:cNvPr id="2" name="Title 1"/>
+          <p:cNvSpPr>
+            <a:spLocks noGrp="1"/>
+          </p:cNvSpPr>
+          <p:nvPr>
+            <p:ph type="title"/>
+          </p:nvPr>
+        </p:nvSpPr>
+        <p:spPr>
+          <a:xfrm>
+            <a:off x="677334" y="280368"/>
+            <a:ext cx="8596668" cy="1320800"/>
+          </a:xfrm>
+        </p:spPr>
+        <p:txBody>
+          <a:bodyPr/>
+          <a:lstStyle/>
+          <a:p>
+            <a:r>
+              <a:rPr lang="es-CO" dirty="0" smtClean="0"/>
+              <a:t>Estados de juego</a:t>
+            </a:r>
+            <a:endParaRPr lang="es-ES" dirty="0"/>
+          </a:p>
+        </p:txBody>
+      </p:sp>
+      <p:sp>
+        <p:nvSpPr>
+          <p:cNvPr id="3" name="Content Placeholder 2"/>
+          <p:cNvSpPr>
+            <a:spLocks noGrp="1"/>
+          </p:cNvSpPr>
+          <p:nvPr>
+            <p:ph idx="1"/>
+          </p:nvPr>
+        </p:nvSpPr>
+        <p:spPr>
+          <a:xfrm>
+            <a:off x="677334" y="1312471"/>
+            <a:ext cx="5915055" cy="4170542"/>
+          </a:xfrm>
+        </p:spPr>
+        <p:txBody>
+          <a:bodyPr/>
+          <a:lstStyle/>
+          <a:p>
+            <a:r>
+              <a:rPr lang="es-CO" dirty="0" smtClean="0"/>
+              <a:t>El estado de juego es el estado actual en que se encuentra el tablero en una jugada determinada.</a:t>
+            </a:r>
+          </a:p>
+          <a:p>
+            <a:r>
+              <a:rPr lang="es-CO" dirty="0" smtClean="0"/>
+              <a:t>Para una manipulación y validación de los datos mas sencilla se paso de un arreglo bidimensional como lo es el </a:t>
+            </a:r>
+            <a:r>
+              <a:rPr lang="es-CO" dirty="0" err="1" smtClean="0"/>
+              <a:t>DataGridView</a:t>
+            </a:r>
+            <a:r>
+              <a:rPr lang="es-CO" dirty="0" smtClean="0"/>
+              <a:t>, al cual llamaremos </a:t>
+            </a:r>
+            <a:r>
+              <a:rPr lang="es-CO" dirty="0" err="1" smtClean="0"/>
+              <a:t>GameSpace</a:t>
+            </a:r>
+            <a:r>
+              <a:rPr lang="es-CO" dirty="0" smtClean="0"/>
+              <a:t> a un vector unidimensional de 9 posiciones que llamaremos Pos.</a:t>
+            </a:r>
+          </a:p>
+          <a:p>
+            <a:r>
+              <a:rPr lang="es-CO" dirty="0" smtClean="0"/>
+              <a:t>Al final de la manipulación del vector Pos, se vuelven a pasar los valores al </a:t>
+            </a:r>
+            <a:r>
+              <a:rPr lang="es-CO" dirty="0" err="1" smtClean="0"/>
+              <a:t>GameSpace</a:t>
+            </a:r>
+            <a:r>
+              <a:rPr lang="es-CO" dirty="0" smtClean="0"/>
+              <a:t> para ser mostrados al usuario.</a:t>
+            </a:r>
+            <a:endParaRPr lang="es-ES" dirty="0"/>
+          </a:p>
+        </p:txBody>
+      </p:sp>
+      <p:graphicFrame>
+        <p:nvGraphicFramePr>
+          <p:cNvPr id="4" name="Table 3"/>
+          <p:cNvGraphicFramePr>
+            <a:graphicFrameLocks noGrp="1"/>
+          </p:cNvGraphicFramePr>
+          <p:nvPr>
+            <p:extLst>
+              <p:ext uri="{D42A27DB-BD31-4B8C-83A1-F6EECF244321}">
+                <p14:modId xmlns:p14="http://schemas.microsoft.com/office/powerpoint/2010/main" val="1815047931"/>
+              </p:ext>
+            </p:extLst>
+          </p:nvPr>
+        </p:nvGraphicFramePr>
+        <p:xfrm>
+          <a:off x="1126311" y="5127307"/>
+          <a:ext cx="1982649" cy="1387809"/>
+        </p:xfrm>
+        <a:graphic>
+          <a:graphicData uri="http://schemas.openxmlformats.org/drawingml/2006/table">
+            <a:tbl>
+              <a:tblPr firstRow="1" bandRow="1">
+                <a:tableStyleId>{5940675A-B579-460E-94D1-54222C63F5DA}</a:tableStyleId>
+              </a:tblPr>
+              <a:tblGrid>
+                <a:gridCol w="660883"/>
+                <a:gridCol w="660883"/>
+                <a:gridCol w="660883"/>
+              </a:tblGrid>
+              <a:tr h="462603">
+                <a:tc>
+                  <a:txBody>
+                    <a:bodyPr/>
+                    <a:lstStyle/>
+                    <a:p>
+                      <a:pPr algn="ctr"/>
+                      <a:r>
+                        <a:rPr lang="es-CO" dirty="0" smtClean="0"/>
+                        <a:t>X</a:t>
+                      </a:r>
+                      <a:endParaRPr lang="es-ES" dirty="0"/>
+                    </a:p>
+                  </a:txBody>
+                  <a:tcPr anchor="ctr"/>
+                </a:tc>
+                <a:tc>
+                  <a:txBody>
+                    <a:bodyPr/>
+                    <a:lstStyle/>
+                    <a:p>
+                      <a:pPr algn="ctr"/>
+                      <a:r>
+                        <a:rPr lang="es-CO" dirty="0" smtClean="0"/>
+                        <a:t>O</a:t>
+                      </a:r>
+                      <a:endParaRPr lang="es-ES" dirty="0"/>
+                    </a:p>
+                  </a:txBody>
+                  <a:tcPr anchor="ctr"/>
+                </a:tc>
+                <a:tc>
+                  <a:txBody>
+                    <a:bodyPr/>
+                    <a:lstStyle/>
+                    <a:p>
+                      <a:pPr algn="ctr"/>
+                      <a:r>
+                        <a:rPr lang="es-CO" dirty="0" smtClean="0"/>
+                        <a:t>O</a:t>
+                      </a:r>
+                      <a:endParaRPr lang="es-ES" dirty="0"/>
+                    </a:p>
+                  </a:txBody>
+                  <a:tcPr anchor="ctr"/>
+                </a:tc>
+              </a:tr>
+              <a:tr h="462603">
+                <a:tc>
+                  <a:txBody>
+                    <a:bodyPr/>
+                    <a:lstStyle/>
+                    <a:p>
+                      <a:pPr algn="ctr"/>
+                      <a:endParaRPr lang="es-ES"/>
+                    </a:p>
+                  </a:txBody>
+                  <a:tcPr anchor="ctr"/>
+                </a:tc>
+                <a:tc>
+                  <a:txBody>
+                    <a:bodyPr/>
+                    <a:lstStyle/>
+                    <a:p>
+                      <a:pPr algn="ctr"/>
+                      <a:r>
+                        <a:rPr lang="es-CO" dirty="0" smtClean="0"/>
+                        <a:t>X</a:t>
+                      </a:r>
+                      <a:endParaRPr lang="es-ES" dirty="0"/>
+                    </a:p>
+                  </a:txBody>
+                  <a:tcPr anchor="ctr"/>
+                </a:tc>
+                <a:tc>
+                  <a:txBody>
+                    <a:bodyPr/>
+                    <a:lstStyle/>
+                    <a:p>
+                      <a:pPr algn="ctr"/>
+                      <a:r>
+                        <a:rPr lang="es-CO" dirty="0" smtClean="0"/>
+                        <a:t>X</a:t>
+                      </a:r>
+                      <a:endParaRPr lang="es-ES" dirty="0"/>
+                    </a:p>
+                  </a:txBody>
+                  <a:tcPr anchor="ctr"/>
+                </a:tc>
+              </a:tr>
+              <a:tr h="462603">
+                <a:tc>
+                  <a:txBody>
+                    <a:bodyPr/>
+                    <a:lstStyle/>
+                    <a:p>
+                      <a:pPr algn="ctr"/>
+                      <a:endParaRPr lang="es-ES"/>
+                    </a:p>
+                  </a:txBody>
+                  <a:tcPr anchor="ctr"/>
+                </a:tc>
+                <a:tc>
+                  <a:txBody>
+                    <a:bodyPr/>
+                    <a:lstStyle/>
+                    <a:p>
+                      <a:pPr algn="ctr"/>
+                      <a:endParaRPr lang="es-ES"/>
+                    </a:p>
+                  </a:txBody>
+                  <a:tcPr anchor="ctr"/>
+                </a:tc>
+                <a:tc>
+                  <a:txBody>
+                    <a:bodyPr/>
+                    <a:lstStyle/>
+                    <a:p>
+                      <a:pPr algn="ctr"/>
+                      <a:endParaRPr lang="es-ES" dirty="0"/>
+                    </a:p>
+                  </a:txBody>
+                  <a:tcPr anchor="ctr"/>
+                </a:tc>
+              </a:tr>
+            </a:tbl>
+          </a:graphicData>
+        </a:graphic>
+      </p:graphicFrame>
+      <p:sp>
+        <p:nvSpPr>
+          <p:cNvPr id="5" name="Right Arrow 4"/>
+          <p:cNvSpPr/>
+          <p:nvPr/>
+        </p:nvSpPr>
+        <p:spPr>
+          <a:xfrm>
+            <a:off x="3631475" y="5242091"/>
+            <a:ext cx="1776548" cy="1158240"/>
+          </a:xfrm>
+          <a:prstGeom prst="rightArrow">
+            <a:avLst/>
+          </a:prstGeom>
+        </p:spPr>
+        <p:style>
+          <a:lnRef idx="2">
+            <a:schemeClr val="accent1">
+              <a:shade val="50000"/>
+            </a:schemeClr>
+          </a:lnRef>
+          <a:fillRef idx="1">
+            <a:schemeClr val="accent1"/>
+          </a:fillRef>
+          <a:effectRef idx="0">
+            <a:schemeClr val="accent1"/>
+          </a:effectRef>
+          <a:fontRef idx="minor">
+            <a:schemeClr val="lt1"/>
+          </a:fontRef>
+        </p:style>
+        <p:txBody>
+          <a:bodyPr rtlCol="0" anchor="ctr"/>
+          <a:lstStyle/>
+          <a:p>
+            <a:pPr algn="ctr"/>
+            <a:endParaRPr lang="es-ES"/>
+          </a:p>
+        </p:txBody>
+      </p:sp>
+      <p:graphicFrame>
+        <p:nvGraphicFramePr>
+          <p:cNvPr id="6" name="Table 5"/>
+          <p:cNvGraphicFramePr>
+            <a:graphicFrameLocks noGrp="1"/>
+          </p:cNvGraphicFramePr>
+          <p:nvPr>
+            <p:extLst>
+              <p:ext uri="{D42A27DB-BD31-4B8C-83A1-F6EECF244321}">
+                <p14:modId xmlns:p14="http://schemas.microsoft.com/office/powerpoint/2010/main" val="2028991792"/>
+              </p:ext>
+            </p:extLst>
+          </p:nvPr>
+        </p:nvGraphicFramePr>
+        <p:xfrm>
+          <a:off x="5930538" y="5635791"/>
+          <a:ext cx="3637278" cy="370840"/>
+        </p:xfrm>
+        <a:graphic>
+          <a:graphicData uri="http://schemas.openxmlformats.org/drawingml/2006/table">
+            <a:tbl>
+              <a:tblPr firstRow="1" bandRow="1">
+                <a:tableStyleId>{5940675A-B579-460E-94D1-54222C63F5DA}</a:tableStyleId>
+              </a:tblPr>
+              <a:tblGrid>
+                <a:gridCol w="404142"/>
+                <a:gridCol w="404142"/>
+                <a:gridCol w="404142"/>
+                <a:gridCol w="404142"/>
+                <a:gridCol w="404142"/>
+                <a:gridCol w="404142"/>
+                <a:gridCol w="404142"/>
+                <a:gridCol w="404142"/>
+                <a:gridCol w="404142"/>
+              </a:tblGrid>
+              <a:tr h="370840">
+                <a:tc>
+                  <a:txBody>
+                    <a:bodyPr/>
+                    <a:lstStyle/>
+                    <a:p>
+                      <a:pPr algn="ctr"/>
+                      <a:r>
+                        <a:rPr lang="es-CO" dirty="0" smtClean="0"/>
+                        <a:t>X</a:t>
+                      </a:r>
+                      <a:endParaRPr lang="es-ES" dirty="0"/>
+                    </a:p>
+                  </a:txBody>
+                  <a:tcPr anchor="ctr"/>
+                </a:tc>
+                <a:tc>
+                  <a:txBody>
+                    <a:bodyPr/>
+                    <a:lstStyle/>
+                    <a:p>
+                      <a:pPr algn="ctr"/>
+                      <a:r>
+                        <a:rPr lang="es-CO" dirty="0" smtClean="0"/>
+                        <a:t>O</a:t>
+                      </a:r>
+                      <a:endParaRPr lang="es-ES" dirty="0"/>
+                    </a:p>
+                  </a:txBody>
+                  <a:tcPr anchor="ctr"/>
+                </a:tc>
+                <a:tc>
+                  <a:txBody>
+                    <a:bodyPr/>
+                    <a:lstStyle/>
+                    <a:p>
+                      <a:pPr algn="ctr"/>
+                      <a:r>
+                        <a:rPr lang="es-CO" dirty="0" smtClean="0"/>
+                        <a:t>O</a:t>
+                      </a:r>
+                      <a:endParaRPr lang="es-ES" dirty="0"/>
+                    </a:p>
+                  </a:txBody>
+                  <a:tcPr anchor="ctr"/>
+                </a:tc>
+                <a:tc>
+                  <a:txBody>
+                    <a:bodyPr/>
+                    <a:lstStyle/>
+                    <a:p>
+                      <a:pPr algn="ctr"/>
+                      <a:endParaRPr lang="es-ES" dirty="0"/>
+                    </a:p>
+                  </a:txBody>
+                  <a:tcPr anchor="ctr"/>
+                </a:tc>
+                <a:tc>
+                  <a:txBody>
+                    <a:bodyPr/>
+                    <a:lstStyle/>
+                    <a:p>
+                      <a:pPr algn="ctr"/>
+                      <a:r>
+                        <a:rPr lang="es-CO" dirty="0" smtClean="0"/>
+                        <a:t>X</a:t>
+                      </a:r>
+                      <a:endParaRPr lang="es-ES" dirty="0"/>
+                    </a:p>
+                  </a:txBody>
+                  <a:tcPr anchor="ctr"/>
+                </a:tc>
+                <a:tc>
+                  <a:txBody>
+                    <a:bodyPr/>
+                    <a:lstStyle/>
+                    <a:p>
+                      <a:pPr algn="ctr"/>
+                      <a:r>
+                        <a:rPr lang="es-CO" dirty="0" smtClean="0"/>
+                        <a:t>X</a:t>
+                      </a:r>
+                      <a:endParaRPr lang="es-ES" dirty="0"/>
+                    </a:p>
+                  </a:txBody>
+                  <a:tcPr anchor="ctr"/>
+                </a:tc>
+                <a:tc>
+                  <a:txBody>
+                    <a:bodyPr/>
+                    <a:lstStyle/>
+                    <a:p>
+                      <a:pPr algn="ctr"/>
+                      <a:endParaRPr lang="es-ES" dirty="0"/>
+                    </a:p>
+                  </a:txBody>
+                  <a:tcPr anchor="ctr"/>
+                </a:tc>
+                <a:tc>
+                  <a:txBody>
+                    <a:bodyPr/>
+                    <a:lstStyle/>
+                    <a:p>
+                      <a:pPr algn="ctr"/>
+                      <a:endParaRPr lang="es-ES" dirty="0"/>
+                    </a:p>
+                  </a:txBody>
+                  <a:tcPr anchor="ctr"/>
+                </a:tc>
+                <a:tc>
+                  <a:txBody>
+                    <a:bodyPr/>
+                    <a:lstStyle/>
+                    <a:p>
+                      <a:pPr algn="ctr"/>
+                      <a:endParaRPr lang="es-ES" dirty="0"/>
+                    </a:p>
+                  </a:txBody>
+                  <a:tcPr anchor="ctr"/>
+                </a:tc>
+              </a:tr>
+            </a:tbl>
+          </a:graphicData>
+        </a:graphic>
+      </p:graphicFrame>
+      <p:sp>
+        <p:nvSpPr>
+          <p:cNvPr id="7" name="TextBox 6"/>
+          <p:cNvSpPr txBox="1"/>
+          <p:nvPr/>
+        </p:nvSpPr>
+        <p:spPr>
+          <a:xfrm>
+            <a:off x="5930538" y="5220936"/>
+            <a:ext cx="1663336" cy="369332"/>
+          </a:xfrm>
+          <a:prstGeom prst="rect">
+            <a:avLst/>
+          </a:prstGeom>
+          <a:noFill/>
+        </p:spPr>
+        <p:txBody>
+          <a:bodyPr wrap="square" rtlCol="0">
+            <a:spAutoFit/>
+          </a:bodyPr>
+          <a:lstStyle/>
+          <a:p>
+            <a:r>
+              <a:rPr lang="es-CO" dirty="0" smtClean="0"/>
+              <a:t>Pos</a:t>
+            </a:r>
+            <a:endParaRPr lang="es-ES" dirty="0"/>
+          </a:p>
+        </p:txBody>
+      </p:sp>
+      <p:sp>
+        <p:nvSpPr>
+          <p:cNvPr id="8" name="TextBox 7"/>
+          <p:cNvSpPr txBox="1"/>
+          <p:nvPr/>
+        </p:nvSpPr>
+        <p:spPr>
+          <a:xfrm>
+            <a:off x="1116149" y="4757975"/>
+            <a:ext cx="1933303" cy="369332"/>
+          </a:xfrm>
+          <a:prstGeom prst="rect">
+            <a:avLst/>
+          </a:prstGeom>
+          <a:noFill/>
+        </p:spPr>
+        <p:txBody>
+          <a:bodyPr wrap="square" rtlCol="0">
+            <a:spAutoFit/>
+          </a:bodyPr>
+          <a:lstStyle/>
+          <a:p>
+            <a:r>
+              <a:rPr lang="es-CO" dirty="0" err="1" smtClean="0"/>
+              <a:t>GameSpace</a:t>
+            </a:r>
+            <a:endParaRPr lang="es-ES" dirty="0"/>
+          </a:p>
+        </p:txBody>
+      </p:sp>
+      <p:graphicFrame>
+        <p:nvGraphicFramePr>
+          <p:cNvPr id="9" name="Table 8"/>
+          <p:cNvGraphicFramePr>
+            <a:graphicFrameLocks noGrp="1"/>
+          </p:cNvGraphicFramePr>
+          <p:nvPr>
+            <p:extLst>
+              <p:ext uri="{D42A27DB-BD31-4B8C-83A1-F6EECF244321}">
+                <p14:modId xmlns:p14="http://schemas.microsoft.com/office/powerpoint/2010/main" val="1200904451"/>
+              </p:ext>
+            </p:extLst>
+          </p:nvPr>
+        </p:nvGraphicFramePr>
+        <p:xfrm>
+          <a:off x="6886202" y="701035"/>
+          <a:ext cx="2681614" cy="3770239"/>
+        </p:xfrm>
+        <a:graphic>
+          <a:graphicData uri="http://schemas.openxmlformats.org/drawingml/2006/table">
+            <a:tbl>
+              <a:tblPr firstRow="1" bandRow="1">
+                <a:tableStyleId>{3B4B98B0-60AC-42C2-AFA5-B58CD77FA1E5}</a:tableStyleId>
+              </a:tblPr>
+              <a:tblGrid>
+                <a:gridCol w="1340807"/>
+                <a:gridCol w="1340807"/>
+              </a:tblGrid>
+              <a:tr h="607072">
+                <a:tc>
+                  <a:txBody>
+                    <a:bodyPr/>
+                    <a:lstStyle/>
+                    <a:p>
+                      <a:pPr algn="ctr"/>
+                      <a:r>
+                        <a:rPr lang="es-CO" sz="1600" dirty="0" smtClean="0"/>
+                        <a:t>Profundidad</a:t>
+                      </a:r>
+                      <a:endParaRPr lang="es-ES" sz="1600" dirty="0"/>
+                    </a:p>
+                  </a:txBody>
+                  <a:tcPr anchor="ctr"/>
+                </a:tc>
+                <a:tc>
+                  <a:txBody>
+                    <a:bodyPr/>
+                    <a:lstStyle/>
+                    <a:p>
+                      <a:pPr algn="ctr"/>
+                      <a:r>
+                        <a:rPr lang="es-CO" sz="1600" dirty="0" smtClean="0"/>
+                        <a:t>Estados de juego</a:t>
+                      </a:r>
+                      <a:endParaRPr lang="es-ES" sz="1600" dirty="0"/>
+                    </a:p>
+                  </a:txBody>
+                  <a:tcPr anchor="ctr"/>
+                </a:tc>
+              </a:tr>
+              <a:tr h="351463">
+                <a:tc>
+                  <a:txBody>
+                    <a:bodyPr/>
+                    <a:lstStyle/>
+                    <a:p>
+                      <a:pPr algn="ctr"/>
+                      <a:r>
+                        <a:rPr lang="es-CO" sz="1600" dirty="0" smtClean="0"/>
+                        <a:t>1</a:t>
+                      </a:r>
+                      <a:endParaRPr lang="es-ES" sz="1600" dirty="0"/>
+                    </a:p>
+                  </a:txBody>
+                  <a:tcPr anchor="ctr"/>
+                </a:tc>
+                <a:tc>
+                  <a:txBody>
+                    <a:bodyPr/>
+                    <a:lstStyle/>
+                    <a:p>
+                      <a:pPr algn="ctr"/>
+                      <a:r>
+                        <a:rPr lang="es-CO" sz="1600" dirty="0" smtClean="0"/>
+                        <a:t>23</a:t>
+                      </a:r>
+                      <a:endParaRPr lang="es-ES" sz="1600" dirty="0"/>
+                    </a:p>
+                  </a:txBody>
+                  <a:tcPr anchor="ctr"/>
+                </a:tc>
+              </a:tr>
+              <a:tr h="351463">
+                <a:tc>
+                  <a:txBody>
+                    <a:bodyPr/>
+                    <a:lstStyle/>
+                    <a:p>
+                      <a:pPr algn="ctr"/>
+                      <a:r>
+                        <a:rPr lang="es-CO" sz="1600" dirty="0" smtClean="0"/>
+                        <a:t>2</a:t>
+                      </a:r>
+                      <a:endParaRPr lang="es-ES" sz="1600" dirty="0"/>
+                    </a:p>
+                  </a:txBody>
+                  <a:tcPr anchor="ctr"/>
+                </a:tc>
+                <a:tc>
+                  <a:txBody>
+                    <a:bodyPr/>
+                    <a:lstStyle/>
+                    <a:p>
+                      <a:pPr algn="ctr"/>
+                      <a:r>
+                        <a:rPr lang="es-CO" sz="1600" dirty="0" smtClean="0"/>
+                        <a:t>162</a:t>
+                      </a:r>
+                      <a:endParaRPr lang="es-ES" sz="1600" dirty="0"/>
+                    </a:p>
+                  </a:txBody>
+                  <a:tcPr anchor="ctr"/>
+                </a:tc>
+              </a:tr>
+              <a:tr h="351463">
+                <a:tc>
+                  <a:txBody>
+                    <a:bodyPr/>
+                    <a:lstStyle/>
+                    <a:p>
+                      <a:pPr algn="ctr"/>
+                      <a:r>
+                        <a:rPr lang="es-CO" sz="1600" dirty="0" smtClean="0"/>
+                        <a:t>3</a:t>
+                      </a:r>
+                      <a:endParaRPr lang="es-ES" sz="1600" dirty="0"/>
+                    </a:p>
+                  </a:txBody>
+                  <a:tcPr anchor="ctr"/>
+                </a:tc>
+                <a:tc>
+                  <a:txBody>
+                    <a:bodyPr/>
+                    <a:lstStyle/>
+                    <a:p>
+                      <a:pPr algn="ctr"/>
+                      <a:r>
+                        <a:rPr lang="es-CO" sz="1600" dirty="0" smtClean="0"/>
+                        <a:t>929</a:t>
+                      </a:r>
+                      <a:endParaRPr lang="es-ES" sz="1600" dirty="0"/>
+                    </a:p>
+                  </a:txBody>
+                  <a:tcPr anchor="ctr"/>
+                </a:tc>
+              </a:tr>
+              <a:tr h="351463">
+                <a:tc>
+                  <a:txBody>
+                    <a:bodyPr/>
+                    <a:lstStyle/>
+                    <a:p>
+                      <a:pPr algn="ctr"/>
+                      <a:r>
+                        <a:rPr lang="es-CO" sz="1600" dirty="0" smtClean="0"/>
+                        <a:t>4</a:t>
+                      </a:r>
+                      <a:endParaRPr lang="es-ES" sz="1600" dirty="0"/>
+                    </a:p>
+                  </a:txBody>
+                  <a:tcPr anchor="ctr"/>
+                </a:tc>
+                <a:tc>
+                  <a:txBody>
+                    <a:bodyPr/>
+                    <a:lstStyle/>
+                    <a:p>
+                      <a:pPr algn="ctr"/>
+                      <a:r>
+                        <a:rPr lang="es-CO" sz="1600" dirty="0" smtClean="0"/>
+                        <a:t>4753</a:t>
+                      </a:r>
+                      <a:endParaRPr lang="es-ES" sz="1600" dirty="0"/>
+                    </a:p>
+                  </a:txBody>
+                  <a:tcPr anchor="ctr"/>
+                </a:tc>
+              </a:tr>
+              <a:tr h="351463">
+                <a:tc>
+                  <a:txBody>
+                    <a:bodyPr/>
+                    <a:lstStyle/>
+                    <a:p>
+                      <a:pPr algn="ctr"/>
+                      <a:r>
+                        <a:rPr lang="es-CO" sz="1600" dirty="0" smtClean="0"/>
+                        <a:t>5</a:t>
+                      </a:r>
+                      <a:endParaRPr lang="es-ES" sz="1600" dirty="0"/>
+                    </a:p>
+                  </a:txBody>
+                  <a:tcPr anchor="ctr"/>
+                </a:tc>
+                <a:tc>
+                  <a:txBody>
+                    <a:bodyPr/>
+                    <a:lstStyle/>
+                    <a:p>
+                      <a:pPr algn="ctr"/>
+                      <a:r>
+                        <a:rPr lang="es-CO" sz="1600" dirty="0" smtClean="0"/>
+                        <a:t>20900</a:t>
+                      </a:r>
+                      <a:endParaRPr lang="es-ES" sz="1600" dirty="0"/>
+                    </a:p>
+                  </a:txBody>
+                  <a:tcPr anchor="ctr"/>
+                </a:tc>
+              </a:tr>
+              <a:tr h="351463">
+                <a:tc>
+                  <a:txBody>
+                    <a:bodyPr/>
+                    <a:lstStyle/>
+                    <a:p>
+                      <a:pPr algn="ctr"/>
+                      <a:r>
+                        <a:rPr lang="es-CO" sz="1600" dirty="0" smtClean="0"/>
+                        <a:t>6</a:t>
+                      </a:r>
+                      <a:endParaRPr lang="es-ES" sz="1600" dirty="0"/>
+                    </a:p>
+                  </a:txBody>
+                  <a:tcPr anchor="ctr"/>
+                </a:tc>
+                <a:tc>
+                  <a:txBody>
+                    <a:bodyPr/>
+                    <a:lstStyle/>
+                    <a:p>
+                      <a:pPr algn="ctr"/>
+                      <a:r>
+                        <a:rPr lang="es-CO" sz="1600" dirty="0" smtClean="0"/>
+                        <a:t>75434</a:t>
+                      </a:r>
+                      <a:endParaRPr lang="es-ES" sz="1600" dirty="0"/>
+                    </a:p>
+                  </a:txBody>
+                  <a:tcPr anchor="ctr"/>
+                </a:tc>
+              </a:tr>
+              <a:tr h="351463">
+                <a:tc>
+                  <a:txBody>
+                    <a:bodyPr/>
+                    <a:lstStyle/>
+                    <a:p>
+                      <a:pPr algn="ctr"/>
+                      <a:r>
+                        <a:rPr lang="es-CO" sz="1600" dirty="0" smtClean="0"/>
+                        <a:t>7</a:t>
+                      </a:r>
+                      <a:endParaRPr lang="es-ES" sz="1600" dirty="0"/>
+                    </a:p>
+                  </a:txBody>
+                  <a:tcPr anchor="ctr"/>
+                </a:tc>
+                <a:tc>
+                  <a:txBody>
+                    <a:bodyPr/>
+                    <a:lstStyle/>
+                    <a:p>
+                      <a:pPr algn="ctr"/>
+                      <a:r>
+                        <a:rPr lang="es-CO" sz="1600" dirty="0" smtClean="0"/>
+                        <a:t>114914</a:t>
+                      </a:r>
+                      <a:endParaRPr lang="es-ES" sz="1600" dirty="0"/>
+                    </a:p>
+                  </a:txBody>
+                  <a:tcPr anchor="ctr"/>
+                </a:tc>
+              </a:tr>
+              <a:tr h="351463">
+                <a:tc>
+                  <a:txBody>
+                    <a:bodyPr/>
+                    <a:lstStyle/>
+                    <a:p>
+                      <a:pPr algn="ctr"/>
+                      <a:r>
+                        <a:rPr lang="es-CO" sz="1600" dirty="0" smtClean="0"/>
+                        <a:t>8</a:t>
+                      </a:r>
+                      <a:endParaRPr lang="es-ES" sz="1600" dirty="0"/>
+                    </a:p>
+                  </a:txBody>
+                  <a:tcPr anchor="ctr"/>
+                </a:tc>
+                <a:tc>
+                  <a:txBody>
+                    <a:bodyPr/>
+                    <a:lstStyle/>
+                    <a:p>
+                      <a:pPr algn="ctr"/>
+                      <a:r>
+                        <a:rPr lang="es-CO" sz="1600" dirty="0" smtClean="0"/>
+                        <a:t>214983</a:t>
+                      </a:r>
+                      <a:endParaRPr lang="es-ES" sz="1600" dirty="0"/>
+                    </a:p>
+                  </a:txBody>
+                  <a:tcPr anchor="ctr"/>
+                </a:tc>
+              </a:tr>
+              <a:tr h="351463">
+                <a:tc>
+                  <a:txBody>
+                    <a:bodyPr/>
+                    <a:lstStyle/>
+                    <a:p>
+                      <a:pPr algn="ctr"/>
+                      <a:r>
+                        <a:rPr lang="es-CO" sz="1600" dirty="0" smtClean="0"/>
+                        <a:t>9</a:t>
+                      </a:r>
+                      <a:endParaRPr lang="es-ES" sz="1600" dirty="0"/>
+                    </a:p>
+                  </a:txBody>
+                  <a:tcPr anchor="ctr"/>
+                </a:tc>
+                <a:tc>
+                  <a:txBody>
+                    <a:bodyPr/>
+                    <a:lstStyle/>
+                    <a:p>
+                      <a:pPr algn="ctr"/>
+                      <a:r>
+                        <a:rPr lang="es-CO" sz="1600" dirty="0" smtClean="0"/>
+                        <a:t>278538</a:t>
+                      </a:r>
+                      <a:endParaRPr lang="es-ES" sz="1600" dirty="0"/>
+                    </a:p>
+                  </a:txBody>
+                  <a:tcPr anchor="ctr"/>
+                </a:tc>
+              </a:tr>
+            </a:tbl>
+          </a:graphicData>
+        </a:graphic>
+      </p:graphicFrame>
+    </p:spTree>
+    <p:extLst>
+      <p:ext uri="{BB962C8B-B14F-4D97-AF65-F5344CB8AC3E}">
+        <p14:creationId xmlns:p14="http://schemas.microsoft.com/office/powerpoint/2010/main" val="1319117432"/>
+      </p:ext>
+    </p:extLst>
+  </p:cSld>
+  <p:clrMapOvr>
+    <a:masterClrMapping/>
+  </p:clrMapOvr>
+  <p:timing>
+    <p:tnLst>
+      <p:par>
+        <p:cTn id="1" dur="indefinite" restart="never" nodeType="tmRoot"/>
+      </p:par>
+    </p:tnLst>
+  </p:timing>
+</p:sld>
+</file>
+
+<file path=ppt/slides/slide8.xml><?xml version="1.0" encoding="utf-8"?>
+<p:sld xmlns:a="http://schemas.openxmlformats.org/drawingml/2006/main" xmlns:r="http://schemas.openxmlformats.org/officeDocument/2006/relationships" xmlns:p="http://schemas.openxmlformats.org/presentationml/2006/main">
+  <p:cSld>
+    <p:spTree>
+      <p:nvGrpSpPr>
+        <p:cNvPr id="1" name=""/>
+        <p:cNvGrpSpPr/>
+        <p:nvPr/>
+      </p:nvGrpSpPr>
+      <p:grpSpPr>
+        <a:xfrm>
+          <a:off x="0" y="0"/>
+          <a:ext cx="0" cy="0"/>
+          <a:chOff x="0" y="0"/>
+          <a:chExt cx="0" cy="0"/>
+        </a:xfrm>
+      </p:grpSpPr>
+      <p:sp>
+        <p:nvSpPr>
+          <p:cNvPr id="2" name="Title 1"/>
+          <p:cNvSpPr>
+            <a:spLocks noGrp="1"/>
+          </p:cNvSpPr>
+          <p:nvPr>
+            <p:ph type="title"/>
+          </p:nvPr>
+        </p:nvSpPr>
+        <p:spPr/>
+        <p:txBody>
+          <a:bodyPr/>
+          <a:lstStyle/>
+          <a:p>
+            <a:r>
+              <a:rPr lang="es-CO" dirty="0" smtClean="0"/>
+              <a:t>Seleccionar el ganador o el empate</a:t>
+            </a:r>
+            <a:endParaRPr lang="es-ES" dirty="0"/>
+          </a:p>
+        </p:txBody>
+      </p:sp>
+      <p:sp>
+        <p:nvSpPr>
+          <p:cNvPr id="3" name="Content Placeholder 2"/>
+          <p:cNvSpPr>
+            <a:spLocks noGrp="1"/>
+          </p:cNvSpPr>
+          <p:nvPr>
+            <p:ph idx="1"/>
+          </p:nvPr>
+        </p:nvSpPr>
+        <p:spPr>
+          <a:xfrm>
+            <a:off x="677334" y="1864498"/>
+            <a:ext cx="8596668" cy="3880773"/>
+          </a:xfrm>
+        </p:spPr>
+        <p:txBody>
+          <a:bodyPr/>
+          <a:lstStyle/>
+          <a:p>
+            <a:r>
+              <a:rPr lang="es-CO" dirty="0" smtClean="0"/>
+              <a:t>Para seleccionar el ganador en un estado de juego especifico se empleo una función llamada </a:t>
+            </a:r>
+            <a:r>
+              <a:rPr lang="es-CO" dirty="0" err="1" smtClean="0"/>
+              <a:t>winner</a:t>
+            </a:r>
+            <a:r>
+              <a:rPr lang="es-CO" dirty="0" smtClean="0"/>
+              <a:t>(), que recibe como parámetro un arreglo de </a:t>
+            </a:r>
+            <a:r>
+              <a:rPr lang="es-CO" dirty="0" err="1" smtClean="0"/>
+              <a:t>Strings</a:t>
+            </a:r>
+            <a:r>
+              <a:rPr lang="es-CO" dirty="0" smtClean="0"/>
+              <a:t>, que siempre será Pos.</a:t>
+            </a:r>
+            <a:br>
+              <a:rPr lang="es-CO" dirty="0" smtClean="0"/>
+            </a:br>
+            <a:r>
+              <a:rPr lang="es-CO" dirty="0" smtClean="0"/>
+              <a:t>Esta función analiza las 9 opciones posibles de que haya un ganador para ambas figuras (X y O) y retorna 1 cuando el ganador es X y -1 cuando el ganador es O. Si no existe ganador se retorna 0.</a:t>
+            </a:r>
+            <a:endParaRPr lang="es-ES" dirty="0" smtClean="0"/>
+          </a:p>
+          <a:p>
+            <a:endParaRPr lang="es-CO" dirty="0" smtClean="0"/>
+          </a:p>
+        </p:txBody>
+      </p:sp>
+      <p:graphicFrame>
+        <p:nvGraphicFramePr>
+          <p:cNvPr id="4" name="Table 3"/>
+          <p:cNvGraphicFramePr>
+            <a:graphicFrameLocks noGrp="1"/>
+          </p:cNvGraphicFramePr>
+          <p:nvPr>
+            <p:extLst>
+              <p:ext uri="{D42A27DB-BD31-4B8C-83A1-F6EECF244321}">
+                <p14:modId xmlns:p14="http://schemas.microsoft.com/office/powerpoint/2010/main" val="4198584513"/>
+              </p:ext>
+            </p:extLst>
+          </p:nvPr>
+        </p:nvGraphicFramePr>
+        <p:xfrm>
+          <a:off x="917304" y="4455641"/>
+          <a:ext cx="1869438" cy="1579398"/>
+        </p:xfrm>
+        <a:graphic>
+          <a:graphicData uri="http://schemas.openxmlformats.org/drawingml/2006/table">
+            <a:tbl>
+              <a:tblPr firstRow="1" bandRow="1">
+                <a:tableStyleId>{5940675A-B579-460E-94D1-54222C63F5DA}</a:tableStyleId>
+              </a:tblPr>
+              <a:tblGrid>
+                <a:gridCol w="623146"/>
+                <a:gridCol w="623146"/>
+                <a:gridCol w="623146"/>
+              </a:tblGrid>
+              <a:tr h="526466">
+                <a:tc>
+                  <a:txBody>
+                    <a:bodyPr/>
+                    <a:lstStyle/>
+                    <a:p>
+                      <a:r>
+                        <a:rPr lang="es-CO" dirty="0" smtClean="0"/>
+                        <a:t>0</a:t>
+                      </a:r>
+                      <a:endParaRPr lang="es-ES" dirty="0"/>
+                    </a:p>
+                  </a:txBody>
+                  <a:tcPr/>
+                </a:tc>
+                <a:tc>
+                  <a:txBody>
+                    <a:bodyPr/>
+                    <a:lstStyle/>
+                    <a:p>
+                      <a:r>
+                        <a:rPr lang="es-CO" dirty="0" smtClean="0"/>
+                        <a:t>1</a:t>
+                      </a:r>
+                      <a:endParaRPr lang="es-ES" dirty="0"/>
+                    </a:p>
+                  </a:txBody>
+                  <a:tcPr/>
+                </a:tc>
+                <a:tc>
+                  <a:txBody>
+                    <a:bodyPr/>
+                    <a:lstStyle/>
+                    <a:p>
+                      <a:r>
+                        <a:rPr lang="es-CO" dirty="0" smtClean="0"/>
+                        <a:t>2</a:t>
+                      </a:r>
+                      <a:endParaRPr lang="es-ES" dirty="0"/>
+                    </a:p>
+                  </a:txBody>
+                  <a:tcPr/>
+                </a:tc>
+              </a:tr>
+              <a:tr h="526466">
+                <a:tc>
+                  <a:txBody>
+                    <a:bodyPr/>
+                    <a:lstStyle/>
+                    <a:p>
+                      <a:r>
+                        <a:rPr lang="es-CO" dirty="0" smtClean="0"/>
+                        <a:t>3</a:t>
+                      </a:r>
+                      <a:endParaRPr lang="es-ES" dirty="0"/>
+                    </a:p>
+                  </a:txBody>
+                  <a:tcPr/>
+                </a:tc>
+                <a:tc>
+                  <a:txBody>
+                    <a:bodyPr/>
+                    <a:lstStyle/>
+                    <a:p>
+                      <a:r>
+                        <a:rPr lang="es-CO" dirty="0" smtClean="0"/>
+                        <a:t>4</a:t>
+                      </a:r>
+                      <a:endParaRPr lang="es-ES" dirty="0"/>
+                    </a:p>
+                  </a:txBody>
+                  <a:tcPr/>
+                </a:tc>
+                <a:tc>
+                  <a:txBody>
+                    <a:bodyPr/>
+                    <a:lstStyle/>
+                    <a:p>
+                      <a:r>
+                        <a:rPr lang="es-CO" dirty="0" smtClean="0"/>
+                        <a:t>5</a:t>
+                      </a:r>
+                      <a:endParaRPr lang="es-ES" dirty="0"/>
+                    </a:p>
+                  </a:txBody>
+                  <a:tcPr/>
+                </a:tc>
+              </a:tr>
+              <a:tr h="526466">
+                <a:tc>
+                  <a:txBody>
+                    <a:bodyPr/>
+                    <a:lstStyle/>
+                    <a:p>
+                      <a:r>
+                        <a:rPr lang="es-CO" dirty="0" smtClean="0"/>
+                        <a:t>6</a:t>
+                      </a:r>
+                      <a:endParaRPr lang="es-ES" dirty="0"/>
+                    </a:p>
+                  </a:txBody>
+                  <a:tcPr/>
+                </a:tc>
+                <a:tc>
+                  <a:txBody>
+                    <a:bodyPr/>
+                    <a:lstStyle/>
+                    <a:p>
+                      <a:r>
+                        <a:rPr lang="es-CO" dirty="0" smtClean="0"/>
+                        <a:t>7</a:t>
+                      </a:r>
+                      <a:endParaRPr lang="es-ES" dirty="0"/>
+                    </a:p>
+                  </a:txBody>
+                  <a:tcPr/>
+                </a:tc>
+                <a:tc>
+                  <a:txBody>
+                    <a:bodyPr/>
+                    <a:lstStyle/>
+                    <a:p>
+                      <a:r>
+                        <a:rPr lang="es-CO" dirty="0" smtClean="0"/>
+                        <a:t>8</a:t>
+                      </a:r>
+                      <a:endParaRPr lang="es-ES" dirty="0"/>
+                    </a:p>
+                  </a:txBody>
+                  <a:tcPr/>
+                </a:tc>
+              </a:tr>
+            </a:tbl>
+          </a:graphicData>
+        </a:graphic>
+      </p:graphicFrame>
+      <p:sp>
+        <p:nvSpPr>
+          <p:cNvPr id="5" name="Right Arrow 4"/>
+          <p:cNvSpPr/>
+          <p:nvPr/>
+        </p:nvSpPr>
+        <p:spPr>
+          <a:xfrm>
+            <a:off x="3196046" y="4937760"/>
+            <a:ext cx="1524000" cy="696686"/>
+          </a:xfrm>
+          <a:prstGeom prst="rightArrow">
+            <a:avLst/>
+          </a:prstGeom>
+        </p:spPr>
+        <p:style>
+          <a:lnRef idx="2">
+            <a:schemeClr val="accent1">
+              <a:shade val="50000"/>
+            </a:schemeClr>
+          </a:lnRef>
+          <a:fillRef idx="1">
+            <a:schemeClr val="accent1"/>
+          </a:fillRef>
+          <a:effectRef idx="0">
+            <a:schemeClr val="accent1"/>
+          </a:effectRef>
+          <a:fontRef idx="minor">
+            <a:schemeClr val="lt1"/>
+          </a:fontRef>
+        </p:style>
+        <p:txBody>
+          <a:bodyPr rtlCol="0" anchor="ctr"/>
+          <a:lstStyle/>
+          <a:p>
+            <a:pPr algn="ctr"/>
+            <a:endParaRPr lang="es-ES"/>
+          </a:p>
+        </p:txBody>
+      </p:sp>
+      <p:sp>
+        <p:nvSpPr>
+          <p:cNvPr id="6" name="TextBox 5"/>
+          <p:cNvSpPr txBox="1"/>
+          <p:nvPr/>
+        </p:nvSpPr>
+        <p:spPr>
+          <a:xfrm>
+            <a:off x="5020178" y="4402555"/>
+            <a:ext cx="4284618" cy="369332"/>
+          </a:xfrm>
+          <a:prstGeom prst="rect">
+            <a:avLst/>
+          </a:prstGeom>
+          <a:noFill/>
+        </p:spPr>
+        <p:txBody>
+          <a:bodyPr wrap="square" rtlCol="0">
+            <a:spAutoFit/>
+          </a:bodyPr>
+          <a:lstStyle/>
+          <a:p>
+            <a:r>
+              <a:rPr lang="es-CO" dirty="0" smtClean="0"/>
+              <a:t>Si 0,1,2 son X, X gana y se retorna 1</a:t>
+            </a:r>
+            <a:endParaRPr lang="es-ES" dirty="0"/>
+          </a:p>
+        </p:txBody>
+      </p:sp>
+      <p:sp>
+        <p:nvSpPr>
+          <p:cNvPr id="7" name="TextBox 6"/>
+          <p:cNvSpPr txBox="1"/>
+          <p:nvPr/>
+        </p:nvSpPr>
+        <p:spPr>
+          <a:xfrm>
+            <a:off x="5020178" y="5101437"/>
+            <a:ext cx="4284618" cy="369332"/>
+          </a:xfrm>
+          <a:prstGeom prst="rect">
+            <a:avLst/>
+          </a:prstGeom>
+          <a:noFill/>
+        </p:spPr>
+        <p:txBody>
+          <a:bodyPr wrap="square" rtlCol="0">
+            <a:spAutoFit/>
+          </a:bodyPr>
+          <a:lstStyle/>
+          <a:p>
+            <a:r>
+              <a:rPr lang="es-CO" dirty="0" smtClean="0"/>
+              <a:t>Si 0,1,2 son O, </a:t>
+            </a:r>
+            <a:r>
+              <a:rPr lang="es-CO" dirty="0"/>
+              <a:t>O</a:t>
+            </a:r>
+            <a:r>
+              <a:rPr lang="es-CO" dirty="0" smtClean="0"/>
+              <a:t> gana y se retorna -1</a:t>
+            </a:r>
+            <a:endParaRPr lang="es-ES" dirty="0"/>
+          </a:p>
+        </p:txBody>
+      </p:sp>
+      <p:sp>
+        <p:nvSpPr>
+          <p:cNvPr id="8" name="TextBox 7"/>
+          <p:cNvSpPr txBox="1"/>
+          <p:nvPr/>
+        </p:nvSpPr>
+        <p:spPr>
+          <a:xfrm>
+            <a:off x="5059367" y="5705489"/>
+            <a:ext cx="4284618" cy="369332"/>
+          </a:xfrm>
+          <a:prstGeom prst="rect">
+            <a:avLst/>
+          </a:prstGeom>
+          <a:noFill/>
+        </p:spPr>
+        <p:txBody>
+          <a:bodyPr wrap="square" rtlCol="0">
+            <a:spAutoFit/>
+          </a:bodyPr>
+          <a:lstStyle/>
+          <a:p>
+            <a:r>
+              <a:rPr lang="es-CO" dirty="0" smtClean="0"/>
+              <a:t>Si 0,4,8 son X, X gana y se retorna 1</a:t>
+            </a:r>
+            <a:endParaRPr lang="es-ES" dirty="0"/>
+          </a:p>
+        </p:txBody>
+      </p:sp>
+    </p:spTree>
+    <p:extLst>
+      <p:ext uri="{BB962C8B-B14F-4D97-AF65-F5344CB8AC3E}">
+        <p14:creationId xmlns:p14="http://schemas.microsoft.com/office/powerpoint/2010/main" val="2893721060"/>
+      </p:ext>
+    </p:extLst>
+  </p:cSld>
+  <p:clrMapOvr>
+    <a:masterClrMapping/>
+  </p:clrMapOvr>
+  <p:timing>
+    <p:tnLst>
+      <p:par>
+        <p:cTn id="1" dur="indefinite" restart="never" nodeType="tmRoot"/>
+      </p:par>
+    </p:tnLst>
+  </p:timing>
+</p:sld>
+</file>
+
+<file path=ppt/slides/slide9.xml><?xml version="1.0" encoding="utf-8"?>
+<p:sld xmlns:a="http://schemas.openxmlformats.org/drawingml/2006/main" xmlns:r="http://schemas.openxmlformats.org/officeDocument/2006/relationships" xmlns:p="http://schemas.openxmlformats.org/presentationml/2006/main">
+  <p:cSld>
+    <p:spTree>
+      <p:nvGrpSpPr>
+        <p:cNvPr id="1" name=""/>
+        <p:cNvGrpSpPr/>
+        <p:nvPr/>
+      </p:nvGrpSpPr>
+      <p:grpSpPr>
+        <a:xfrm>
+          <a:off x="0" y="0"/>
+          <a:ext cx="0" cy="0"/>
+          <a:chOff x="0" y="0"/>
+          <a:chExt cx="0" cy="0"/>
+        </a:xfrm>
+      </p:grpSpPr>
+      <p:sp>
+        <p:nvSpPr>
+          <p:cNvPr id="3" name="Content Placeholder 2"/>
+          <p:cNvSpPr>
+            <a:spLocks noGrp="1"/>
+          </p:cNvSpPr>
+          <p:nvPr>
+            <p:ph idx="1"/>
+          </p:nvPr>
+        </p:nvSpPr>
+        <p:spPr>
+          <a:xfrm>
+            <a:off x="659917" y="809898"/>
+            <a:ext cx="8596668" cy="5492722"/>
+          </a:xfrm>
+        </p:spPr>
+        <p:txBody>
+          <a:bodyPr/>
+          <a:lstStyle/>
+          <a:p>
+            <a:r>
+              <a:rPr lang="es-CO" dirty="0" smtClean="0"/>
+              <a:t>Para seleccionar cuando hay un empate se utilizó una función llamada </a:t>
+            </a:r>
+            <a:r>
+              <a:rPr lang="es-CO" dirty="0" err="1" smtClean="0"/>
+              <a:t>draw</a:t>
+            </a:r>
+            <a:r>
+              <a:rPr lang="es-CO" dirty="0" smtClean="0"/>
+              <a:t>() que recibe como parámetro un arreglo de </a:t>
+            </a:r>
+            <a:r>
+              <a:rPr lang="es-CO" dirty="0" err="1" smtClean="0"/>
+              <a:t>Strings</a:t>
+            </a:r>
+            <a:r>
+              <a:rPr lang="es-CO" dirty="0" smtClean="0"/>
+              <a:t>, que seria Pos, que cuenta cuantas X y cuantas O hay en el tablero.</a:t>
+            </a:r>
+            <a:br>
+              <a:rPr lang="es-CO" dirty="0" smtClean="0"/>
+            </a:br>
+            <a:r>
+              <a:rPr lang="es-CO" dirty="0" smtClean="0"/>
+              <a:t/>
+            </a:r>
+            <a:br>
+              <a:rPr lang="es-CO" dirty="0" smtClean="0"/>
+            </a:br>
+            <a:r>
+              <a:rPr lang="es-CO" dirty="0" smtClean="0"/>
+              <a:t>Si hay 9 y no hay un ganador, existe un empate y esta función retorna 0, de lo contrario retorna 2</a:t>
+            </a:r>
+            <a:endParaRPr lang="es-ES" dirty="0"/>
+          </a:p>
+        </p:txBody>
+      </p:sp>
+      <p:graphicFrame>
+        <p:nvGraphicFramePr>
+          <p:cNvPr id="5" name="Table 4"/>
+          <p:cNvGraphicFramePr>
+            <a:graphicFrameLocks noGrp="1"/>
+          </p:cNvGraphicFramePr>
+          <p:nvPr>
+            <p:extLst>
+              <p:ext uri="{D42A27DB-BD31-4B8C-83A1-F6EECF244321}">
+                <p14:modId xmlns:p14="http://schemas.microsoft.com/office/powerpoint/2010/main" val="1419363877"/>
+              </p:ext>
+            </p:extLst>
+          </p:nvPr>
+        </p:nvGraphicFramePr>
+        <p:xfrm>
+          <a:off x="908595" y="3715412"/>
+          <a:ext cx="2052318" cy="1710027"/>
+        </p:xfrm>
+        <a:graphic>
+          <a:graphicData uri="http://schemas.openxmlformats.org/drawingml/2006/table">
+            <a:tbl>
+              <a:tblPr firstRow="1" bandRow="1">
+                <a:tableStyleId>{5940675A-B579-460E-94D1-54222C63F5DA}</a:tableStyleId>
+              </a:tblPr>
+              <a:tblGrid>
+                <a:gridCol w="684106"/>
+                <a:gridCol w="684106"/>
+                <a:gridCol w="684106"/>
+              </a:tblGrid>
+              <a:tr h="570009">
+                <a:tc>
+                  <a:txBody>
+                    <a:bodyPr/>
+                    <a:lstStyle/>
+                    <a:p>
+                      <a:r>
+                        <a:rPr lang="es-CO" dirty="0" smtClean="0"/>
+                        <a:t>X</a:t>
+                      </a:r>
+                      <a:endParaRPr lang="es-ES" dirty="0"/>
+                    </a:p>
+                  </a:txBody>
+                  <a:tcPr/>
+                </a:tc>
+                <a:tc>
+                  <a:txBody>
+                    <a:bodyPr/>
+                    <a:lstStyle/>
+                    <a:p>
+                      <a:r>
+                        <a:rPr lang="es-CO" dirty="0" smtClean="0"/>
+                        <a:t>O</a:t>
+                      </a:r>
+                      <a:endParaRPr lang="es-ES" dirty="0"/>
+                    </a:p>
+                  </a:txBody>
+                  <a:tcPr/>
+                </a:tc>
+                <a:tc>
+                  <a:txBody>
+                    <a:bodyPr/>
+                    <a:lstStyle/>
+                    <a:p>
+                      <a:r>
+                        <a:rPr lang="es-CO" dirty="0" smtClean="0"/>
+                        <a:t>X</a:t>
+                      </a:r>
+                      <a:endParaRPr lang="es-ES" dirty="0"/>
+                    </a:p>
+                  </a:txBody>
+                  <a:tcPr/>
+                </a:tc>
+              </a:tr>
+              <a:tr h="570009">
+                <a:tc>
+                  <a:txBody>
+                    <a:bodyPr/>
+                    <a:lstStyle/>
+                    <a:p>
+                      <a:r>
+                        <a:rPr lang="es-CO" dirty="0" smtClean="0"/>
+                        <a:t>O</a:t>
+                      </a:r>
+                      <a:endParaRPr lang="es-ES" dirty="0"/>
+                    </a:p>
+                  </a:txBody>
+                  <a:tcPr/>
+                </a:tc>
+                <a:tc>
+                  <a:txBody>
+                    <a:bodyPr/>
+                    <a:lstStyle/>
+                    <a:p>
+                      <a:r>
+                        <a:rPr lang="es-CO" dirty="0" smtClean="0"/>
+                        <a:t>X</a:t>
+                      </a:r>
+                      <a:endParaRPr lang="es-ES" dirty="0"/>
+                    </a:p>
+                  </a:txBody>
+                  <a:tcPr/>
+                </a:tc>
+                <a:tc>
+                  <a:txBody>
+                    <a:bodyPr/>
+                    <a:lstStyle/>
+                    <a:p>
+                      <a:r>
+                        <a:rPr lang="es-CO" dirty="0" smtClean="0"/>
+                        <a:t>O</a:t>
+                      </a:r>
+                      <a:endParaRPr lang="es-ES" dirty="0"/>
+                    </a:p>
+                  </a:txBody>
+                  <a:tcPr/>
+                </a:tc>
+              </a:tr>
+              <a:tr h="570009">
+                <a:tc>
+                  <a:txBody>
+                    <a:bodyPr/>
+                    <a:lstStyle/>
+                    <a:p>
+                      <a:r>
+                        <a:rPr lang="es-CO" dirty="0" smtClean="0"/>
+                        <a:t>O</a:t>
+                      </a:r>
+                      <a:endParaRPr lang="es-ES" dirty="0"/>
+                    </a:p>
+                  </a:txBody>
+                  <a:tcPr/>
+                </a:tc>
+                <a:tc>
+                  <a:txBody>
+                    <a:bodyPr/>
+                    <a:lstStyle/>
+                    <a:p>
+                      <a:r>
+                        <a:rPr lang="es-CO" dirty="0" smtClean="0"/>
+                        <a:t>X</a:t>
+                      </a:r>
+                      <a:endParaRPr lang="es-ES" dirty="0"/>
+                    </a:p>
+                  </a:txBody>
+                  <a:tcPr/>
+                </a:tc>
+                <a:tc>
+                  <a:txBody>
+                    <a:bodyPr/>
+                    <a:lstStyle/>
+                    <a:p>
+                      <a:r>
+                        <a:rPr lang="es-CO" dirty="0" smtClean="0"/>
+                        <a:t>O</a:t>
+                      </a:r>
+                      <a:endParaRPr lang="es-ES" dirty="0"/>
+                    </a:p>
+                  </a:txBody>
+                  <a:tcPr/>
+                </a:tc>
+              </a:tr>
+            </a:tbl>
+          </a:graphicData>
+        </a:graphic>
+      </p:graphicFrame>
+      <p:sp>
+        <p:nvSpPr>
+          <p:cNvPr id="7" name="TextBox 6"/>
+          <p:cNvSpPr txBox="1"/>
+          <p:nvPr/>
+        </p:nvSpPr>
+        <p:spPr>
+          <a:xfrm>
+            <a:off x="908595" y="5686697"/>
+            <a:ext cx="2139405" cy="369332"/>
+          </a:xfrm>
+          <a:prstGeom prst="rect">
+            <a:avLst/>
+          </a:prstGeom>
+          <a:noFill/>
+        </p:spPr>
+        <p:txBody>
+          <a:bodyPr wrap="square" rtlCol="0">
+            <a:spAutoFit/>
+          </a:bodyPr>
+          <a:lstStyle/>
+          <a:p>
+            <a:r>
+              <a:rPr lang="es-CO" dirty="0" smtClean="0"/>
+              <a:t>Retorna 0</a:t>
+            </a:r>
+            <a:endParaRPr lang="es-ES" dirty="0"/>
+          </a:p>
+        </p:txBody>
+      </p:sp>
+      <p:sp>
+        <p:nvSpPr>
+          <p:cNvPr id="8" name="TextBox 7"/>
+          <p:cNvSpPr txBox="1"/>
+          <p:nvPr/>
+        </p:nvSpPr>
+        <p:spPr>
+          <a:xfrm>
+            <a:off x="6414590" y="5586548"/>
+            <a:ext cx="2139405" cy="369332"/>
+          </a:xfrm>
+          <a:prstGeom prst="rect">
+            <a:avLst/>
+          </a:prstGeom>
+          <a:noFill/>
+        </p:spPr>
+        <p:txBody>
+          <a:bodyPr wrap="square" rtlCol="0">
+            <a:spAutoFit/>
+          </a:bodyPr>
+          <a:lstStyle/>
+          <a:p>
+            <a:r>
+              <a:rPr lang="es-CO" dirty="0" smtClean="0"/>
+              <a:t>Retorna 2</a:t>
+            </a:r>
+            <a:endParaRPr lang="es-ES" dirty="0"/>
+          </a:p>
+        </p:txBody>
+      </p:sp>
+      <p:graphicFrame>
+        <p:nvGraphicFramePr>
+          <p:cNvPr id="9" name="Table 8"/>
+          <p:cNvGraphicFramePr>
+            <a:graphicFrameLocks noGrp="1"/>
+          </p:cNvGraphicFramePr>
+          <p:nvPr>
+            <p:extLst>
+              <p:ext uri="{D42A27DB-BD31-4B8C-83A1-F6EECF244321}">
+                <p14:modId xmlns:p14="http://schemas.microsoft.com/office/powerpoint/2010/main" val="1891038608"/>
+              </p:ext>
+            </p:extLst>
+          </p:nvPr>
+        </p:nvGraphicFramePr>
+        <p:xfrm>
+          <a:off x="6414590" y="3715411"/>
+          <a:ext cx="2052318" cy="1710027"/>
+        </p:xfrm>
+        <a:graphic>
+          <a:graphicData uri="http://schemas.openxmlformats.org/drawingml/2006/table">
+            <a:tbl>
+              <a:tblPr firstRow="1" bandRow="1">
+                <a:tableStyleId>{5940675A-B579-460E-94D1-54222C63F5DA}</a:tableStyleId>
+              </a:tblPr>
+              <a:tblGrid>
+                <a:gridCol w="684106"/>
+                <a:gridCol w="684106"/>
+                <a:gridCol w="684106"/>
+              </a:tblGrid>
+              <a:tr h="570009">
+                <a:tc>
+                  <a:txBody>
+                    <a:bodyPr/>
+                    <a:lstStyle/>
+                    <a:p>
+                      <a:r>
+                        <a:rPr lang="es-CO" dirty="0" smtClean="0"/>
+                        <a:t>X</a:t>
+                      </a:r>
+                      <a:endParaRPr lang="es-ES" dirty="0"/>
+                    </a:p>
+                  </a:txBody>
+                  <a:tcPr/>
+                </a:tc>
+                <a:tc>
+                  <a:txBody>
+                    <a:bodyPr/>
+                    <a:lstStyle/>
+                    <a:p>
+                      <a:endParaRPr lang="es-ES" dirty="0"/>
+                    </a:p>
+                  </a:txBody>
+                  <a:tcPr/>
+                </a:tc>
+                <a:tc>
+                  <a:txBody>
+                    <a:bodyPr/>
+                    <a:lstStyle/>
+                    <a:p>
+                      <a:r>
+                        <a:rPr lang="es-CO" dirty="0" smtClean="0"/>
+                        <a:t>X</a:t>
+                      </a:r>
+                      <a:endParaRPr lang="es-ES" dirty="0"/>
+                    </a:p>
+                  </a:txBody>
+                  <a:tcPr/>
+                </a:tc>
+              </a:tr>
+              <a:tr h="570009">
+                <a:tc>
+                  <a:txBody>
+                    <a:bodyPr/>
+                    <a:lstStyle/>
+                    <a:p>
+                      <a:r>
+                        <a:rPr lang="es-CO" dirty="0" smtClean="0"/>
+                        <a:t>O</a:t>
+                      </a:r>
+                      <a:endParaRPr lang="es-ES" dirty="0"/>
+                    </a:p>
+                  </a:txBody>
+                  <a:tcPr/>
+                </a:tc>
+                <a:tc>
+                  <a:txBody>
+                    <a:bodyPr/>
+                    <a:lstStyle/>
+                    <a:p>
+                      <a:r>
+                        <a:rPr lang="es-CO" dirty="0" smtClean="0"/>
+                        <a:t>X</a:t>
+                      </a:r>
+                      <a:endParaRPr lang="es-ES" dirty="0"/>
+                    </a:p>
+                  </a:txBody>
+                  <a:tcPr/>
+                </a:tc>
+                <a:tc>
+                  <a:txBody>
+                    <a:bodyPr/>
+                    <a:lstStyle/>
+                    <a:p>
+                      <a:r>
+                        <a:rPr lang="es-CO" dirty="0" smtClean="0"/>
+                        <a:t>O</a:t>
+                      </a:r>
+                      <a:endParaRPr lang="es-ES" dirty="0"/>
+                    </a:p>
+                  </a:txBody>
+                  <a:tcPr/>
+                </a:tc>
+              </a:tr>
+              <a:tr h="570009">
+                <a:tc>
+                  <a:txBody>
+                    <a:bodyPr/>
+                    <a:lstStyle/>
+                    <a:p>
+                      <a:endParaRPr lang="es-ES" dirty="0"/>
+                    </a:p>
+                  </a:txBody>
+                  <a:tcPr/>
+                </a:tc>
+                <a:tc>
+                  <a:txBody>
+                    <a:bodyPr/>
+                    <a:lstStyle/>
+                    <a:p>
+                      <a:endParaRPr lang="es-ES" dirty="0"/>
+                    </a:p>
+                  </a:txBody>
+                  <a:tcPr/>
+                </a:tc>
+                <a:tc>
+                  <a:txBody>
+                    <a:bodyPr/>
+                    <a:lstStyle/>
+                    <a:p>
+                      <a:r>
+                        <a:rPr lang="es-CO" dirty="0" smtClean="0"/>
+                        <a:t>O</a:t>
+                      </a:r>
+                      <a:endParaRPr lang="es-ES" dirty="0"/>
+                    </a:p>
+                  </a:txBody>
+                  <a:tcPr/>
+                </a:tc>
+              </a:tr>
+            </a:tbl>
+          </a:graphicData>
+        </a:graphic>
+      </p:graphicFrame>
+    </p:spTree>
+    <p:extLst>
+      <p:ext uri="{BB962C8B-B14F-4D97-AF65-F5344CB8AC3E}">
+        <p14:creationId xmlns:p14="http://schemas.microsoft.com/office/powerpoint/2010/main" val="1624001206"/>
+      </p:ext>
+    </p:extLst>
+  </p:cSld>
+  <p:clrMapOvr>
+    <a:masterClrMapping/>
+  </p:clrMapOvr>
+  <p:timing>
+    <p:tnLst>
+      <p:par>
+        <p:cTn id="1" dur="indefinite" restart="never" nodeType="tmRoot"/>
+      </p:par>
+    </p:tnLst>
+  </p:timing>
 </p:sld>
 </file>
 
